--- a/docker.pptx
+++ b/docker.pptx
@@ -120,7 +120,7 @@
   </p:defaultTextStyle>
   <p:extLst>
     <p:ext uri="{EFAFB233-063F-42B5-8137-9DF3F51BA10A}">
-      <p15:sldGuideLst xmlns:p15="http://schemas.microsoft.com/office/powerpoint/2012/main">
+      <p15:sldGuideLst xmlns:p15="http://schemas.microsoft.com/office/powerpoint/2012/main" xmlns="">
         <p15:guide id="1" orient="horz" pos="2160" userDrawn="1">
           <p15:clr>
             <a:srgbClr val="A4A3A4"/>
@@ -392,7 +392,7 @@
     </p:spTree>
     <p:extLst>
       <p:ext uri="{BB962C8B-B14F-4D97-AF65-F5344CB8AC3E}">
-        <p14:creationId xmlns:p14="http://schemas.microsoft.com/office/powerpoint/2010/main" val="4136795833"/>
+        <p14:creationId xmlns:p14="http://schemas.microsoft.com/office/powerpoint/2010/main" xmlns="" val="4136795833"/>
       </p:ext>
     </p:extLst>
   </p:cSld>
@@ -567,7 +567,7 @@
     </p:spTree>
     <p:extLst>
       <p:ext uri="{BB962C8B-B14F-4D97-AF65-F5344CB8AC3E}">
-        <p14:creationId xmlns:p14="http://schemas.microsoft.com/office/powerpoint/2010/main" val="2594768037"/>
+        <p14:creationId xmlns:p14="http://schemas.microsoft.com/office/powerpoint/2010/main" xmlns="" val="2594768037"/>
       </p:ext>
     </p:extLst>
   </p:cSld>
@@ -652,7 +652,7 @@
     </p:spTree>
     <p:extLst>
       <p:ext uri="{BB962C8B-B14F-4D97-AF65-F5344CB8AC3E}">
-        <p14:creationId xmlns:p14="http://schemas.microsoft.com/office/powerpoint/2010/main" val="2506518844"/>
+        <p14:creationId xmlns:p14="http://schemas.microsoft.com/office/powerpoint/2010/main" xmlns="" val="2506518844"/>
       </p:ext>
     </p:extLst>
   </p:cSld>
@@ -737,7 +737,7 @@
     </p:spTree>
     <p:extLst>
       <p:ext uri="{BB962C8B-B14F-4D97-AF65-F5344CB8AC3E}">
-        <p14:creationId xmlns:p14="http://schemas.microsoft.com/office/powerpoint/2010/main" val="3310963080"/>
+        <p14:creationId xmlns:p14="http://schemas.microsoft.com/office/powerpoint/2010/main" xmlns="" val="3310963080"/>
       </p:ext>
     </p:extLst>
   </p:cSld>
@@ -822,7 +822,7 @@
     </p:spTree>
     <p:extLst>
       <p:ext uri="{BB962C8B-B14F-4D97-AF65-F5344CB8AC3E}">
-        <p14:creationId xmlns:p14="http://schemas.microsoft.com/office/powerpoint/2010/main" val="4235483088"/>
+        <p14:creationId xmlns:p14="http://schemas.microsoft.com/office/powerpoint/2010/main" xmlns="" val="4235483088"/>
       </p:ext>
     </p:extLst>
   </p:cSld>
@@ -907,7 +907,7 @@
     </p:spTree>
     <p:extLst>
       <p:ext uri="{BB962C8B-B14F-4D97-AF65-F5344CB8AC3E}">
-        <p14:creationId xmlns:p14="http://schemas.microsoft.com/office/powerpoint/2010/main" val="1199798051"/>
+        <p14:creationId xmlns:p14="http://schemas.microsoft.com/office/powerpoint/2010/main" xmlns="" val="1199798051"/>
       </p:ext>
     </p:extLst>
   </p:cSld>
@@ -992,7 +992,7 @@
     </p:spTree>
     <p:extLst>
       <p:ext uri="{BB962C8B-B14F-4D97-AF65-F5344CB8AC3E}">
-        <p14:creationId xmlns:p14="http://schemas.microsoft.com/office/powerpoint/2010/main" val="2416713267"/>
+        <p14:creationId xmlns:p14="http://schemas.microsoft.com/office/powerpoint/2010/main" xmlns="" val="2416713267"/>
       </p:ext>
     </p:extLst>
   </p:cSld>
@@ -1077,7 +1077,7 @@
     </p:spTree>
     <p:extLst>
       <p:ext uri="{BB962C8B-B14F-4D97-AF65-F5344CB8AC3E}">
-        <p14:creationId xmlns:p14="http://schemas.microsoft.com/office/powerpoint/2010/main" val="1561144535"/>
+        <p14:creationId xmlns:p14="http://schemas.microsoft.com/office/powerpoint/2010/main" xmlns="" val="1561144535"/>
       </p:ext>
     </p:extLst>
   </p:cSld>
@@ -1162,7 +1162,7 @@
     </p:spTree>
     <p:extLst>
       <p:ext uri="{BB962C8B-B14F-4D97-AF65-F5344CB8AC3E}">
-        <p14:creationId xmlns:p14="http://schemas.microsoft.com/office/powerpoint/2010/main" val="3177794071"/>
+        <p14:creationId xmlns:p14="http://schemas.microsoft.com/office/powerpoint/2010/main" xmlns="" val="3177794071"/>
       </p:ext>
     </p:extLst>
   </p:cSld>
@@ -1247,7 +1247,7 @@
     </p:spTree>
     <p:extLst>
       <p:ext uri="{BB962C8B-B14F-4D97-AF65-F5344CB8AC3E}">
-        <p14:creationId xmlns:p14="http://schemas.microsoft.com/office/powerpoint/2010/main" val="169439926"/>
+        <p14:creationId xmlns:p14="http://schemas.microsoft.com/office/powerpoint/2010/main" xmlns="" val="169439926"/>
       </p:ext>
     </p:extLst>
   </p:cSld>
@@ -1439,20 +1439,20 @@
     </p:spTree>
     <p:extLst>
       <p:ext uri="{BB962C8B-B14F-4D97-AF65-F5344CB8AC3E}">
-        <p14:creationId xmlns:p14="http://schemas.microsoft.com/office/powerpoint/2010/main" val="3379505774"/>
+        <p14:creationId xmlns:p14="http://schemas.microsoft.com/office/powerpoint/2010/main" xmlns="" val="3379505774"/>
       </p:ext>
     </p:extLst>
   </p:cSld>
   <p:clrMapOvr>
     <a:masterClrMapping/>
   </p:clrMapOvr>
-  <mc:AlternateContent xmlns:mc="http://schemas.openxmlformats.org/markup-compatibility/2006" xmlns:p14="http://schemas.microsoft.com/office/powerpoint/2010/main">
-    <mc:Choice Requires="p14">
+  <mc:AlternateContent xmlns:mc="http://schemas.openxmlformats.org/markup-compatibility/2006">
+    <mc:Choice xmlns:p14="http://schemas.microsoft.com/office/powerpoint/2010/main" xmlns="" Requires="p14">
       <p:transition spd="slow" p14:dur="1500" advClick="0" advTm="0">
         <p:random/>
       </p:transition>
     </mc:Choice>
-    <mc:Fallback xmlns="">
+    <mc:Fallback>
       <p:transition spd="slow" advClick="0" advTm="0">
         <p:random/>
       </p:transition>
@@ -1621,20 +1621,20 @@
     </p:spTree>
     <p:extLst>
       <p:ext uri="{BB962C8B-B14F-4D97-AF65-F5344CB8AC3E}">
-        <p14:creationId xmlns:p14="http://schemas.microsoft.com/office/powerpoint/2010/main" val="4292131042"/>
+        <p14:creationId xmlns:p14="http://schemas.microsoft.com/office/powerpoint/2010/main" xmlns="" val="4292131042"/>
       </p:ext>
     </p:extLst>
   </p:cSld>
   <p:clrMapOvr>
     <a:masterClrMapping/>
   </p:clrMapOvr>
-  <mc:AlternateContent xmlns:mc="http://schemas.openxmlformats.org/markup-compatibility/2006" xmlns:p14="http://schemas.microsoft.com/office/powerpoint/2010/main">
-    <mc:Choice Requires="p14">
+  <mc:AlternateContent xmlns:mc="http://schemas.openxmlformats.org/markup-compatibility/2006">
+    <mc:Choice xmlns:p14="http://schemas.microsoft.com/office/powerpoint/2010/main" xmlns="" Requires="p14">
       <p:transition spd="slow" p14:dur="1500" advClick="0" advTm="0">
         <p:random/>
       </p:transition>
     </mc:Choice>
-    <mc:Fallback xmlns="">
+    <mc:Fallback>
       <p:transition spd="slow" advClick="0" advTm="0">
         <p:random/>
       </p:transition>
@@ -1813,20 +1813,20 @@
     </p:spTree>
     <p:extLst>
       <p:ext uri="{BB962C8B-B14F-4D97-AF65-F5344CB8AC3E}">
-        <p14:creationId xmlns:p14="http://schemas.microsoft.com/office/powerpoint/2010/main" val="1952128637"/>
+        <p14:creationId xmlns:p14="http://schemas.microsoft.com/office/powerpoint/2010/main" xmlns="" val="1952128637"/>
       </p:ext>
     </p:extLst>
   </p:cSld>
   <p:clrMapOvr>
     <a:masterClrMapping/>
   </p:clrMapOvr>
-  <mc:AlternateContent xmlns:mc="http://schemas.openxmlformats.org/markup-compatibility/2006" xmlns:p14="http://schemas.microsoft.com/office/powerpoint/2010/main">
-    <mc:Choice Requires="p14">
+  <mc:AlternateContent xmlns:mc="http://schemas.openxmlformats.org/markup-compatibility/2006">
+    <mc:Choice xmlns:p14="http://schemas.microsoft.com/office/powerpoint/2010/main" xmlns="" Requires="p14">
       <p:transition spd="slow" p14:dur="1500" advClick="0" advTm="0">
         <p:random/>
       </p:transition>
     </mc:Choice>
-    <mc:Fallback xmlns="">
+    <mc:Fallback>
       <p:transition spd="slow" advClick="0" advTm="0">
         <p:random/>
       </p:transition>
@@ -1995,20 +1995,20 @@
     </p:spTree>
     <p:extLst>
       <p:ext uri="{BB962C8B-B14F-4D97-AF65-F5344CB8AC3E}">
-        <p14:creationId xmlns:p14="http://schemas.microsoft.com/office/powerpoint/2010/main" val="4173798514"/>
+        <p14:creationId xmlns:p14="http://schemas.microsoft.com/office/powerpoint/2010/main" xmlns="" val="4173798514"/>
       </p:ext>
     </p:extLst>
   </p:cSld>
   <p:clrMapOvr>
     <a:masterClrMapping/>
   </p:clrMapOvr>
-  <mc:AlternateContent xmlns:mc="http://schemas.openxmlformats.org/markup-compatibility/2006" xmlns:p14="http://schemas.microsoft.com/office/powerpoint/2010/main">
-    <mc:Choice Requires="p14">
+  <mc:AlternateContent xmlns:mc="http://schemas.openxmlformats.org/markup-compatibility/2006">
+    <mc:Choice xmlns:p14="http://schemas.microsoft.com/office/powerpoint/2010/main" xmlns="" Requires="p14">
       <p:transition spd="slow" p14:dur="1500" advClick="0" advTm="0">
         <p:random/>
       </p:transition>
     </mc:Choice>
-    <mc:Fallback xmlns="">
+    <mc:Fallback>
       <p:transition spd="slow" advClick="0" advTm="0">
         <p:random/>
       </p:transition>
@@ -2254,20 +2254,20 @@
     </p:spTree>
     <p:extLst>
       <p:ext uri="{BB962C8B-B14F-4D97-AF65-F5344CB8AC3E}">
-        <p14:creationId xmlns:p14="http://schemas.microsoft.com/office/powerpoint/2010/main" val="2343028950"/>
+        <p14:creationId xmlns:p14="http://schemas.microsoft.com/office/powerpoint/2010/main" xmlns="" val="2343028950"/>
       </p:ext>
     </p:extLst>
   </p:cSld>
   <p:clrMapOvr>
     <a:masterClrMapping/>
   </p:clrMapOvr>
-  <mc:AlternateContent xmlns:mc="http://schemas.openxmlformats.org/markup-compatibility/2006" xmlns:p14="http://schemas.microsoft.com/office/powerpoint/2010/main">
-    <mc:Choice Requires="p14">
+  <mc:AlternateContent xmlns:mc="http://schemas.openxmlformats.org/markup-compatibility/2006">
+    <mc:Choice xmlns:p14="http://schemas.microsoft.com/office/powerpoint/2010/main" xmlns="" Requires="p14">
       <p:transition spd="slow" p14:dur="1500" advClick="0" advTm="0">
         <p:random/>
       </p:transition>
     </mc:Choice>
-    <mc:Fallback xmlns="">
+    <mc:Fallback>
       <p:transition spd="slow" advClick="0" advTm="0">
         <p:random/>
       </p:transition>
@@ -2497,20 +2497,20 @@
     </p:spTree>
     <p:extLst>
       <p:ext uri="{BB962C8B-B14F-4D97-AF65-F5344CB8AC3E}">
-        <p14:creationId xmlns:p14="http://schemas.microsoft.com/office/powerpoint/2010/main" val="1951757828"/>
+        <p14:creationId xmlns:p14="http://schemas.microsoft.com/office/powerpoint/2010/main" xmlns="" val="1951757828"/>
       </p:ext>
     </p:extLst>
   </p:cSld>
   <p:clrMapOvr>
     <a:masterClrMapping/>
   </p:clrMapOvr>
-  <mc:AlternateContent xmlns:mc="http://schemas.openxmlformats.org/markup-compatibility/2006" xmlns:p14="http://schemas.microsoft.com/office/powerpoint/2010/main">
-    <mc:Choice Requires="p14">
+  <mc:AlternateContent xmlns:mc="http://schemas.openxmlformats.org/markup-compatibility/2006">
+    <mc:Choice xmlns:p14="http://schemas.microsoft.com/office/powerpoint/2010/main" xmlns="" Requires="p14">
       <p:transition spd="slow" p14:dur="1500" advClick="0" advTm="0">
         <p:random/>
       </p:transition>
     </mc:Choice>
-    <mc:Fallback xmlns="">
+    <mc:Fallback>
       <p:transition spd="slow" advClick="0" advTm="0">
         <p:random/>
       </p:transition>
@@ -2875,20 +2875,20 @@
     </p:spTree>
     <p:extLst>
       <p:ext uri="{BB962C8B-B14F-4D97-AF65-F5344CB8AC3E}">
-        <p14:creationId xmlns:p14="http://schemas.microsoft.com/office/powerpoint/2010/main" val="3785743930"/>
+        <p14:creationId xmlns:p14="http://schemas.microsoft.com/office/powerpoint/2010/main" xmlns="" val="3785743930"/>
       </p:ext>
     </p:extLst>
   </p:cSld>
   <p:clrMapOvr>
     <a:masterClrMapping/>
   </p:clrMapOvr>
-  <mc:AlternateContent xmlns:mc="http://schemas.openxmlformats.org/markup-compatibility/2006" xmlns:p14="http://schemas.microsoft.com/office/powerpoint/2010/main">
-    <mc:Choice Requires="p14">
+  <mc:AlternateContent xmlns:mc="http://schemas.openxmlformats.org/markup-compatibility/2006">
+    <mc:Choice xmlns:p14="http://schemas.microsoft.com/office/powerpoint/2010/main" xmlns="" Requires="p14">
       <p:transition spd="slow" p14:dur="1500" advClick="0" advTm="0">
         <p:random/>
       </p:transition>
     </mc:Choice>
-    <mc:Fallback xmlns="">
+    <mc:Fallback>
       <p:transition spd="slow" advClick="0" advTm="0">
         <p:random/>
       </p:transition>
@@ -3006,20 +3006,20 @@
     </p:spTree>
     <p:extLst>
       <p:ext uri="{BB962C8B-B14F-4D97-AF65-F5344CB8AC3E}">
-        <p14:creationId xmlns:p14="http://schemas.microsoft.com/office/powerpoint/2010/main" val="1272998583"/>
+        <p14:creationId xmlns:p14="http://schemas.microsoft.com/office/powerpoint/2010/main" xmlns="" val="1272998583"/>
       </p:ext>
     </p:extLst>
   </p:cSld>
   <p:clrMapOvr>
     <a:masterClrMapping/>
   </p:clrMapOvr>
-  <mc:AlternateContent xmlns:mc="http://schemas.openxmlformats.org/markup-compatibility/2006" xmlns:p14="http://schemas.microsoft.com/office/powerpoint/2010/main">
-    <mc:Choice Requires="p14">
+  <mc:AlternateContent xmlns:mc="http://schemas.openxmlformats.org/markup-compatibility/2006">
+    <mc:Choice xmlns:p14="http://schemas.microsoft.com/office/powerpoint/2010/main" xmlns="" Requires="p14">
       <p:transition spd="slow" p14:dur="1500" advClick="0" advTm="0">
         <p:random/>
       </p:transition>
     </mc:Choice>
-    <mc:Fallback xmlns="">
+    <mc:Fallback>
       <p:transition spd="slow" advClick="0" advTm="0">
         <p:random/>
       </p:transition>
@@ -3115,20 +3115,20 @@
     </p:spTree>
     <p:extLst>
       <p:ext uri="{BB962C8B-B14F-4D97-AF65-F5344CB8AC3E}">
-        <p14:creationId xmlns:p14="http://schemas.microsoft.com/office/powerpoint/2010/main" val="2103091704"/>
+        <p14:creationId xmlns:p14="http://schemas.microsoft.com/office/powerpoint/2010/main" xmlns="" val="2103091704"/>
       </p:ext>
     </p:extLst>
   </p:cSld>
   <p:clrMapOvr>
     <a:masterClrMapping/>
   </p:clrMapOvr>
-  <mc:AlternateContent xmlns:mc="http://schemas.openxmlformats.org/markup-compatibility/2006" xmlns:p14="http://schemas.microsoft.com/office/powerpoint/2010/main">
-    <mc:Choice Requires="p14">
+  <mc:AlternateContent xmlns:mc="http://schemas.openxmlformats.org/markup-compatibility/2006">
+    <mc:Choice xmlns:p14="http://schemas.microsoft.com/office/powerpoint/2010/main" xmlns="" Requires="p14">
       <p:transition spd="slow" p14:dur="1500" advClick="0" advTm="0">
         <p:random/>
       </p:transition>
     </mc:Choice>
-    <mc:Fallback xmlns="">
+    <mc:Fallback>
       <p:transition spd="slow" advClick="0" advTm="0">
         <p:random/>
       </p:transition>
@@ -3404,20 +3404,20 @@
     </p:spTree>
     <p:extLst>
       <p:ext uri="{BB962C8B-B14F-4D97-AF65-F5344CB8AC3E}">
-        <p14:creationId xmlns:p14="http://schemas.microsoft.com/office/powerpoint/2010/main" val="2275436477"/>
+        <p14:creationId xmlns:p14="http://schemas.microsoft.com/office/powerpoint/2010/main" xmlns="" val="2275436477"/>
       </p:ext>
     </p:extLst>
   </p:cSld>
   <p:clrMapOvr>
     <a:masterClrMapping/>
   </p:clrMapOvr>
-  <mc:AlternateContent xmlns:mc="http://schemas.openxmlformats.org/markup-compatibility/2006" xmlns:p14="http://schemas.microsoft.com/office/powerpoint/2010/main">
-    <mc:Choice Requires="p14">
+  <mc:AlternateContent xmlns:mc="http://schemas.openxmlformats.org/markup-compatibility/2006">
+    <mc:Choice xmlns:p14="http://schemas.microsoft.com/office/powerpoint/2010/main" xmlns="" Requires="p14">
       <p:transition spd="slow" p14:dur="1500" advClick="0" advTm="0">
         <p:random/>
       </p:transition>
     </mc:Choice>
-    <mc:Fallback xmlns="">
+    <mc:Fallback>
       <p:transition spd="slow" advClick="0" advTm="0">
         <p:random/>
       </p:transition>
@@ -3670,20 +3670,20 @@
     </p:spTree>
     <p:extLst>
       <p:ext uri="{BB962C8B-B14F-4D97-AF65-F5344CB8AC3E}">
-        <p14:creationId xmlns:p14="http://schemas.microsoft.com/office/powerpoint/2010/main" val="2724821356"/>
+        <p14:creationId xmlns:p14="http://schemas.microsoft.com/office/powerpoint/2010/main" xmlns="" val="2724821356"/>
       </p:ext>
     </p:extLst>
   </p:cSld>
   <p:clrMapOvr>
     <a:masterClrMapping/>
   </p:clrMapOvr>
-  <mc:AlternateContent xmlns:mc="http://schemas.openxmlformats.org/markup-compatibility/2006" xmlns:p14="http://schemas.microsoft.com/office/powerpoint/2010/main">
-    <mc:Choice Requires="p14">
+  <mc:AlternateContent xmlns:mc="http://schemas.openxmlformats.org/markup-compatibility/2006">
+    <mc:Choice xmlns:p14="http://schemas.microsoft.com/office/powerpoint/2010/main" xmlns="" Requires="p14">
       <p:transition spd="slow" p14:dur="1500" advClick="0" advTm="0">
         <p:random/>
       </p:transition>
     </mc:Choice>
-    <mc:Fallback xmlns="">
+    <mc:Fallback>
       <p:transition spd="slow" advClick="0" advTm="0">
         <p:random/>
       </p:transition>
@@ -3931,7 +3931,7 @@
     </p:spTree>
     <p:extLst>
       <p:ext uri="{BB962C8B-B14F-4D97-AF65-F5344CB8AC3E}">
-        <p14:creationId xmlns:p14="http://schemas.microsoft.com/office/powerpoint/2010/main" val="666783823"/>
+        <p14:creationId xmlns:p14="http://schemas.microsoft.com/office/powerpoint/2010/main" xmlns="" val="666783823"/>
       </p:ext>
     </p:extLst>
   </p:cSld>
@@ -3949,13 +3949,13 @@
     <p:sldLayoutId id="2147483658" r:id="rId10"/>
     <p:sldLayoutId id="2147483659" r:id="rId11"/>
   </p:sldLayoutIdLst>
-  <mc:AlternateContent xmlns:mc="http://schemas.openxmlformats.org/markup-compatibility/2006" xmlns:p14="http://schemas.microsoft.com/office/powerpoint/2010/main">
-    <mc:Choice Requires="p14">
+  <mc:AlternateContent xmlns:mc="http://schemas.openxmlformats.org/markup-compatibility/2006">
+    <mc:Choice xmlns:p14="http://schemas.microsoft.com/office/powerpoint/2010/main" xmlns="" Requires="p14">
       <p:transition spd="slow" p14:dur="1500" advClick="0" advTm="0">
         <p:random/>
       </p:transition>
     </mc:Choice>
-    <mc:Fallback xmlns="">
+    <mc:Fallback>
       <p:transition spd="slow" advClick="0" advTm="0">
         <p:random/>
       </p:transition>
@@ -4273,7 +4273,7 @@
           <a:blip r:embed="rId3" cstate="print">
             <a:extLst>
               <a:ext uri="{28A0092B-C50C-407E-A947-70E740481C1C}">
-                <a14:useLocalDpi xmlns:a14="http://schemas.microsoft.com/office/drawing/2010/main"/>
+                <a14:useLocalDpi xmlns:a14="http://schemas.microsoft.com/office/drawing/2010/main" xmlns=""/>
               </a:ext>
             </a:extLst>
           </a:blip>
@@ -9847,7 +9847,7 @@
           <p:cNvPr id="9" name="TextBox 8">
             <a:extLst>
               <a:ext uri="{FF2B5EF4-FFF2-40B4-BE49-F238E27FC236}">
-                <a16:creationId xmlns:a16="http://schemas.microsoft.com/office/drawing/2014/main" id="{73C77ED2-C357-47B7-8381-585C44BF2B89}"/>
+                <a16:creationId xmlns:a16="http://schemas.microsoft.com/office/drawing/2014/main" xmlns="" id="{73C77ED2-C357-47B7-8381-585C44BF2B89}"/>
               </a:ext>
             </a:extLst>
           </p:cNvPr>
@@ -9887,20 +9887,20 @@
     </p:spTree>
     <p:extLst>
       <p:ext uri="{BB962C8B-B14F-4D97-AF65-F5344CB8AC3E}">
-        <p14:creationId xmlns:p14="http://schemas.microsoft.com/office/powerpoint/2010/main" val="656483861"/>
+        <p14:creationId xmlns:p14="http://schemas.microsoft.com/office/powerpoint/2010/main" xmlns="" val="656483861"/>
       </p:ext>
     </p:extLst>
   </p:cSld>
   <p:clrMapOvr>
     <a:masterClrMapping/>
   </p:clrMapOvr>
-  <mc:AlternateContent xmlns:mc="http://schemas.openxmlformats.org/markup-compatibility/2006" xmlns:p14="http://schemas.microsoft.com/office/powerpoint/2010/main">
-    <mc:Choice Requires="p14">
+  <mc:AlternateContent xmlns:mc="http://schemas.openxmlformats.org/markup-compatibility/2006">
+    <mc:Choice xmlns:p14="http://schemas.microsoft.com/office/powerpoint/2010/main" xmlns="" Requires="p14">
       <p:transition spd="slow" p14:dur="1500">
         <p:random/>
       </p:transition>
     </mc:Choice>
-    <mc:Fallback xmlns="">
+    <mc:Fallback>
       <p:transition spd="slow">
         <p:random/>
       </p:transition>
@@ -10450,23 +10450,102 @@
           </a:fontRef>
         </p:style>
       </p:cxnSp>
+      <p:sp>
+        <p:nvSpPr>
+          <p:cNvPr id="8" name="TextBox 7"/>
+          <p:cNvSpPr txBox="1"/>
+          <p:nvPr/>
+        </p:nvSpPr>
+        <p:spPr>
+          <a:xfrm>
+            <a:off x="1264891" y="1062751"/>
+            <a:ext cx="2229969" cy="1477328"/>
+          </a:xfrm>
+          <a:prstGeom prst="rect">
+            <a:avLst/>
+          </a:prstGeom>
+        </p:spPr>
+        <p:style>
+          <a:lnRef idx="2">
+            <a:schemeClr val="accent1"/>
+          </a:lnRef>
+          <a:fillRef idx="1">
+            <a:schemeClr val="lt1"/>
+          </a:fillRef>
+          <a:effectRef idx="0">
+            <a:schemeClr val="accent1"/>
+          </a:effectRef>
+          <a:fontRef idx="minor">
+            <a:schemeClr val="dk1"/>
+          </a:fontRef>
+        </p:style>
+        <p:txBody>
+          <a:bodyPr wrap="none" rtlCol="0">
+            <a:spAutoFit/>
+          </a:bodyPr>
+          <a:lstStyle/>
+          <a:p>
+            <a:r>
+              <a:rPr lang="en-US" altLang="zh-CN" dirty="0" smtClean="0"/>
+              <a:t>yum install </a:t>
+            </a:r>
+            <a:r>
+              <a:rPr lang="en-US" altLang="zh-CN" dirty="0" err="1" smtClean="0"/>
+              <a:t>docker</a:t>
+            </a:r>
+            <a:endParaRPr lang="en-US" altLang="zh-CN" dirty="0" smtClean="0"/>
+          </a:p>
+          <a:p>
+            <a:endParaRPr lang="en-US" altLang="zh-CN" dirty="0" smtClean="0"/>
+          </a:p>
+          <a:p>
+            <a:r>
+              <a:rPr lang="en-US" altLang="zh-CN" dirty="0" err="1" smtClean="0"/>
+              <a:t>systemctl</a:t>
+            </a:r>
+            <a:r>
+              <a:rPr lang="en-US" altLang="zh-CN" dirty="0" smtClean="0"/>
+              <a:t> start </a:t>
+            </a:r>
+            <a:r>
+              <a:rPr lang="en-US" altLang="zh-CN" dirty="0" err="1" smtClean="0"/>
+              <a:t>docker</a:t>
+            </a:r>
+            <a:endParaRPr lang="en-US" altLang="zh-CN" dirty="0" smtClean="0"/>
+          </a:p>
+          <a:p>
+            <a:endParaRPr lang="en-US" altLang="zh-CN" dirty="0" smtClean="0"/>
+          </a:p>
+          <a:p>
+            <a:r>
+              <a:rPr lang="en-US" altLang="zh-CN" dirty="0" err="1" smtClean="0"/>
+              <a:t>docker</a:t>
+            </a:r>
+            <a:r>
+              <a:rPr lang="en-US" altLang="zh-CN" dirty="0" smtClean="0"/>
+              <a:t> images</a:t>
+            </a:r>
+            <a:endParaRPr lang="zh-CN" altLang="en-US" dirty="0"/>
+          </a:p>
+        </p:txBody>
+      </p:sp>
     </p:spTree>
     <p:extLst>
       <p:ext uri="{BB962C8B-B14F-4D97-AF65-F5344CB8AC3E}">
-        <p14:creationId xmlns:p14="http://schemas.microsoft.com/office/powerpoint/2010/main" val="264814506"/>
+        <p14:creationId xmlns:p14="http://schemas.microsoft.com/office/powerpoint/2010/main" xmlns="" val="264814506"/>
       </p:ext>
     </p:extLst>
   </p:cSld>
   <p:clrMapOvr>
     <a:masterClrMapping/>
   </p:clrMapOvr>
-  <mc:AlternateContent xmlns:mc="http://schemas.openxmlformats.org/markup-compatibility/2006" xmlns:p14="http://schemas.microsoft.com/office/powerpoint/2010/main">
-    <mc:Choice Requires="p14">
+  <mc:AlternateContent xmlns:mc="http://schemas.openxmlformats.org/markup-compatibility/2006">
+    <mc:Choice xmlns:p14="http://schemas.microsoft.com/office/powerpoint/2010/main" xmlns="" Requires="p14">
       <p:transition spd="slow" p14:dur="1500">
         <p:random/>
       </p:transition>
     </mc:Choice>
-    <mc:Fallback xmlns="">
+    <mc:Fallback>
       <p:transition spd="slow">
         <p:random/>
       </p:transition>
@@ -10752,7 +10831,7 @@
           <p:cNvPr id="10" name="Rectangle 9">
             <a:extLst>
               <a:ext uri="{FF2B5EF4-FFF2-40B4-BE49-F238E27FC236}">
-                <a16:creationId xmlns:a16="http://schemas.microsoft.com/office/drawing/2014/main" id="{C3BEC256-880E-495F-8B21-C117C57BD7A1}"/>
+                <a16:creationId xmlns:a16="http://schemas.microsoft.com/office/drawing/2014/main" xmlns="" id="{C3BEC256-880E-495F-8B21-C117C57BD7A1}"/>
               </a:ext>
             </a:extLst>
           </p:cNvPr>
@@ -11006,7 +11085,7 @@
           <p:cNvPr id="4" name="TextBox 3">
             <a:extLst>
               <a:ext uri="{FF2B5EF4-FFF2-40B4-BE49-F238E27FC236}">
-                <a16:creationId xmlns:a16="http://schemas.microsoft.com/office/drawing/2014/main" id="{90236678-5C83-4B9F-9151-7449B70D4F04}"/>
+                <a16:creationId xmlns:a16="http://schemas.microsoft.com/office/drawing/2014/main" xmlns="" id="{90236678-5C83-4B9F-9151-7449B70D4F04}"/>
               </a:ext>
             </a:extLst>
           </p:cNvPr>
@@ -11074,6 +11153,10 @@
             <a:br>
               <a:rPr lang="zh-CN" altLang="en-US" dirty="0"/>
             </a:br>
+            <a:r>
+              <a:rPr lang="zh-CN" altLang="en-US" dirty="0"/>
+              <a:t/>
+            </a:r>
             <a:br>
               <a:rPr lang="zh-CN" altLang="en-US" dirty="0"/>
             </a:br>
@@ -11114,7 +11197,7 @@
           <p:cNvPr id="6" name="Rectangle: Rounded Corners 5">
             <a:extLst>
               <a:ext uri="{FF2B5EF4-FFF2-40B4-BE49-F238E27FC236}">
-                <a16:creationId xmlns:a16="http://schemas.microsoft.com/office/drawing/2014/main" id="{B596286C-9C6C-4EC2-AC83-309B2A25A96F}"/>
+                <a16:creationId xmlns:a16="http://schemas.microsoft.com/office/drawing/2014/main" xmlns="" id="{B596286C-9C6C-4EC2-AC83-309B2A25A96F}"/>
               </a:ext>
             </a:extLst>
           </p:cNvPr>
@@ -11162,7 +11245,7 @@
           <p:cNvPr id="7" name="Rectangle: Rounded Corners 6">
             <a:extLst>
               <a:ext uri="{FF2B5EF4-FFF2-40B4-BE49-F238E27FC236}">
-                <a16:creationId xmlns:a16="http://schemas.microsoft.com/office/drawing/2014/main" id="{F356C7F2-BAAA-4D64-923A-A862D8C4DA2D}"/>
+                <a16:creationId xmlns:a16="http://schemas.microsoft.com/office/drawing/2014/main" xmlns="" id="{F356C7F2-BAAA-4D64-923A-A862D8C4DA2D}"/>
               </a:ext>
             </a:extLst>
           </p:cNvPr>
@@ -11210,7 +11293,7 @@
           <p:cNvPr id="18" name="Rectangle: Rounded Corners 17">
             <a:extLst>
               <a:ext uri="{FF2B5EF4-FFF2-40B4-BE49-F238E27FC236}">
-                <a16:creationId xmlns:a16="http://schemas.microsoft.com/office/drawing/2014/main" id="{C4C37132-BAFE-490C-A6A6-1B8CBEFF2B58}"/>
+                <a16:creationId xmlns:a16="http://schemas.microsoft.com/office/drawing/2014/main" xmlns="" id="{C4C37132-BAFE-490C-A6A6-1B8CBEFF2B58}"/>
               </a:ext>
             </a:extLst>
           </p:cNvPr>
@@ -11258,7 +11341,7 @@
           <p:cNvPr id="9" name="Rectangle: Rounded Corners 8">
             <a:extLst>
               <a:ext uri="{FF2B5EF4-FFF2-40B4-BE49-F238E27FC236}">
-                <a16:creationId xmlns:a16="http://schemas.microsoft.com/office/drawing/2014/main" id="{7E05808C-5FD7-41E5-A43D-131D329760F1}"/>
+                <a16:creationId xmlns:a16="http://schemas.microsoft.com/office/drawing/2014/main" xmlns="" id="{7E05808C-5FD7-41E5-A43D-131D329760F1}"/>
               </a:ext>
             </a:extLst>
           </p:cNvPr>
@@ -11312,7 +11395,7 @@
           <p:cNvPr id="19" name="Rectangle: Rounded Corners 18">
             <a:extLst>
               <a:ext uri="{FF2B5EF4-FFF2-40B4-BE49-F238E27FC236}">
-                <a16:creationId xmlns:a16="http://schemas.microsoft.com/office/drawing/2014/main" id="{4A0DA287-6F77-4680-B7A5-ACDBA5C1BFD6}"/>
+                <a16:creationId xmlns:a16="http://schemas.microsoft.com/office/drawing/2014/main" xmlns="" id="{4A0DA287-6F77-4680-B7A5-ACDBA5C1BFD6}"/>
               </a:ext>
             </a:extLst>
           </p:cNvPr>
@@ -11366,7 +11449,7 @@
           <p:cNvPr id="20" name="Rectangle: Rounded Corners 19">
             <a:extLst>
               <a:ext uri="{FF2B5EF4-FFF2-40B4-BE49-F238E27FC236}">
-                <a16:creationId xmlns:a16="http://schemas.microsoft.com/office/drawing/2014/main" id="{9605DD40-9ED7-4F99-B494-7DD5B4B515AC}"/>
+                <a16:creationId xmlns:a16="http://schemas.microsoft.com/office/drawing/2014/main" xmlns="" id="{9605DD40-9ED7-4F99-B494-7DD5B4B515AC}"/>
               </a:ext>
             </a:extLst>
           </p:cNvPr>
@@ -11420,7 +11503,7 @@
           <p:cNvPr id="21" name="Rectangle: Rounded Corners 20">
             <a:extLst>
               <a:ext uri="{FF2B5EF4-FFF2-40B4-BE49-F238E27FC236}">
-                <a16:creationId xmlns:a16="http://schemas.microsoft.com/office/drawing/2014/main" id="{E107FD82-AA46-4011-A1ED-FE327DBB6E29}"/>
+                <a16:creationId xmlns:a16="http://schemas.microsoft.com/office/drawing/2014/main" xmlns="" id="{E107FD82-AA46-4011-A1ED-FE327DBB6E29}"/>
               </a:ext>
             </a:extLst>
           </p:cNvPr>
@@ -11469,7 +11552,7 @@
           <p:cNvPr id="22" name="Rectangle: Rounded Corners 21">
             <a:extLst>
               <a:ext uri="{FF2B5EF4-FFF2-40B4-BE49-F238E27FC236}">
-                <a16:creationId xmlns:a16="http://schemas.microsoft.com/office/drawing/2014/main" id="{6D52BAE1-0D38-437E-9AF8-8A86AC109571}"/>
+                <a16:creationId xmlns:a16="http://schemas.microsoft.com/office/drawing/2014/main" xmlns="" id="{6D52BAE1-0D38-437E-9AF8-8A86AC109571}"/>
               </a:ext>
             </a:extLst>
           </p:cNvPr>
@@ -11518,7 +11601,7 @@
           <p:cNvPr id="23" name="Rectangle: Rounded Corners 22">
             <a:extLst>
               <a:ext uri="{FF2B5EF4-FFF2-40B4-BE49-F238E27FC236}">
-                <a16:creationId xmlns:a16="http://schemas.microsoft.com/office/drawing/2014/main" id="{1EB1FA68-970D-402C-8EC3-075AB2372080}"/>
+                <a16:creationId xmlns:a16="http://schemas.microsoft.com/office/drawing/2014/main" xmlns="" id="{1EB1FA68-970D-402C-8EC3-075AB2372080}"/>
               </a:ext>
             </a:extLst>
           </p:cNvPr>
@@ -11574,7 +11657,7 @@
           <p:cNvPr id="12" name="Straight Arrow Connector 11">
             <a:extLst>
               <a:ext uri="{FF2B5EF4-FFF2-40B4-BE49-F238E27FC236}">
-                <a16:creationId xmlns:a16="http://schemas.microsoft.com/office/drawing/2014/main" id="{A3C14345-4820-4302-AF09-FEFBEFF6381B}"/>
+                <a16:creationId xmlns:a16="http://schemas.microsoft.com/office/drawing/2014/main" xmlns="" id="{A3C14345-4820-4302-AF09-FEFBEFF6381B}"/>
               </a:ext>
             </a:extLst>
           </p:cNvPr>
@@ -11616,7 +11699,7 @@
           <p:cNvPr id="25" name="Straight Arrow Connector 24">
             <a:extLst>
               <a:ext uri="{FF2B5EF4-FFF2-40B4-BE49-F238E27FC236}">
-                <a16:creationId xmlns:a16="http://schemas.microsoft.com/office/drawing/2014/main" id="{95A73916-C71C-478B-9297-D0CC38BADE09}"/>
+                <a16:creationId xmlns:a16="http://schemas.microsoft.com/office/drawing/2014/main" xmlns="" id="{95A73916-C71C-478B-9297-D0CC38BADE09}"/>
               </a:ext>
             </a:extLst>
           </p:cNvPr>
@@ -11657,7 +11740,7 @@
           <p:cNvPr id="27" name="Straight Arrow Connector 26">
             <a:extLst>
               <a:ext uri="{FF2B5EF4-FFF2-40B4-BE49-F238E27FC236}">
-                <a16:creationId xmlns:a16="http://schemas.microsoft.com/office/drawing/2014/main" id="{624521CF-274D-474D-BA2C-32FC9D476772}"/>
+                <a16:creationId xmlns:a16="http://schemas.microsoft.com/office/drawing/2014/main" xmlns="" id="{624521CF-274D-474D-BA2C-32FC9D476772}"/>
               </a:ext>
             </a:extLst>
           </p:cNvPr>
@@ -11698,7 +11781,7 @@
           <p:cNvPr id="29" name="Straight Arrow Connector 28">
             <a:extLst>
               <a:ext uri="{FF2B5EF4-FFF2-40B4-BE49-F238E27FC236}">
-                <a16:creationId xmlns:a16="http://schemas.microsoft.com/office/drawing/2014/main" id="{11895928-A4F5-456E-B589-F62CF711C195}"/>
+                <a16:creationId xmlns:a16="http://schemas.microsoft.com/office/drawing/2014/main" xmlns="" id="{11895928-A4F5-456E-B589-F62CF711C195}"/>
               </a:ext>
             </a:extLst>
           </p:cNvPr>
@@ -11740,7 +11823,7 @@
           <p:cNvPr id="31" name="Straight Arrow Connector 30">
             <a:extLst>
               <a:ext uri="{FF2B5EF4-FFF2-40B4-BE49-F238E27FC236}">
-                <a16:creationId xmlns:a16="http://schemas.microsoft.com/office/drawing/2014/main" id="{6017D859-B78A-4494-827B-6963CD37F943}"/>
+                <a16:creationId xmlns:a16="http://schemas.microsoft.com/office/drawing/2014/main" xmlns="" id="{6017D859-B78A-4494-827B-6963CD37F943}"/>
               </a:ext>
             </a:extLst>
           </p:cNvPr>
@@ -11782,7 +11865,7 @@
           <p:cNvPr id="33" name="Straight Arrow Connector 32">
             <a:extLst>
               <a:ext uri="{FF2B5EF4-FFF2-40B4-BE49-F238E27FC236}">
-                <a16:creationId xmlns:a16="http://schemas.microsoft.com/office/drawing/2014/main" id="{7968F93C-AD7B-48D0-A6DF-82701C1C9206}"/>
+                <a16:creationId xmlns:a16="http://schemas.microsoft.com/office/drawing/2014/main" xmlns="" id="{7968F93C-AD7B-48D0-A6DF-82701C1C9206}"/>
               </a:ext>
             </a:extLst>
           </p:cNvPr>
@@ -11824,7 +11907,7 @@
           <p:cNvPr id="35" name="Straight Arrow Connector 34">
             <a:extLst>
               <a:ext uri="{FF2B5EF4-FFF2-40B4-BE49-F238E27FC236}">
-                <a16:creationId xmlns:a16="http://schemas.microsoft.com/office/drawing/2014/main" id="{7E91D584-92DE-4D66-B25D-4990C7501309}"/>
+                <a16:creationId xmlns:a16="http://schemas.microsoft.com/office/drawing/2014/main" xmlns="" id="{7E91D584-92DE-4D66-B25D-4990C7501309}"/>
               </a:ext>
             </a:extLst>
           </p:cNvPr>
@@ -11866,7 +11949,7 @@
           <p:cNvPr id="37" name="Straight Arrow Connector 36">
             <a:extLst>
               <a:ext uri="{FF2B5EF4-FFF2-40B4-BE49-F238E27FC236}">
-                <a16:creationId xmlns:a16="http://schemas.microsoft.com/office/drawing/2014/main" id="{E40F83EF-DC2A-4E10-A88A-A771F1D51CA1}"/>
+                <a16:creationId xmlns:a16="http://schemas.microsoft.com/office/drawing/2014/main" xmlns="" id="{E40F83EF-DC2A-4E10-A88A-A771F1D51CA1}"/>
               </a:ext>
             </a:extLst>
           </p:cNvPr>
@@ -11905,20 +11988,20 @@
     </p:spTree>
     <p:extLst>
       <p:ext uri="{BB962C8B-B14F-4D97-AF65-F5344CB8AC3E}">
-        <p14:creationId xmlns:p14="http://schemas.microsoft.com/office/powerpoint/2010/main" val="959313378"/>
+        <p14:creationId xmlns:p14="http://schemas.microsoft.com/office/powerpoint/2010/main" xmlns="" val="959313378"/>
       </p:ext>
     </p:extLst>
   </p:cSld>
   <p:clrMapOvr>
     <a:masterClrMapping/>
   </p:clrMapOvr>
-  <mc:AlternateContent xmlns:mc="http://schemas.openxmlformats.org/markup-compatibility/2006" xmlns:p14="http://schemas.microsoft.com/office/powerpoint/2010/main">
-    <mc:Choice Requires="p14">
+  <mc:AlternateContent xmlns:mc="http://schemas.openxmlformats.org/markup-compatibility/2006">
+    <mc:Choice xmlns:p14="http://schemas.microsoft.com/office/powerpoint/2010/main" xmlns="" Requires="p14">
       <p:transition spd="slow" p14:dur="1500">
         <p:random/>
       </p:transition>
     </mc:Choice>
-    <mc:Fallback xmlns="">
+    <mc:Fallback>
       <p:transition spd="slow">
         <p:random/>
       </p:transition>
@@ -12417,20 +12500,20 @@
     </p:spTree>
     <p:extLst>
       <p:ext uri="{BB962C8B-B14F-4D97-AF65-F5344CB8AC3E}">
-        <p14:creationId xmlns:p14="http://schemas.microsoft.com/office/powerpoint/2010/main" val="3399076800"/>
+        <p14:creationId xmlns:p14="http://schemas.microsoft.com/office/powerpoint/2010/main" xmlns="" val="3399076800"/>
       </p:ext>
     </p:extLst>
   </p:cSld>
   <p:clrMapOvr>
     <a:masterClrMapping/>
   </p:clrMapOvr>
-  <mc:AlternateContent xmlns:mc="http://schemas.openxmlformats.org/markup-compatibility/2006" xmlns:p14="http://schemas.microsoft.com/office/powerpoint/2010/main">
-    <mc:Choice Requires="p14">
+  <mc:AlternateContent xmlns:mc="http://schemas.openxmlformats.org/markup-compatibility/2006">
+    <mc:Choice xmlns:p14="http://schemas.microsoft.com/office/powerpoint/2010/main" xmlns="" Requires="p14">
       <p:transition spd="slow" p14:dur="1500">
         <p:random/>
       </p:transition>
     </mc:Choice>
-    <mc:Fallback xmlns="">
+    <mc:Fallback>
       <p:transition spd="slow">
         <p:random/>
       </p:transition>
@@ -12929,20 +13012,20 @@
     </p:spTree>
     <p:extLst>
       <p:ext uri="{BB962C8B-B14F-4D97-AF65-F5344CB8AC3E}">
-        <p14:creationId xmlns:p14="http://schemas.microsoft.com/office/powerpoint/2010/main" val="2123268970"/>
+        <p14:creationId xmlns:p14="http://schemas.microsoft.com/office/powerpoint/2010/main" xmlns="" val="2123268970"/>
       </p:ext>
     </p:extLst>
   </p:cSld>
   <p:clrMapOvr>
     <a:masterClrMapping/>
   </p:clrMapOvr>
-  <mc:AlternateContent xmlns:mc="http://schemas.openxmlformats.org/markup-compatibility/2006" xmlns:p14="http://schemas.microsoft.com/office/powerpoint/2010/main">
-    <mc:Choice Requires="p14">
+  <mc:AlternateContent xmlns:mc="http://schemas.openxmlformats.org/markup-compatibility/2006">
+    <mc:Choice xmlns:p14="http://schemas.microsoft.com/office/powerpoint/2010/main" xmlns="" Requires="p14">
       <p:transition spd="slow" p14:dur="1500">
         <p:random/>
       </p:transition>
     </mc:Choice>
-    <mc:Fallback xmlns="">
+    <mc:Fallback>
       <p:transition spd="slow">
         <p:random/>
       </p:transition>
@@ -13441,20 +13524,20 @@
     </p:spTree>
     <p:extLst>
       <p:ext uri="{BB962C8B-B14F-4D97-AF65-F5344CB8AC3E}">
-        <p14:creationId xmlns:p14="http://schemas.microsoft.com/office/powerpoint/2010/main" val="2250819296"/>
+        <p14:creationId xmlns:p14="http://schemas.microsoft.com/office/powerpoint/2010/main" xmlns="" val="2250819296"/>
       </p:ext>
     </p:extLst>
   </p:cSld>
   <p:clrMapOvr>
     <a:masterClrMapping/>
   </p:clrMapOvr>
-  <mc:AlternateContent xmlns:mc="http://schemas.openxmlformats.org/markup-compatibility/2006" xmlns:p14="http://schemas.microsoft.com/office/powerpoint/2010/main">
-    <mc:Choice Requires="p14">
+  <mc:AlternateContent xmlns:mc="http://schemas.openxmlformats.org/markup-compatibility/2006">
+    <mc:Choice xmlns:p14="http://schemas.microsoft.com/office/powerpoint/2010/main" xmlns="" Requires="p14">
       <p:transition spd="slow" p14:dur="1500">
         <p:random/>
       </p:transition>
     </mc:Choice>
-    <mc:Fallback xmlns="">
+    <mc:Fallback>
       <p:transition spd="slow">
         <p:random/>
       </p:transition>
@@ -13953,20 +14036,20 @@
     </p:spTree>
     <p:extLst>
       <p:ext uri="{BB962C8B-B14F-4D97-AF65-F5344CB8AC3E}">
-        <p14:creationId xmlns:p14="http://schemas.microsoft.com/office/powerpoint/2010/main" val="1882032925"/>
+        <p14:creationId xmlns:p14="http://schemas.microsoft.com/office/powerpoint/2010/main" xmlns="" val="1882032925"/>
       </p:ext>
     </p:extLst>
   </p:cSld>
   <p:clrMapOvr>
     <a:masterClrMapping/>
   </p:clrMapOvr>
-  <mc:AlternateContent xmlns:mc="http://schemas.openxmlformats.org/markup-compatibility/2006" xmlns:p14="http://schemas.microsoft.com/office/powerpoint/2010/main">
-    <mc:Choice Requires="p14">
+  <mc:AlternateContent xmlns:mc="http://schemas.openxmlformats.org/markup-compatibility/2006">
+    <mc:Choice xmlns:p14="http://schemas.microsoft.com/office/powerpoint/2010/main" xmlns="" Requires="p14">
       <p:transition spd="slow" p14:dur="1500">
         <p:random/>
       </p:transition>
     </mc:Choice>
-    <mc:Fallback xmlns="">
+    <mc:Fallback>
       <p:transition spd="slow">
         <p:random/>
       </p:transition>
@@ -14465,20 +14548,20 @@
     </p:spTree>
     <p:extLst>
       <p:ext uri="{BB962C8B-B14F-4D97-AF65-F5344CB8AC3E}">
-        <p14:creationId xmlns:p14="http://schemas.microsoft.com/office/powerpoint/2010/main" val="2029473334"/>
+        <p14:creationId xmlns:p14="http://schemas.microsoft.com/office/powerpoint/2010/main" xmlns="" val="2029473334"/>
       </p:ext>
     </p:extLst>
   </p:cSld>
   <p:clrMapOvr>
     <a:masterClrMapping/>
   </p:clrMapOvr>
-  <mc:AlternateContent xmlns:mc="http://schemas.openxmlformats.org/markup-compatibility/2006" xmlns:p14="http://schemas.microsoft.com/office/powerpoint/2010/main">
-    <mc:Choice Requires="p14">
+  <mc:AlternateContent xmlns:mc="http://schemas.openxmlformats.org/markup-compatibility/2006">
+    <mc:Choice xmlns:p14="http://schemas.microsoft.com/office/powerpoint/2010/main" xmlns="" Requires="p14">
       <p:transition spd="slow" p14:dur="1500">
         <p:random/>
       </p:transition>
     </mc:Choice>
-    <mc:Fallback xmlns="">
+    <mc:Fallback>
       <p:transition spd="slow">
         <p:random/>
       </p:transition>
@@ -14977,20 +15060,20 @@
     </p:spTree>
     <p:extLst>
       <p:ext uri="{BB962C8B-B14F-4D97-AF65-F5344CB8AC3E}">
-        <p14:creationId xmlns:p14="http://schemas.microsoft.com/office/powerpoint/2010/main" val="1722153153"/>
+        <p14:creationId xmlns:p14="http://schemas.microsoft.com/office/powerpoint/2010/main" xmlns="" val="1722153153"/>
       </p:ext>
     </p:extLst>
   </p:cSld>
   <p:clrMapOvr>
     <a:masterClrMapping/>
   </p:clrMapOvr>
-  <mc:AlternateContent xmlns:mc="http://schemas.openxmlformats.org/markup-compatibility/2006" xmlns:p14="http://schemas.microsoft.com/office/powerpoint/2010/main">
-    <mc:Choice Requires="p14">
+  <mc:AlternateContent xmlns:mc="http://schemas.openxmlformats.org/markup-compatibility/2006">
+    <mc:Choice xmlns:p14="http://schemas.microsoft.com/office/powerpoint/2010/main" xmlns="" Requires="p14">
       <p:transition spd="slow" p14:dur="1500">
         <p:random/>
       </p:transition>
     </mc:Choice>
-    <mc:Fallback xmlns="">
+    <mc:Fallback>
       <p:transition spd="slow">
         <p:random/>
       </p:transition>
@@ -15515,7 +15598,7 @@
   <a:extraClrSchemeLst/>
   <a:extLst>
     <a:ext uri="{05A4C25C-085E-4340-85A3-A5531E510DB2}">
-      <thm15:themeFamily xmlns:thm15="http://schemas.microsoft.com/office/thememl/2012/main" name="Office Theme" id="{62F939B6-93AF-4DB8-9C6B-D6C7DFDC589F}" vid="{4A3C46E8-61CC-4603-A589-7422A47A8E4A}"/>
+      <thm15:themeFamily xmlns:thm15="http://schemas.microsoft.com/office/thememl/2012/main" xmlns="" name="Office Theme" id="{62F939B6-93AF-4DB8-9C6B-D6C7DFDC589F}" vid="{4A3C46E8-61CC-4603-A589-7422A47A8E4A}"/>
     </a:ext>
   </a:extLst>
 </a:theme>
@@ -15776,7 +15859,7 @@
   <a:extraClrSchemeLst/>
   <a:extLst>
     <a:ext uri="{05A4C25C-085E-4340-85A3-A5531E510DB2}">
-      <thm15:themeFamily xmlns:thm15="http://schemas.microsoft.com/office/thememl/2012/main" name="Office Theme" id="{62F939B6-93AF-4DB8-9C6B-D6C7DFDC589F}" vid="{4A3C46E8-61CC-4603-A589-7422A47A8E4A}"/>
+      <thm15:themeFamily xmlns:thm15="http://schemas.microsoft.com/office/thememl/2012/main" xmlns="" name="Office Theme" id="{62F939B6-93AF-4DB8-9C6B-D6C7DFDC589F}" vid="{4A3C46E8-61CC-4603-A589-7422A47A8E4A}"/>
     </a:ext>
   </a:extLst>
 </a:theme>

--- a/docker.pptx
+++ b/docker.pptx
@@ -120,7 +120,7 @@
   </p:defaultTextStyle>
   <p:extLst>
     <p:ext uri="{EFAFB233-063F-42B5-8137-9DF3F51BA10A}">
-      <p15:sldGuideLst xmlns:p15="http://schemas.microsoft.com/office/powerpoint/2012/main" xmlns="">
+      <p15:sldGuideLst xmlns="" xmlns:p15="http://schemas.microsoft.com/office/powerpoint/2012/main">
         <p15:guide id="1" orient="horz" pos="2160" userDrawn="1">
           <p15:clr>
             <a:srgbClr val="A4A3A4"/>
@@ -224,7 +224,7 @@
             <a:fld id="{05B1D5F9-199E-4B77-ACFB-0D659EE03F6C}" type="datetimeFigureOut">
               <a:rPr lang="zh-CN" altLang="en-US" smtClean="0"/>
               <a:pPr/>
-              <a:t>2018/5/29</a:t>
+              <a:t>2018/5/31</a:t>
             </a:fld>
             <a:endParaRPr lang="zh-CN" altLang="en-US"/>
           </a:p>
@@ -392,7 +392,7 @@
     </p:spTree>
     <p:extLst>
       <p:ext uri="{BB962C8B-B14F-4D97-AF65-F5344CB8AC3E}">
-        <p14:creationId xmlns:p14="http://schemas.microsoft.com/office/powerpoint/2010/main" xmlns="" val="4136795833"/>
+        <p14:creationId xmlns="" xmlns:p14="http://schemas.microsoft.com/office/powerpoint/2010/main" val="4136795833"/>
       </p:ext>
     </p:extLst>
   </p:cSld>
@@ -567,7 +567,7 @@
     </p:spTree>
     <p:extLst>
       <p:ext uri="{BB962C8B-B14F-4D97-AF65-F5344CB8AC3E}">
-        <p14:creationId xmlns:p14="http://schemas.microsoft.com/office/powerpoint/2010/main" xmlns="" val="2594768037"/>
+        <p14:creationId xmlns="" xmlns:p14="http://schemas.microsoft.com/office/powerpoint/2010/main" val="2594768037"/>
       </p:ext>
     </p:extLst>
   </p:cSld>
@@ -652,7 +652,7 @@
     </p:spTree>
     <p:extLst>
       <p:ext uri="{BB962C8B-B14F-4D97-AF65-F5344CB8AC3E}">
-        <p14:creationId xmlns:p14="http://schemas.microsoft.com/office/powerpoint/2010/main" xmlns="" val="2506518844"/>
+        <p14:creationId xmlns="" xmlns:p14="http://schemas.microsoft.com/office/powerpoint/2010/main" val="2506518844"/>
       </p:ext>
     </p:extLst>
   </p:cSld>
@@ -737,7 +737,7 @@
     </p:spTree>
     <p:extLst>
       <p:ext uri="{BB962C8B-B14F-4D97-AF65-F5344CB8AC3E}">
-        <p14:creationId xmlns:p14="http://schemas.microsoft.com/office/powerpoint/2010/main" xmlns="" val="3310963080"/>
+        <p14:creationId xmlns="" xmlns:p14="http://schemas.microsoft.com/office/powerpoint/2010/main" val="3310963080"/>
       </p:ext>
     </p:extLst>
   </p:cSld>
@@ -822,7 +822,7 @@
     </p:spTree>
     <p:extLst>
       <p:ext uri="{BB962C8B-B14F-4D97-AF65-F5344CB8AC3E}">
-        <p14:creationId xmlns:p14="http://schemas.microsoft.com/office/powerpoint/2010/main" xmlns="" val="4235483088"/>
+        <p14:creationId xmlns="" xmlns:p14="http://schemas.microsoft.com/office/powerpoint/2010/main" val="4235483088"/>
       </p:ext>
     </p:extLst>
   </p:cSld>
@@ -907,7 +907,7 @@
     </p:spTree>
     <p:extLst>
       <p:ext uri="{BB962C8B-B14F-4D97-AF65-F5344CB8AC3E}">
-        <p14:creationId xmlns:p14="http://schemas.microsoft.com/office/powerpoint/2010/main" xmlns="" val="1199798051"/>
+        <p14:creationId xmlns="" xmlns:p14="http://schemas.microsoft.com/office/powerpoint/2010/main" val="1199798051"/>
       </p:ext>
     </p:extLst>
   </p:cSld>
@@ -992,7 +992,7 @@
     </p:spTree>
     <p:extLst>
       <p:ext uri="{BB962C8B-B14F-4D97-AF65-F5344CB8AC3E}">
-        <p14:creationId xmlns:p14="http://schemas.microsoft.com/office/powerpoint/2010/main" xmlns="" val="2416713267"/>
+        <p14:creationId xmlns="" xmlns:p14="http://schemas.microsoft.com/office/powerpoint/2010/main" val="2416713267"/>
       </p:ext>
     </p:extLst>
   </p:cSld>
@@ -1077,7 +1077,7 @@
     </p:spTree>
     <p:extLst>
       <p:ext uri="{BB962C8B-B14F-4D97-AF65-F5344CB8AC3E}">
-        <p14:creationId xmlns:p14="http://schemas.microsoft.com/office/powerpoint/2010/main" xmlns="" val="1561144535"/>
+        <p14:creationId xmlns="" xmlns:p14="http://schemas.microsoft.com/office/powerpoint/2010/main" val="1561144535"/>
       </p:ext>
     </p:extLst>
   </p:cSld>
@@ -1162,7 +1162,7 @@
     </p:spTree>
     <p:extLst>
       <p:ext uri="{BB962C8B-B14F-4D97-AF65-F5344CB8AC3E}">
-        <p14:creationId xmlns:p14="http://schemas.microsoft.com/office/powerpoint/2010/main" xmlns="" val="3177794071"/>
+        <p14:creationId xmlns="" xmlns:p14="http://schemas.microsoft.com/office/powerpoint/2010/main" val="3177794071"/>
       </p:ext>
     </p:extLst>
   </p:cSld>
@@ -1247,7 +1247,7 @@
     </p:spTree>
     <p:extLst>
       <p:ext uri="{BB962C8B-B14F-4D97-AF65-F5344CB8AC3E}">
-        <p14:creationId xmlns:p14="http://schemas.microsoft.com/office/powerpoint/2010/main" xmlns="" val="169439926"/>
+        <p14:creationId xmlns="" xmlns:p14="http://schemas.microsoft.com/office/powerpoint/2010/main" val="169439926"/>
       </p:ext>
     </p:extLst>
   </p:cSld>
@@ -1387,7 +1387,7 @@
             <a:fld id="{91AD7F68-8E1B-45E2-8A27-5D5DEAAB1BF2}" type="datetimeFigureOut">
               <a:rPr lang="zh-CN" altLang="en-US" smtClean="0"/>
               <a:pPr/>
-              <a:t>2018/5/29</a:t>
+              <a:t>2018/5/31</a:t>
             </a:fld>
             <a:endParaRPr lang="zh-CN" altLang="en-US"/>
           </a:p>
@@ -1439,7 +1439,7 @@
     </p:spTree>
     <p:extLst>
       <p:ext uri="{BB962C8B-B14F-4D97-AF65-F5344CB8AC3E}">
-        <p14:creationId xmlns:p14="http://schemas.microsoft.com/office/powerpoint/2010/main" xmlns="" val="3379505774"/>
+        <p14:creationId xmlns="" xmlns:p14="http://schemas.microsoft.com/office/powerpoint/2010/main" val="3379505774"/>
       </p:ext>
     </p:extLst>
   </p:cSld>
@@ -1447,7 +1447,7 @@
     <a:masterClrMapping/>
   </p:clrMapOvr>
   <mc:AlternateContent xmlns:mc="http://schemas.openxmlformats.org/markup-compatibility/2006">
-    <mc:Choice xmlns:p14="http://schemas.microsoft.com/office/powerpoint/2010/main" xmlns="" Requires="p14">
+    <mc:Choice xmlns="" xmlns:p14="http://schemas.microsoft.com/office/powerpoint/2010/main" Requires="p14">
       <p:transition spd="slow" p14:dur="1500" advClick="0" advTm="0">
         <p:random/>
       </p:transition>
@@ -1569,7 +1569,7 @@
             <a:fld id="{91AD7F68-8E1B-45E2-8A27-5D5DEAAB1BF2}" type="datetimeFigureOut">
               <a:rPr lang="zh-CN" altLang="en-US" smtClean="0"/>
               <a:pPr/>
-              <a:t>2018/5/29</a:t>
+              <a:t>2018/5/31</a:t>
             </a:fld>
             <a:endParaRPr lang="zh-CN" altLang="en-US"/>
           </a:p>
@@ -1621,7 +1621,7 @@
     </p:spTree>
     <p:extLst>
       <p:ext uri="{BB962C8B-B14F-4D97-AF65-F5344CB8AC3E}">
-        <p14:creationId xmlns:p14="http://schemas.microsoft.com/office/powerpoint/2010/main" xmlns="" val="4292131042"/>
+        <p14:creationId xmlns="" xmlns:p14="http://schemas.microsoft.com/office/powerpoint/2010/main" val="4292131042"/>
       </p:ext>
     </p:extLst>
   </p:cSld>
@@ -1629,7 +1629,7 @@
     <a:masterClrMapping/>
   </p:clrMapOvr>
   <mc:AlternateContent xmlns:mc="http://schemas.openxmlformats.org/markup-compatibility/2006">
-    <mc:Choice xmlns:p14="http://schemas.microsoft.com/office/powerpoint/2010/main" xmlns="" Requires="p14">
+    <mc:Choice xmlns="" xmlns:p14="http://schemas.microsoft.com/office/powerpoint/2010/main" Requires="p14">
       <p:transition spd="slow" p14:dur="1500" advClick="0" advTm="0">
         <p:random/>
       </p:transition>
@@ -1761,7 +1761,7 @@
             <a:fld id="{91AD7F68-8E1B-45E2-8A27-5D5DEAAB1BF2}" type="datetimeFigureOut">
               <a:rPr lang="zh-CN" altLang="en-US" smtClean="0"/>
               <a:pPr/>
-              <a:t>2018/5/29</a:t>
+              <a:t>2018/5/31</a:t>
             </a:fld>
             <a:endParaRPr lang="zh-CN" altLang="en-US"/>
           </a:p>
@@ -1813,7 +1813,7 @@
     </p:spTree>
     <p:extLst>
       <p:ext uri="{BB962C8B-B14F-4D97-AF65-F5344CB8AC3E}">
-        <p14:creationId xmlns:p14="http://schemas.microsoft.com/office/powerpoint/2010/main" xmlns="" val="1952128637"/>
+        <p14:creationId xmlns="" xmlns:p14="http://schemas.microsoft.com/office/powerpoint/2010/main" val="1952128637"/>
       </p:ext>
     </p:extLst>
   </p:cSld>
@@ -1821,7 +1821,7 @@
     <a:masterClrMapping/>
   </p:clrMapOvr>
   <mc:AlternateContent xmlns:mc="http://schemas.openxmlformats.org/markup-compatibility/2006">
-    <mc:Choice xmlns:p14="http://schemas.microsoft.com/office/powerpoint/2010/main" xmlns="" Requires="p14">
+    <mc:Choice xmlns="" xmlns:p14="http://schemas.microsoft.com/office/powerpoint/2010/main" Requires="p14">
       <p:transition spd="slow" p14:dur="1500" advClick="0" advTm="0">
         <p:random/>
       </p:transition>
@@ -1943,7 +1943,7 @@
             <a:fld id="{91AD7F68-8E1B-45E2-8A27-5D5DEAAB1BF2}" type="datetimeFigureOut">
               <a:rPr lang="zh-CN" altLang="en-US" smtClean="0"/>
               <a:pPr/>
-              <a:t>2018/5/29</a:t>
+              <a:t>2018/5/31</a:t>
             </a:fld>
             <a:endParaRPr lang="zh-CN" altLang="en-US"/>
           </a:p>
@@ -1995,7 +1995,7 @@
     </p:spTree>
     <p:extLst>
       <p:ext uri="{BB962C8B-B14F-4D97-AF65-F5344CB8AC3E}">
-        <p14:creationId xmlns:p14="http://schemas.microsoft.com/office/powerpoint/2010/main" xmlns="" val="4173798514"/>
+        <p14:creationId xmlns="" xmlns:p14="http://schemas.microsoft.com/office/powerpoint/2010/main" val="4173798514"/>
       </p:ext>
     </p:extLst>
   </p:cSld>
@@ -2003,7 +2003,7 @@
     <a:masterClrMapping/>
   </p:clrMapOvr>
   <mc:AlternateContent xmlns:mc="http://schemas.openxmlformats.org/markup-compatibility/2006">
-    <mc:Choice xmlns:p14="http://schemas.microsoft.com/office/powerpoint/2010/main" xmlns="" Requires="p14">
+    <mc:Choice xmlns="" xmlns:p14="http://schemas.microsoft.com/office/powerpoint/2010/main" Requires="p14">
       <p:transition spd="slow" p14:dur="1500" advClick="0" advTm="0">
         <p:random/>
       </p:transition>
@@ -2202,7 +2202,7 @@
             <a:fld id="{91AD7F68-8E1B-45E2-8A27-5D5DEAAB1BF2}" type="datetimeFigureOut">
               <a:rPr lang="zh-CN" altLang="en-US" smtClean="0"/>
               <a:pPr/>
-              <a:t>2018/5/29</a:t>
+              <a:t>2018/5/31</a:t>
             </a:fld>
             <a:endParaRPr lang="zh-CN" altLang="en-US"/>
           </a:p>
@@ -2254,7 +2254,7 @@
     </p:spTree>
     <p:extLst>
       <p:ext uri="{BB962C8B-B14F-4D97-AF65-F5344CB8AC3E}">
-        <p14:creationId xmlns:p14="http://schemas.microsoft.com/office/powerpoint/2010/main" xmlns="" val="2343028950"/>
+        <p14:creationId xmlns="" xmlns:p14="http://schemas.microsoft.com/office/powerpoint/2010/main" val="2343028950"/>
       </p:ext>
     </p:extLst>
   </p:cSld>
@@ -2262,7 +2262,7 @@
     <a:masterClrMapping/>
   </p:clrMapOvr>
   <mc:AlternateContent xmlns:mc="http://schemas.openxmlformats.org/markup-compatibility/2006">
-    <mc:Choice xmlns:p14="http://schemas.microsoft.com/office/powerpoint/2010/main" xmlns="" Requires="p14">
+    <mc:Choice xmlns="" xmlns:p14="http://schemas.microsoft.com/office/powerpoint/2010/main" Requires="p14">
       <p:transition spd="slow" p14:dur="1500" advClick="0" advTm="0">
         <p:random/>
       </p:transition>
@@ -2445,7 +2445,7 @@
             <a:fld id="{91AD7F68-8E1B-45E2-8A27-5D5DEAAB1BF2}" type="datetimeFigureOut">
               <a:rPr lang="zh-CN" altLang="en-US" smtClean="0"/>
               <a:pPr/>
-              <a:t>2018/5/29</a:t>
+              <a:t>2018/5/31</a:t>
             </a:fld>
             <a:endParaRPr lang="zh-CN" altLang="en-US"/>
           </a:p>
@@ -2497,7 +2497,7 @@
     </p:spTree>
     <p:extLst>
       <p:ext uri="{BB962C8B-B14F-4D97-AF65-F5344CB8AC3E}">
-        <p14:creationId xmlns:p14="http://schemas.microsoft.com/office/powerpoint/2010/main" xmlns="" val="1951757828"/>
+        <p14:creationId xmlns="" xmlns:p14="http://schemas.microsoft.com/office/powerpoint/2010/main" val="1951757828"/>
       </p:ext>
     </p:extLst>
   </p:cSld>
@@ -2505,7 +2505,7 @@
     <a:masterClrMapping/>
   </p:clrMapOvr>
   <mc:AlternateContent xmlns:mc="http://schemas.openxmlformats.org/markup-compatibility/2006">
-    <mc:Choice xmlns:p14="http://schemas.microsoft.com/office/powerpoint/2010/main" xmlns="" Requires="p14">
+    <mc:Choice xmlns="" xmlns:p14="http://schemas.microsoft.com/office/powerpoint/2010/main" Requires="p14">
       <p:transition spd="slow" p14:dur="1500" advClick="0" advTm="0">
         <p:random/>
       </p:transition>
@@ -2823,7 +2823,7 @@
             <a:fld id="{91AD7F68-8E1B-45E2-8A27-5D5DEAAB1BF2}" type="datetimeFigureOut">
               <a:rPr lang="zh-CN" altLang="en-US" smtClean="0"/>
               <a:pPr/>
-              <a:t>2018/5/29</a:t>
+              <a:t>2018/5/31</a:t>
             </a:fld>
             <a:endParaRPr lang="zh-CN" altLang="en-US"/>
           </a:p>
@@ -2875,7 +2875,7 @@
     </p:spTree>
     <p:extLst>
       <p:ext uri="{BB962C8B-B14F-4D97-AF65-F5344CB8AC3E}">
-        <p14:creationId xmlns:p14="http://schemas.microsoft.com/office/powerpoint/2010/main" xmlns="" val="3785743930"/>
+        <p14:creationId xmlns="" xmlns:p14="http://schemas.microsoft.com/office/powerpoint/2010/main" val="3785743930"/>
       </p:ext>
     </p:extLst>
   </p:cSld>
@@ -2883,7 +2883,7 @@
     <a:masterClrMapping/>
   </p:clrMapOvr>
   <mc:AlternateContent xmlns:mc="http://schemas.openxmlformats.org/markup-compatibility/2006">
-    <mc:Choice xmlns:p14="http://schemas.microsoft.com/office/powerpoint/2010/main" xmlns="" Requires="p14">
+    <mc:Choice xmlns="" xmlns:p14="http://schemas.microsoft.com/office/powerpoint/2010/main" Requires="p14">
       <p:transition spd="slow" p14:dur="1500" advClick="0" advTm="0">
         <p:random/>
       </p:transition>
@@ -2954,7 +2954,7 @@
             <a:fld id="{91AD7F68-8E1B-45E2-8A27-5D5DEAAB1BF2}" type="datetimeFigureOut">
               <a:rPr lang="zh-CN" altLang="en-US" smtClean="0"/>
               <a:pPr/>
-              <a:t>2018/5/29</a:t>
+              <a:t>2018/5/31</a:t>
             </a:fld>
             <a:endParaRPr lang="zh-CN" altLang="en-US"/>
           </a:p>
@@ -3006,7 +3006,7 @@
     </p:spTree>
     <p:extLst>
       <p:ext uri="{BB962C8B-B14F-4D97-AF65-F5344CB8AC3E}">
-        <p14:creationId xmlns:p14="http://schemas.microsoft.com/office/powerpoint/2010/main" xmlns="" val="1272998583"/>
+        <p14:creationId xmlns="" xmlns:p14="http://schemas.microsoft.com/office/powerpoint/2010/main" val="1272998583"/>
       </p:ext>
     </p:extLst>
   </p:cSld>
@@ -3014,7 +3014,7 @@
     <a:masterClrMapping/>
   </p:clrMapOvr>
   <mc:AlternateContent xmlns:mc="http://schemas.openxmlformats.org/markup-compatibility/2006">
-    <mc:Choice xmlns:p14="http://schemas.microsoft.com/office/powerpoint/2010/main" xmlns="" Requires="p14">
+    <mc:Choice xmlns="" xmlns:p14="http://schemas.microsoft.com/office/powerpoint/2010/main" Requires="p14">
       <p:transition spd="slow" p14:dur="1500" advClick="0" advTm="0">
         <p:random/>
       </p:transition>
@@ -3063,7 +3063,7 @@
             <a:fld id="{91AD7F68-8E1B-45E2-8A27-5D5DEAAB1BF2}" type="datetimeFigureOut">
               <a:rPr lang="zh-CN" altLang="en-US" smtClean="0"/>
               <a:pPr/>
-              <a:t>2018/5/29</a:t>
+              <a:t>2018/5/31</a:t>
             </a:fld>
             <a:endParaRPr lang="zh-CN" altLang="en-US"/>
           </a:p>
@@ -3115,7 +3115,7 @@
     </p:spTree>
     <p:extLst>
       <p:ext uri="{BB962C8B-B14F-4D97-AF65-F5344CB8AC3E}">
-        <p14:creationId xmlns:p14="http://schemas.microsoft.com/office/powerpoint/2010/main" xmlns="" val="2103091704"/>
+        <p14:creationId xmlns="" xmlns:p14="http://schemas.microsoft.com/office/powerpoint/2010/main" val="2103091704"/>
       </p:ext>
     </p:extLst>
   </p:cSld>
@@ -3123,7 +3123,7 @@
     <a:masterClrMapping/>
   </p:clrMapOvr>
   <mc:AlternateContent xmlns:mc="http://schemas.openxmlformats.org/markup-compatibility/2006">
-    <mc:Choice xmlns:p14="http://schemas.microsoft.com/office/powerpoint/2010/main" xmlns="" Requires="p14">
+    <mc:Choice xmlns="" xmlns:p14="http://schemas.microsoft.com/office/powerpoint/2010/main" Requires="p14">
       <p:transition spd="slow" p14:dur="1500" advClick="0" advTm="0">
         <p:random/>
       </p:transition>
@@ -3352,7 +3352,7 @@
             <a:fld id="{91AD7F68-8E1B-45E2-8A27-5D5DEAAB1BF2}" type="datetimeFigureOut">
               <a:rPr lang="zh-CN" altLang="en-US" smtClean="0"/>
               <a:pPr/>
-              <a:t>2018/5/29</a:t>
+              <a:t>2018/5/31</a:t>
             </a:fld>
             <a:endParaRPr lang="zh-CN" altLang="en-US"/>
           </a:p>
@@ -3404,7 +3404,7 @@
     </p:spTree>
     <p:extLst>
       <p:ext uri="{BB962C8B-B14F-4D97-AF65-F5344CB8AC3E}">
-        <p14:creationId xmlns:p14="http://schemas.microsoft.com/office/powerpoint/2010/main" xmlns="" val="2275436477"/>
+        <p14:creationId xmlns="" xmlns:p14="http://schemas.microsoft.com/office/powerpoint/2010/main" val="2275436477"/>
       </p:ext>
     </p:extLst>
   </p:cSld>
@@ -3412,7 +3412,7 @@
     <a:masterClrMapping/>
   </p:clrMapOvr>
   <mc:AlternateContent xmlns:mc="http://schemas.openxmlformats.org/markup-compatibility/2006">
-    <mc:Choice xmlns:p14="http://schemas.microsoft.com/office/powerpoint/2010/main" xmlns="" Requires="p14">
+    <mc:Choice xmlns="" xmlns:p14="http://schemas.microsoft.com/office/powerpoint/2010/main" Requires="p14">
       <p:transition spd="slow" p14:dur="1500" advClick="0" advTm="0">
         <p:random/>
       </p:transition>
@@ -3618,7 +3618,7 @@
             <a:fld id="{91AD7F68-8E1B-45E2-8A27-5D5DEAAB1BF2}" type="datetimeFigureOut">
               <a:rPr lang="zh-CN" altLang="en-US" smtClean="0"/>
               <a:pPr/>
-              <a:t>2018/5/29</a:t>
+              <a:t>2018/5/31</a:t>
             </a:fld>
             <a:endParaRPr lang="zh-CN" altLang="en-US"/>
           </a:p>
@@ -3670,7 +3670,7 @@
     </p:spTree>
     <p:extLst>
       <p:ext uri="{BB962C8B-B14F-4D97-AF65-F5344CB8AC3E}">
-        <p14:creationId xmlns:p14="http://schemas.microsoft.com/office/powerpoint/2010/main" xmlns="" val="2724821356"/>
+        <p14:creationId xmlns="" xmlns:p14="http://schemas.microsoft.com/office/powerpoint/2010/main" val="2724821356"/>
       </p:ext>
     </p:extLst>
   </p:cSld>
@@ -3678,7 +3678,7 @@
     <a:masterClrMapping/>
   </p:clrMapOvr>
   <mc:AlternateContent xmlns:mc="http://schemas.openxmlformats.org/markup-compatibility/2006">
-    <mc:Choice xmlns:p14="http://schemas.microsoft.com/office/powerpoint/2010/main" xmlns="" Requires="p14">
+    <mc:Choice xmlns="" xmlns:p14="http://schemas.microsoft.com/office/powerpoint/2010/main" Requires="p14">
       <p:transition spd="slow" p14:dur="1500" advClick="0" advTm="0">
         <p:random/>
       </p:transition>
@@ -3843,7 +3843,7 @@
             <a:fld id="{91AD7F68-8E1B-45E2-8A27-5D5DEAAB1BF2}" type="datetimeFigureOut">
               <a:rPr lang="zh-CN" altLang="en-US" smtClean="0"/>
               <a:pPr/>
-              <a:t>2018/5/29</a:t>
+              <a:t>2018/5/31</a:t>
             </a:fld>
             <a:endParaRPr lang="zh-CN" altLang="en-US"/>
           </a:p>
@@ -3931,7 +3931,7 @@
     </p:spTree>
     <p:extLst>
       <p:ext uri="{BB962C8B-B14F-4D97-AF65-F5344CB8AC3E}">
-        <p14:creationId xmlns:p14="http://schemas.microsoft.com/office/powerpoint/2010/main" xmlns="" val="666783823"/>
+        <p14:creationId xmlns="" xmlns:p14="http://schemas.microsoft.com/office/powerpoint/2010/main" val="666783823"/>
       </p:ext>
     </p:extLst>
   </p:cSld>
@@ -3950,7 +3950,7 @@
     <p:sldLayoutId id="2147483659" r:id="rId11"/>
   </p:sldLayoutIdLst>
   <mc:AlternateContent xmlns:mc="http://schemas.openxmlformats.org/markup-compatibility/2006">
-    <mc:Choice xmlns:p14="http://schemas.microsoft.com/office/powerpoint/2010/main" xmlns="" Requires="p14">
+    <mc:Choice xmlns="" xmlns:p14="http://schemas.microsoft.com/office/powerpoint/2010/main" Requires="p14">
       <p:transition spd="slow" p14:dur="1500" advClick="0" advTm="0">
         <p:random/>
       </p:transition>
@@ -4273,7 +4273,7 @@
           <a:blip r:embed="rId3" cstate="print">
             <a:extLst>
               <a:ext uri="{28A0092B-C50C-407E-A947-70E740481C1C}">
-                <a14:useLocalDpi xmlns:a14="http://schemas.microsoft.com/office/drawing/2010/main" xmlns=""/>
+                <a14:useLocalDpi xmlns="" xmlns:a14="http://schemas.microsoft.com/office/drawing/2010/main"/>
               </a:ext>
             </a:extLst>
           </a:blip>
@@ -9847,7 +9847,7 @@
           <p:cNvPr id="9" name="TextBox 8">
             <a:extLst>
               <a:ext uri="{FF2B5EF4-FFF2-40B4-BE49-F238E27FC236}">
-                <a16:creationId xmlns:a16="http://schemas.microsoft.com/office/drawing/2014/main" xmlns="" id="{73C77ED2-C357-47B7-8381-585C44BF2B89}"/>
+                <a16:creationId xmlns="" xmlns:a16="http://schemas.microsoft.com/office/drawing/2014/main" id="{73C77ED2-C357-47B7-8381-585C44BF2B89}"/>
               </a:ext>
             </a:extLst>
           </p:cNvPr>
@@ -9887,7 +9887,7 @@
     </p:spTree>
     <p:extLst>
       <p:ext uri="{BB962C8B-B14F-4D97-AF65-F5344CB8AC3E}">
-        <p14:creationId xmlns:p14="http://schemas.microsoft.com/office/powerpoint/2010/main" xmlns="" val="656483861"/>
+        <p14:creationId xmlns="" xmlns:p14="http://schemas.microsoft.com/office/powerpoint/2010/main" val="656483861"/>
       </p:ext>
     </p:extLst>
   </p:cSld>
@@ -9895,7 +9895,7 @@
     <a:masterClrMapping/>
   </p:clrMapOvr>
   <mc:AlternateContent xmlns:mc="http://schemas.openxmlformats.org/markup-compatibility/2006">
-    <mc:Choice xmlns:p14="http://schemas.microsoft.com/office/powerpoint/2010/main" xmlns="" Requires="p14">
+    <mc:Choice xmlns="" xmlns:p14="http://schemas.microsoft.com/office/powerpoint/2010/main" Requires="p14">
       <p:transition spd="slow" p14:dur="1500">
         <p:random/>
       </p:transition>
@@ -10458,7 +10458,7 @@
         </p:nvSpPr>
         <p:spPr>
           <a:xfrm>
-            <a:off x="1264891" y="1062751"/>
+            <a:off x="1007716" y="1019889"/>
             <a:ext cx="2229969" cy="1477328"/>
           </a:xfrm>
           <a:prstGeom prst="rect">
@@ -10529,10 +10529,122 @@
           </a:p>
         </p:txBody>
       </p:sp>
+      <p:sp>
+        <p:nvSpPr>
+          <p:cNvPr id="10" name="圆角矩形 9"/>
+          <p:cNvSpPr/>
+          <p:nvPr/>
+        </p:nvSpPr>
+        <p:spPr>
+          <a:xfrm>
+            <a:off x="3671888" y="1042988"/>
+            <a:ext cx="7829550" cy="642937"/>
+          </a:xfrm>
+          <a:prstGeom prst="roundRect">
+            <a:avLst/>
+          </a:prstGeom>
+        </p:spPr>
+        <p:style>
+          <a:lnRef idx="2">
+            <a:schemeClr val="accent1">
+              <a:shade val="50000"/>
+            </a:schemeClr>
+          </a:lnRef>
+          <a:fillRef idx="1">
+            <a:schemeClr val="accent1"/>
+          </a:fillRef>
+          <a:effectRef idx="0">
+            <a:schemeClr val="accent1"/>
+          </a:effectRef>
+          <a:fontRef idx="minor">
+            <a:schemeClr val="lt1"/>
+          </a:fontRef>
+        </p:style>
+        <p:txBody>
+          <a:bodyPr rtlCol="0" anchor="ctr"/>
+          <a:lstStyle/>
+          <a:p>
+            <a:pPr algn="ctr"/>
+            <a:r>
+              <a:rPr lang="zh-CN" altLang="en-US" sz="2800" dirty="0" smtClean="0"/>
+              <a:t>搜索镜像：</a:t>
+            </a:r>
+            <a:r>
+              <a:rPr lang="en-US" altLang="zh-CN" sz="2800" dirty="0" err="1" smtClean="0"/>
+              <a:t>docker</a:t>
+            </a:r>
+            <a:r>
+              <a:rPr lang="en-US" altLang="zh-CN" sz="2800" dirty="0" smtClean="0"/>
+              <a:t> search --filter=stars=10 java</a:t>
+            </a:r>
+            <a:endParaRPr lang="zh-CN" altLang="en-US" sz="2800" dirty="0"/>
+          </a:p>
+        </p:txBody>
+      </p:sp>
+      <p:sp>
+        <p:nvSpPr>
+          <p:cNvPr id="11" name="圆角矩形 10"/>
+          <p:cNvSpPr/>
+          <p:nvPr/>
+        </p:nvSpPr>
+        <p:spPr>
+          <a:xfrm>
+            <a:off x="3667125" y="1809750"/>
+            <a:ext cx="7829550" cy="642937"/>
+          </a:xfrm>
+          <a:prstGeom prst="roundRect">
+            <a:avLst/>
+          </a:prstGeom>
+        </p:spPr>
+        <p:style>
+          <a:lnRef idx="2">
+            <a:schemeClr val="accent1">
+              <a:shade val="50000"/>
+            </a:schemeClr>
+          </a:lnRef>
+          <a:fillRef idx="1">
+            <a:schemeClr val="accent1"/>
+          </a:fillRef>
+          <a:effectRef idx="0">
+            <a:schemeClr val="accent1"/>
+          </a:effectRef>
+          <a:fontRef idx="minor">
+            <a:schemeClr val="lt1"/>
+          </a:fontRef>
+        </p:style>
+        <p:txBody>
+          <a:bodyPr rtlCol="0" anchor="ctr"/>
+          <a:lstStyle/>
+          <a:p>
+            <a:pPr algn="ctr"/>
+            <a:r>
+              <a:rPr lang="zh-CN" altLang="en-US" sz="2800" dirty="0" smtClean="0"/>
+              <a:t>下载镜像：</a:t>
+            </a:r>
+            <a:r>
+              <a:rPr lang="en-US" altLang="zh-CN" sz="2800" dirty="0" err="1" smtClean="0"/>
+              <a:t>docker</a:t>
+            </a:r>
+            <a:r>
+              <a:rPr lang="en-US" altLang="zh-CN" sz="2800" dirty="0" smtClean="0"/>
+              <a:t> pull </a:t>
+            </a:r>
+            <a:r>
+              <a:rPr lang="en-US" altLang="zh-CN" sz="2800" dirty="0" err="1" smtClean="0"/>
+              <a:t>docker.io</a:t>
+            </a:r>
+            <a:r>
+              <a:rPr lang="en-US" altLang="zh-CN" sz="2800" smtClean="0"/>
+              <a:t>/java</a:t>
+            </a:r>
+            <a:endParaRPr lang="zh-CN" altLang="en-US" sz="2800" dirty="0"/>
+          </a:p>
+        </p:txBody>
+      </p:sp>
     </p:spTree>
     <p:extLst>
       <p:ext uri="{BB962C8B-B14F-4D97-AF65-F5344CB8AC3E}">
-        <p14:creationId xmlns:p14="http://schemas.microsoft.com/office/powerpoint/2010/main" xmlns="" val="264814506"/>
+        <p14:creationId xmlns="" xmlns:p14="http://schemas.microsoft.com/office/powerpoint/2010/main" val="264814506"/>
       </p:ext>
     </p:extLst>
   </p:cSld>
@@ -10540,7 +10652,7 @@
     <a:masterClrMapping/>
   </p:clrMapOvr>
   <mc:AlternateContent xmlns:mc="http://schemas.openxmlformats.org/markup-compatibility/2006">
-    <mc:Choice xmlns:p14="http://schemas.microsoft.com/office/powerpoint/2010/main" xmlns="" Requires="p14">
+    <mc:Choice xmlns="" xmlns:p14="http://schemas.microsoft.com/office/powerpoint/2010/main" Requires="p14">
       <p:transition spd="slow" p14:dur="1500">
         <p:random/>
       </p:transition>
@@ -10831,7 +10943,7 @@
           <p:cNvPr id="10" name="Rectangle 9">
             <a:extLst>
               <a:ext uri="{FF2B5EF4-FFF2-40B4-BE49-F238E27FC236}">
-                <a16:creationId xmlns:a16="http://schemas.microsoft.com/office/drawing/2014/main" xmlns="" id="{C3BEC256-880E-495F-8B21-C117C57BD7A1}"/>
+                <a16:creationId xmlns="" xmlns:a16="http://schemas.microsoft.com/office/drawing/2014/main" id="{C3BEC256-880E-495F-8B21-C117C57BD7A1}"/>
               </a:ext>
             </a:extLst>
           </p:cNvPr>
@@ -11085,7 +11197,7 @@
           <p:cNvPr id="4" name="TextBox 3">
             <a:extLst>
               <a:ext uri="{FF2B5EF4-FFF2-40B4-BE49-F238E27FC236}">
-                <a16:creationId xmlns:a16="http://schemas.microsoft.com/office/drawing/2014/main" xmlns="" id="{90236678-5C83-4B9F-9151-7449B70D4F04}"/>
+                <a16:creationId xmlns="" xmlns:a16="http://schemas.microsoft.com/office/drawing/2014/main" id="{90236678-5C83-4B9F-9151-7449B70D4F04}"/>
               </a:ext>
             </a:extLst>
           </p:cNvPr>
@@ -11197,7 +11309,7 @@
           <p:cNvPr id="6" name="Rectangle: Rounded Corners 5">
             <a:extLst>
               <a:ext uri="{FF2B5EF4-FFF2-40B4-BE49-F238E27FC236}">
-                <a16:creationId xmlns:a16="http://schemas.microsoft.com/office/drawing/2014/main" xmlns="" id="{B596286C-9C6C-4EC2-AC83-309B2A25A96F}"/>
+                <a16:creationId xmlns="" xmlns:a16="http://schemas.microsoft.com/office/drawing/2014/main" id="{B596286C-9C6C-4EC2-AC83-309B2A25A96F}"/>
               </a:ext>
             </a:extLst>
           </p:cNvPr>
@@ -11245,7 +11357,7 @@
           <p:cNvPr id="7" name="Rectangle: Rounded Corners 6">
             <a:extLst>
               <a:ext uri="{FF2B5EF4-FFF2-40B4-BE49-F238E27FC236}">
-                <a16:creationId xmlns:a16="http://schemas.microsoft.com/office/drawing/2014/main" xmlns="" id="{F356C7F2-BAAA-4D64-923A-A862D8C4DA2D}"/>
+                <a16:creationId xmlns="" xmlns:a16="http://schemas.microsoft.com/office/drawing/2014/main" id="{F356C7F2-BAAA-4D64-923A-A862D8C4DA2D}"/>
               </a:ext>
             </a:extLst>
           </p:cNvPr>
@@ -11293,7 +11405,7 @@
           <p:cNvPr id="18" name="Rectangle: Rounded Corners 17">
             <a:extLst>
               <a:ext uri="{FF2B5EF4-FFF2-40B4-BE49-F238E27FC236}">
-                <a16:creationId xmlns:a16="http://schemas.microsoft.com/office/drawing/2014/main" xmlns="" id="{C4C37132-BAFE-490C-A6A6-1B8CBEFF2B58}"/>
+                <a16:creationId xmlns="" xmlns:a16="http://schemas.microsoft.com/office/drawing/2014/main" id="{C4C37132-BAFE-490C-A6A6-1B8CBEFF2B58}"/>
               </a:ext>
             </a:extLst>
           </p:cNvPr>
@@ -11341,7 +11453,7 @@
           <p:cNvPr id="9" name="Rectangle: Rounded Corners 8">
             <a:extLst>
               <a:ext uri="{FF2B5EF4-FFF2-40B4-BE49-F238E27FC236}">
-                <a16:creationId xmlns:a16="http://schemas.microsoft.com/office/drawing/2014/main" xmlns="" id="{7E05808C-5FD7-41E5-A43D-131D329760F1}"/>
+                <a16:creationId xmlns="" xmlns:a16="http://schemas.microsoft.com/office/drawing/2014/main" id="{7E05808C-5FD7-41E5-A43D-131D329760F1}"/>
               </a:ext>
             </a:extLst>
           </p:cNvPr>
@@ -11395,7 +11507,7 @@
           <p:cNvPr id="19" name="Rectangle: Rounded Corners 18">
             <a:extLst>
               <a:ext uri="{FF2B5EF4-FFF2-40B4-BE49-F238E27FC236}">
-                <a16:creationId xmlns:a16="http://schemas.microsoft.com/office/drawing/2014/main" xmlns="" id="{4A0DA287-6F77-4680-B7A5-ACDBA5C1BFD6}"/>
+                <a16:creationId xmlns="" xmlns:a16="http://schemas.microsoft.com/office/drawing/2014/main" id="{4A0DA287-6F77-4680-B7A5-ACDBA5C1BFD6}"/>
               </a:ext>
             </a:extLst>
           </p:cNvPr>
@@ -11449,7 +11561,7 @@
           <p:cNvPr id="20" name="Rectangle: Rounded Corners 19">
             <a:extLst>
               <a:ext uri="{FF2B5EF4-FFF2-40B4-BE49-F238E27FC236}">
-                <a16:creationId xmlns:a16="http://schemas.microsoft.com/office/drawing/2014/main" xmlns="" id="{9605DD40-9ED7-4F99-B494-7DD5B4B515AC}"/>
+                <a16:creationId xmlns="" xmlns:a16="http://schemas.microsoft.com/office/drawing/2014/main" id="{9605DD40-9ED7-4F99-B494-7DD5B4B515AC}"/>
               </a:ext>
             </a:extLst>
           </p:cNvPr>
@@ -11503,7 +11615,7 @@
           <p:cNvPr id="21" name="Rectangle: Rounded Corners 20">
             <a:extLst>
               <a:ext uri="{FF2B5EF4-FFF2-40B4-BE49-F238E27FC236}">
-                <a16:creationId xmlns:a16="http://schemas.microsoft.com/office/drawing/2014/main" xmlns="" id="{E107FD82-AA46-4011-A1ED-FE327DBB6E29}"/>
+                <a16:creationId xmlns="" xmlns:a16="http://schemas.microsoft.com/office/drawing/2014/main" id="{E107FD82-AA46-4011-A1ED-FE327DBB6E29}"/>
               </a:ext>
             </a:extLst>
           </p:cNvPr>
@@ -11552,7 +11664,7 @@
           <p:cNvPr id="22" name="Rectangle: Rounded Corners 21">
             <a:extLst>
               <a:ext uri="{FF2B5EF4-FFF2-40B4-BE49-F238E27FC236}">
-                <a16:creationId xmlns:a16="http://schemas.microsoft.com/office/drawing/2014/main" xmlns="" id="{6D52BAE1-0D38-437E-9AF8-8A86AC109571}"/>
+                <a16:creationId xmlns="" xmlns:a16="http://schemas.microsoft.com/office/drawing/2014/main" id="{6D52BAE1-0D38-437E-9AF8-8A86AC109571}"/>
               </a:ext>
             </a:extLst>
           </p:cNvPr>
@@ -11601,7 +11713,7 @@
           <p:cNvPr id="23" name="Rectangle: Rounded Corners 22">
             <a:extLst>
               <a:ext uri="{FF2B5EF4-FFF2-40B4-BE49-F238E27FC236}">
-                <a16:creationId xmlns:a16="http://schemas.microsoft.com/office/drawing/2014/main" xmlns="" id="{1EB1FA68-970D-402C-8EC3-075AB2372080}"/>
+                <a16:creationId xmlns="" xmlns:a16="http://schemas.microsoft.com/office/drawing/2014/main" id="{1EB1FA68-970D-402C-8EC3-075AB2372080}"/>
               </a:ext>
             </a:extLst>
           </p:cNvPr>
@@ -11657,7 +11769,7 @@
           <p:cNvPr id="12" name="Straight Arrow Connector 11">
             <a:extLst>
               <a:ext uri="{FF2B5EF4-FFF2-40B4-BE49-F238E27FC236}">
-                <a16:creationId xmlns:a16="http://schemas.microsoft.com/office/drawing/2014/main" xmlns="" id="{A3C14345-4820-4302-AF09-FEFBEFF6381B}"/>
+                <a16:creationId xmlns="" xmlns:a16="http://schemas.microsoft.com/office/drawing/2014/main" id="{A3C14345-4820-4302-AF09-FEFBEFF6381B}"/>
               </a:ext>
             </a:extLst>
           </p:cNvPr>
@@ -11699,7 +11811,7 @@
           <p:cNvPr id="25" name="Straight Arrow Connector 24">
             <a:extLst>
               <a:ext uri="{FF2B5EF4-FFF2-40B4-BE49-F238E27FC236}">
-                <a16:creationId xmlns:a16="http://schemas.microsoft.com/office/drawing/2014/main" xmlns="" id="{95A73916-C71C-478B-9297-D0CC38BADE09}"/>
+                <a16:creationId xmlns="" xmlns:a16="http://schemas.microsoft.com/office/drawing/2014/main" id="{95A73916-C71C-478B-9297-D0CC38BADE09}"/>
               </a:ext>
             </a:extLst>
           </p:cNvPr>
@@ -11740,7 +11852,7 @@
           <p:cNvPr id="27" name="Straight Arrow Connector 26">
             <a:extLst>
               <a:ext uri="{FF2B5EF4-FFF2-40B4-BE49-F238E27FC236}">
-                <a16:creationId xmlns:a16="http://schemas.microsoft.com/office/drawing/2014/main" xmlns="" id="{624521CF-274D-474D-BA2C-32FC9D476772}"/>
+                <a16:creationId xmlns="" xmlns:a16="http://schemas.microsoft.com/office/drawing/2014/main" id="{624521CF-274D-474D-BA2C-32FC9D476772}"/>
               </a:ext>
             </a:extLst>
           </p:cNvPr>
@@ -11781,7 +11893,7 @@
           <p:cNvPr id="29" name="Straight Arrow Connector 28">
             <a:extLst>
               <a:ext uri="{FF2B5EF4-FFF2-40B4-BE49-F238E27FC236}">
-                <a16:creationId xmlns:a16="http://schemas.microsoft.com/office/drawing/2014/main" xmlns="" id="{11895928-A4F5-456E-B589-F62CF711C195}"/>
+                <a16:creationId xmlns="" xmlns:a16="http://schemas.microsoft.com/office/drawing/2014/main" id="{11895928-A4F5-456E-B589-F62CF711C195}"/>
               </a:ext>
             </a:extLst>
           </p:cNvPr>
@@ -11823,7 +11935,7 @@
           <p:cNvPr id="31" name="Straight Arrow Connector 30">
             <a:extLst>
               <a:ext uri="{FF2B5EF4-FFF2-40B4-BE49-F238E27FC236}">
-                <a16:creationId xmlns:a16="http://schemas.microsoft.com/office/drawing/2014/main" xmlns="" id="{6017D859-B78A-4494-827B-6963CD37F943}"/>
+                <a16:creationId xmlns="" xmlns:a16="http://schemas.microsoft.com/office/drawing/2014/main" id="{6017D859-B78A-4494-827B-6963CD37F943}"/>
               </a:ext>
             </a:extLst>
           </p:cNvPr>
@@ -11865,7 +11977,7 @@
           <p:cNvPr id="33" name="Straight Arrow Connector 32">
             <a:extLst>
               <a:ext uri="{FF2B5EF4-FFF2-40B4-BE49-F238E27FC236}">
-                <a16:creationId xmlns:a16="http://schemas.microsoft.com/office/drawing/2014/main" xmlns="" id="{7968F93C-AD7B-48D0-A6DF-82701C1C9206}"/>
+                <a16:creationId xmlns="" xmlns:a16="http://schemas.microsoft.com/office/drawing/2014/main" id="{7968F93C-AD7B-48D0-A6DF-82701C1C9206}"/>
               </a:ext>
             </a:extLst>
           </p:cNvPr>
@@ -11907,7 +12019,7 @@
           <p:cNvPr id="35" name="Straight Arrow Connector 34">
             <a:extLst>
               <a:ext uri="{FF2B5EF4-FFF2-40B4-BE49-F238E27FC236}">
-                <a16:creationId xmlns:a16="http://schemas.microsoft.com/office/drawing/2014/main" xmlns="" id="{7E91D584-92DE-4D66-B25D-4990C7501309}"/>
+                <a16:creationId xmlns="" xmlns:a16="http://schemas.microsoft.com/office/drawing/2014/main" id="{7E91D584-92DE-4D66-B25D-4990C7501309}"/>
               </a:ext>
             </a:extLst>
           </p:cNvPr>
@@ -11949,7 +12061,7 @@
           <p:cNvPr id="37" name="Straight Arrow Connector 36">
             <a:extLst>
               <a:ext uri="{FF2B5EF4-FFF2-40B4-BE49-F238E27FC236}">
-                <a16:creationId xmlns:a16="http://schemas.microsoft.com/office/drawing/2014/main" xmlns="" id="{E40F83EF-DC2A-4E10-A88A-A771F1D51CA1}"/>
+                <a16:creationId xmlns="" xmlns:a16="http://schemas.microsoft.com/office/drawing/2014/main" id="{E40F83EF-DC2A-4E10-A88A-A771F1D51CA1}"/>
               </a:ext>
             </a:extLst>
           </p:cNvPr>
@@ -11988,7 +12100,7 @@
     </p:spTree>
     <p:extLst>
       <p:ext uri="{BB962C8B-B14F-4D97-AF65-F5344CB8AC3E}">
-        <p14:creationId xmlns:p14="http://schemas.microsoft.com/office/powerpoint/2010/main" xmlns="" val="959313378"/>
+        <p14:creationId xmlns="" xmlns:p14="http://schemas.microsoft.com/office/powerpoint/2010/main" val="959313378"/>
       </p:ext>
     </p:extLst>
   </p:cSld>
@@ -11996,7 +12108,7 @@
     <a:masterClrMapping/>
   </p:clrMapOvr>
   <mc:AlternateContent xmlns:mc="http://schemas.openxmlformats.org/markup-compatibility/2006">
-    <mc:Choice xmlns:p14="http://schemas.microsoft.com/office/powerpoint/2010/main" xmlns="" Requires="p14">
+    <mc:Choice xmlns="" xmlns:p14="http://schemas.microsoft.com/office/powerpoint/2010/main" Requires="p14">
       <p:transition spd="slow" p14:dur="1500">
         <p:random/>
       </p:transition>
@@ -12500,7 +12612,7 @@
     </p:spTree>
     <p:extLst>
       <p:ext uri="{BB962C8B-B14F-4D97-AF65-F5344CB8AC3E}">
-        <p14:creationId xmlns:p14="http://schemas.microsoft.com/office/powerpoint/2010/main" xmlns="" val="3399076800"/>
+        <p14:creationId xmlns="" xmlns:p14="http://schemas.microsoft.com/office/powerpoint/2010/main" val="3399076800"/>
       </p:ext>
     </p:extLst>
   </p:cSld>
@@ -12508,7 +12620,7 @@
     <a:masterClrMapping/>
   </p:clrMapOvr>
   <mc:AlternateContent xmlns:mc="http://schemas.openxmlformats.org/markup-compatibility/2006">
-    <mc:Choice xmlns:p14="http://schemas.microsoft.com/office/powerpoint/2010/main" xmlns="" Requires="p14">
+    <mc:Choice xmlns="" xmlns:p14="http://schemas.microsoft.com/office/powerpoint/2010/main" Requires="p14">
       <p:transition spd="slow" p14:dur="1500">
         <p:random/>
       </p:transition>
@@ -13012,7 +13124,7 @@
     </p:spTree>
     <p:extLst>
       <p:ext uri="{BB962C8B-B14F-4D97-AF65-F5344CB8AC3E}">
-        <p14:creationId xmlns:p14="http://schemas.microsoft.com/office/powerpoint/2010/main" xmlns="" val="2123268970"/>
+        <p14:creationId xmlns="" xmlns:p14="http://schemas.microsoft.com/office/powerpoint/2010/main" val="2123268970"/>
       </p:ext>
     </p:extLst>
   </p:cSld>
@@ -13020,7 +13132,7 @@
     <a:masterClrMapping/>
   </p:clrMapOvr>
   <mc:AlternateContent xmlns:mc="http://schemas.openxmlformats.org/markup-compatibility/2006">
-    <mc:Choice xmlns:p14="http://schemas.microsoft.com/office/powerpoint/2010/main" xmlns="" Requires="p14">
+    <mc:Choice xmlns="" xmlns:p14="http://schemas.microsoft.com/office/powerpoint/2010/main" Requires="p14">
       <p:transition spd="slow" p14:dur="1500">
         <p:random/>
       </p:transition>
@@ -13524,7 +13636,7 @@
     </p:spTree>
     <p:extLst>
       <p:ext uri="{BB962C8B-B14F-4D97-AF65-F5344CB8AC3E}">
-        <p14:creationId xmlns:p14="http://schemas.microsoft.com/office/powerpoint/2010/main" xmlns="" val="2250819296"/>
+        <p14:creationId xmlns="" xmlns:p14="http://schemas.microsoft.com/office/powerpoint/2010/main" val="2250819296"/>
       </p:ext>
     </p:extLst>
   </p:cSld>
@@ -13532,7 +13644,7 @@
     <a:masterClrMapping/>
   </p:clrMapOvr>
   <mc:AlternateContent xmlns:mc="http://schemas.openxmlformats.org/markup-compatibility/2006">
-    <mc:Choice xmlns:p14="http://schemas.microsoft.com/office/powerpoint/2010/main" xmlns="" Requires="p14">
+    <mc:Choice xmlns="" xmlns:p14="http://schemas.microsoft.com/office/powerpoint/2010/main" Requires="p14">
       <p:transition spd="slow" p14:dur="1500">
         <p:random/>
       </p:transition>
@@ -14036,7 +14148,7 @@
     </p:spTree>
     <p:extLst>
       <p:ext uri="{BB962C8B-B14F-4D97-AF65-F5344CB8AC3E}">
-        <p14:creationId xmlns:p14="http://schemas.microsoft.com/office/powerpoint/2010/main" xmlns="" val="1882032925"/>
+        <p14:creationId xmlns="" xmlns:p14="http://schemas.microsoft.com/office/powerpoint/2010/main" val="1882032925"/>
       </p:ext>
     </p:extLst>
   </p:cSld>
@@ -14044,7 +14156,7 @@
     <a:masterClrMapping/>
   </p:clrMapOvr>
   <mc:AlternateContent xmlns:mc="http://schemas.openxmlformats.org/markup-compatibility/2006">
-    <mc:Choice xmlns:p14="http://schemas.microsoft.com/office/powerpoint/2010/main" xmlns="" Requires="p14">
+    <mc:Choice xmlns="" xmlns:p14="http://schemas.microsoft.com/office/powerpoint/2010/main" Requires="p14">
       <p:transition spd="slow" p14:dur="1500">
         <p:random/>
       </p:transition>
@@ -14548,7 +14660,7 @@
     </p:spTree>
     <p:extLst>
       <p:ext uri="{BB962C8B-B14F-4D97-AF65-F5344CB8AC3E}">
-        <p14:creationId xmlns:p14="http://schemas.microsoft.com/office/powerpoint/2010/main" xmlns="" val="2029473334"/>
+        <p14:creationId xmlns="" xmlns:p14="http://schemas.microsoft.com/office/powerpoint/2010/main" val="2029473334"/>
       </p:ext>
     </p:extLst>
   </p:cSld>
@@ -14556,7 +14668,7 @@
     <a:masterClrMapping/>
   </p:clrMapOvr>
   <mc:AlternateContent xmlns:mc="http://schemas.openxmlformats.org/markup-compatibility/2006">
-    <mc:Choice xmlns:p14="http://schemas.microsoft.com/office/powerpoint/2010/main" xmlns="" Requires="p14">
+    <mc:Choice xmlns="" xmlns:p14="http://schemas.microsoft.com/office/powerpoint/2010/main" Requires="p14">
       <p:transition spd="slow" p14:dur="1500">
         <p:random/>
       </p:transition>
@@ -15060,7 +15172,7 @@
     </p:spTree>
     <p:extLst>
       <p:ext uri="{BB962C8B-B14F-4D97-AF65-F5344CB8AC3E}">
-        <p14:creationId xmlns:p14="http://schemas.microsoft.com/office/powerpoint/2010/main" xmlns="" val="1722153153"/>
+        <p14:creationId xmlns="" xmlns:p14="http://schemas.microsoft.com/office/powerpoint/2010/main" val="1722153153"/>
       </p:ext>
     </p:extLst>
   </p:cSld>
@@ -15068,7 +15180,7 @@
     <a:masterClrMapping/>
   </p:clrMapOvr>
   <mc:AlternateContent xmlns:mc="http://schemas.openxmlformats.org/markup-compatibility/2006">
-    <mc:Choice xmlns:p14="http://schemas.microsoft.com/office/powerpoint/2010/main" xmlns="" Requires="p14">
+    <mc:Choice xmlns="" xmlns:p14="http://schemas.microsoft.com/office/powerpoint/2010/main" Requires="p14">
       <p:transition spd="slow" p14:dur="1500">
         <p:random/>
       </p:transition>
@@ -15598,7 +15710,7 @@
   <a:extraClrSchemeLst/>
   <a:extLst>
     <a:ext uri="{05A4C25C-085E-4340-85A3-A5531E510DB2}">
-      <thm15:themeFamily xmlns:thm15="http://schemas.microsoft.com/office/thememl/2012/main" xmlns="" name="Office Theme" id="{62F939B6-93AF-4DB8-9C6B-D6C7DFDC589F}" vid="{4A3C46E8-61CC-4603-A589-7422A47A8E4A}"/>
+      <thm15:themeFamily xmlns="" xmlns:thm15="http://schemas.microsoft.com/office/thememl/2012/main" name="Office Theme" id="{62F939B6-93AF-4DB8-9C6B-D6C7DFDC589F}" vid="{4A3C46E8-61CC-4603-A589-7422A47A8E4A}"/>
     </a:ext>
   </a:extLst>
 </a:theme>
@@ -15859,7 +15971,7 @@
   <a:extraClrSchemeLst/>
   <a:extLst>
     <a:ext uri="{05A4C25C-085E-4340-85A3-A5531E510DB2}">
-      <thm15:themeFamily xmlns:thm15="http://schemas.microsoft.com/office/thememl/2012/main" xmlns="" name="Office Theme" id="{62F939B6-93AF-4DB8-9C6B-D6C7DFDC589F}" vid="{4A3C46E8-61CC-4603-A589-7422A47A8E4A}"/>
+      <thm15:themeFamily xmlns="" xmlns:thm15="http://schemas.microsoft.com/office/thememl/2012/main" name="Office Theme" id="{62F939B6-93AF-4DB8-9C6B-D6C7DFDC589F}" vid="{4A3C46E8-61CC-4603-A589-7422A47A8E4A}"/>
     </a:ext>
   </a:extLst>
 </a:theme>

--- a/docker.pptx
+++ b/docker.pptx
@@ -120,7 +120,7 @@
   </p:defaultTextStyle>
   <p:extLst>
     <p:ext uri="{EFAFB233-063F-42B5-8137-9DF3F51BA10A}">
-      <p15:sldGuideLst xmlns="" xmlns:p15="http://schemas.microsoft.com/office/powerpoint/2012/main">
+      <p15:sldGuideLst xmlns:p15="http://schemas.microsoft.com/office/powerpoint/2012/main">
         <p15:guide id="1" orient="horz" pos="2160" userDrawn="1">
           <p15:clr>
             <a:srgbClr val="A4A3A4"/>
@@ -135,10 +135,6 @@
     </p:ext>
   </p:extLst>
 </p:presentation>
-</file>
-
-<file path=ppt/revisionInfo.xml><?xml version="1.0" encoding="utf-8"?>
-<p1510:revInfo xmlns:a="http://schemas.openxmlformats.org/drawingml/2006/main" xmlns:r="http://schemas.openxmlformats.org/officeDocument/2006/relationships" xmlns:p1510="http://schemas.microsoft.com/office/powerpoint/2015/10/main"/>
 </file>
 
 <file path=ppt/notesMasters/notesMaster1.xml><?xml version="1.0" encoding="utf-8"?>
@@ -224,7 +220,7 @@
             <a:fld id="{05B1D5F9-199E-4B77-ACFB-0D659EE03F6C}" type="datetimeFigureOut">
               <a:rPr lang="zh-CN" altLang="en-US" smtClean="0"/>
               <a:pPr/>
-              <a:t>2018/5/31</a:t>
+              <a:t>2018/6/5</a:t>
             </a:fld>
             <a:endParaRPr lang="zh-CN" altLang="en-US"/>
           </a:p>
@@ -392,7 +388,7 @@
     </p:spTree>
     <p:extLst>
       <p:ext uri="{BB962C8B-B14F-4D97-AF65-F5344CB8AC3E}">
-        <p14:creationId xmlns="" xmlns:p14="http://schemas.microsoft.com/office/powerpoint/2010/main" val="4136795833"/>
+        <p14:creationId xmlns:p14="http://schemas.microsoft.com/office/powerpoint/2010/main" val="4136795833"/>
       </p:ext>
     </p:extLst>
   </p:cSld>
@@ -567,7 +563,7 @@
     </p:spTree>
     <p:extLst>
       <p:ext uri="{BB962C8B-B14F-4D97-AF65-F5344CB8AC3E}">
-        <p14:creationId xmlns="" xmlns:p14="http://schemas.microsoft.com/office/powerpoint/2010/main" val="2594768037"/>
+        <p14:creationId xmlns:p14="http://schemas.microsoft.com/office/powerpoint/2010/main" val="2594768037"/>
       </p:ext>
     </p:extLst>
   </p:cSld>
@@ -652,7 +648,7 @@
     </p:spTree>
     <p:extLst>
       <p:ext uri="{BB962C8B-B14F-4D97-AF65-F5344CB8AC3E}">
-        <p14:creationId xmlns="" xmlns:p14="http://schemas.microsoft.com/office/powerpoint/2010/main" val="2506518844"/>
+        <p14:creationId xmlns:p14="http://schemas.microsoft.com/office/powerpoint/2010/main" val="2506518844"/>
       </p:ext>
     </p:extLst>
   </p:cSld>
@@ -737,7 +733,7 @@
     </p:spTree>
     <p:extLst>
       <p:ext uri="{BB962C8B-B14F-4D97-AF65-F5344CB8AC3E}">
-        <p14:creationId xmlns="" xmlns:p14="http://schemas.microsoft.com/office/powerpoint/2010/main" val="3310963080"/>
+        <p14:creationId xmlns:p14="http://schemas.microsoft.com/office/powerpoint/2010/main" val="3310963080"/>
       </p:ext>
     </p:extLst>
   </p:cSld>
@@ -822,7 +818,7 @@
     </p:spTree>
     <p:extLst>
       <p:ext uri="{BB962C8B-B14F-4D97-AF65-F5344CB8AC3E}">
-        <p14:creationId xmlns="" xmlns:p14="http://schemas.microsoft.com/office/powerpoint/2010/main" val="4235483088"/>
+        <p14:creationId xmlns:p14="http://schemas.microsoft.com/office/powerpoint/2010/main" val="4235483088"/>
       </p:ext>
     </p:extLst>
   </p:cSld>
@@ -907,7 +903,7 @@
     </p:spTree>
     <p:extLst>
       <p:ext uri="{BB962C8B-B14F-4D97-AF65-F5344CB8AC3E}">
-        <p14:creationId xmlns="" xmlns:p14="http://schemas.microsoft.com/office/powerpoint/2010/main" val="1199798051"/>
+        <p14:creationId xmlns:p14="http://schemas.microsoft.com/office/powerpoint/2010/main" val="1199798051"/>
       </p:ext>
     </p:extLst>
   </p:cSld>
@@ -992,7 +988,7 @@
     </p:spTree>
     <p:extLst>
       <p:ext uri="{BB962C8B-B14F-4D97-AF65-F5344CB8AC3E}">
-        <p14:creationId xmlns="" xmlns:p14="http://schemas.microsoft.com/office/powerpoint/2010/main" val="2416713267"/>
+        <p14:creationId xmlns:p14="http://schemas.microsoft.com/office/powerpoint/2010/main" val="2416713267"/>
       </p:ext>
     </p:extLst>
   </p:cSld>
@@ -1077,7 +1073,7 @@
     </p:spTree>
     <p:extLst>
       <p:ext uri="{BB962C8B-B14F-4D97-AF65-F5344CB8AC3E}">
-        <p14:creationId xmlns="" xmlns:p14="http://schemas.microsoft.com/office/powerpoint/2010/main" val="1561144535"/>
+        <p14:creationId xmlns:p14="http://schemas.microsoft.com/office/powerpoint/2010/main" val="1561144535"/>
       </p:ext>
     </p:extLst>
   </p:cSld>
@@ -1162,7 +1158,7 @@
     </p:spTree>
     <p:extLst>
       <p:ext uri="{BB962C8B-B14F-4D97-AF65-F5344CB8AC3E}">
-        <p14:creationId xmlns="" xmlns:p14="http://schemas.microsoft.com/office/powerpoint/2010/main" val="3177794071"/>
+        <p14:creationId xmlns:p14="http://schemas.microsoft.com/office/powerpoint/2010/main" val="3177794071"/>
       </p:ext>
     </p:extLst>
   </p:cSld>
@@ -1247,7 +1243,7 @@
     </p:spTree>
     <p:extLst>
       <p:ext uri="{BB962C8B-B14F-4D97-AF65-F5344CB8AC3E}">
-        <p14:creationId xmlns="" xmlns:p14="http://schemas.microsoft.com/office/powerpoint/2010/main" val="169439926"/>
+        <p14:creationId xmlns:p14="http://schemas.microsoft.com/office/powerpoint/2010/main" val="169439926"/>
       </p:ext>
     </p:extLst>
   </p:cSld>
@@ -1387,7 +1383,7 @@
             <a:fld id="{91AD7F68-8E1B-45E2-8A27-5D5DEAAB1BF2}" type="datetimeFigureOut">
               <a:rPr lang="zh-CN" altLang="en-US" smtClean="0"/>
               <a:pPr/>
-              <a:t>2018/5/31</a:t>
+              <a:t>2018/6/5</a:t>
             </a:fld>
             <a:endParaRPr lang="zh-CN" altLang="en-US"/>
           </a:p>
@@ -1439,20 +1435,20 @@
     </p:spTree>
     <p:extLst>
       <p:ext uri="{BB962C8B-B14F-4D97-AF65-F5344CB8AC3E}">
-        <p14:creationId xmlns="" xmlns:p14="http://schemas.microsoft.com/office/powerpoint/2010/main" val="3379505774"/>
+        <p14:creationId xmlns:p14="http://schemas.microsoft.com/office/powerpoint/2010/main" val="3379505774"/>
       </p:ext>
     </p:extLst>
   </p:cSld>
   <p:clrMapOvr>
     <a:masterClrMapping/>
   </p:clrMapOvr>
-  <mc:AlternateContent xmlns:mc="http://schemas.openxmlformats.org/markup-compatibility/2006">
-    <mc:Choice xmlns="" xmlns:p14="http://schemas.microsoft.com/office/powerpoint/2010/main" Requires="p14">
+  <mc:AlternateContent xmlns:mc="http://schemas.openxmlformats.org/markup-compatibility/2006" xmlns:p14="http://schemas.microsoft.com/office/powerpoint/2010/main">
+    <mc:Choice Requires="p14">
       <p:transition spd="slow" p14:dur="1500" advClick="0" advTm="0">
         <p:random/>
       </p:transition>
     </mc:Choice>
-    <mc:Fallback>
+    <mc:Fallback xmlns="">
       <p:transition spd="slow" advClick="0" advTm="0">
         <p:random/>
       </p:transition>
@@ -1569,7 +1565,7 @@
             <a:fld id="{91AD7F68-8E1B-45E2-8A27-5D5DEAAB1BF2}" type="datetimeFigureOut">
               <a:rPr lang="zh-CN" altLang="en-US" smtClean="0"/>
               <a:pPr/>
-              <a:t>2018/5/31</a:t>
+              <a:t>2018/6/5</a:t>
             </a:fld>
             <a:endParaRPr lang="zh-CN" altLang="en-US"/>
           </a:p>
@@ -1621,20 +1617,20 @@
     </p:spTree>
     <p:extLst>
       <p:ext uri="{BB962C8B-B14F-4D97-AF65-F5344CB8AC3E}">
-        <p14:creationId xmlns="" xmlns:p14="http://schemas.microsoft.com/office/powerpoint/2010/main" val="4292131042"/>
+        <p14:creationId xmlns:p14="http://schemas.microsoft.com/office/powerpoint/2010/main" val="4292131042"/>
       </p:ext>
     </p:extLst>
   </p:cSld>
   <p:clrMapOvr>
     <a:masterClrMapping/>
   </p:clrMapOvr>
-  <mc:AlternateContent xmlns:mc="http://schemas.openxmlformats.org/markup-compatibility/2006">
-    <mc:Choice xmlns="" xmlns:p14="http://schemas.microsoft.com/office/powerpoint/2010/main" Requires="p14">
+  <mc:AlternateContent xmlns:mc="http://schemas.openxmlformats.org/markup-compatibility/2006" xmlns:p14="http://schemas.microsoft.com/office/powerpoint/2010/main">
+    <mc:Choice Requires="p14">
       <p:transition spd="slow" p14:dur="1500" advClick="0" advTm="0">
         <p:random/>
       </p:transition>
     </mc:Choice>
-    <mc:Fallback>
+    <mc:Fallback xmlns="">
       <p:transition spd="slow" advClick="0" advTm="0">
         <p:random/>
       </p:transition>
@@ -1761,7 +1757,7 @@
             <a:fld id="{91AD7F68-8E1B-45E2-8A27-5D5DEAAB1BF2}" type="datetimeFigureOut">
               <a:rPr lang="zh-CN" altLang="en-US" smtClean="0"/>
               <a:pPr/>
-              <a:t>2018/5/31</a:t>
+              <a:t>2018/6/5</a:t>
             </a:fld>
             <a:endParaRPr lang="zh-CN" altLang="en-US"/>
           </a:p>
@@ -1813,20 +1809,20 @@
     </p:spTree>
     <p:extLst>
       <p:ext uri="{BB962C8B-B14F-4D97-AF65-F5344CB8AC3E}">
-        <p14:creationId xmlns="" xmlns:p14="http://schemas.microsoft.com/office/powerpoint/2010/main" val="1952128637"/>
+        <p14:creationId xmlns:p14="http://schemas.microsoft.com/office/powerpoint/2010/main" val="1952128637"/>
       </p:ext>
     </p:extLst>
   </p:cSld>
   <p:clrMapOvr>
     <a:masterClrMapping/>
   </p:clrMapOvr>
-  <mc:AlternateContent xmlns:mc="http://schemas.openxmlformats.org/markup-compatibility/2006">
-    <mc:Choice xmlns="" xmlns:p14="http://schemas.microsoft.com/office/powerpoint/2010/main" Requires="p14">
+  <mc:AlternateContent xmlns:mc="http://schemas.openxmlformats.org/markup-compatibility/2006" xmlns:p14="http://schemas.microsoft.com/office/powerpoint/2010/main">
+    <mc:Choice Requires="p14">
       <p:transition spd="slow" p14:dur="1500" advClick="0" advTm="0">
         <p:random/>
       </p:transition>
     </mc:Choice>
-    <mc:Fallback>
+    <mc:Fallback xmlns="">
       <p:transition spd="slow" advClick="0" advTm="0">
         <p:random/>
       </p:transition>
@@ -1943,7 +1939,7 @@
             <a:fld id="{91AD7F68-8E1B-45E2-8A27-5D5DEAAB1BF2}" type="datetimeFigureOut">
               <a:rPr lang="zh-CN" altLang="en-US" smtClean="0"/>
               <a:pPr/>
-              <a:t>2018/5/31</a:t>
+              <a:t>2018/6/5</a:t>
             </a:fld>
             <a:endParaRPr lang="zh-CN" altLang="en-US"/>
           </a:p>
@@ -1995,20 +1991,20 @@
     </p:spTree>
     <p:extLst>
       <p:ext uri="{BB962C8B-B14F-4D97-AF65-F5344CB8AC3E}">
-        <p14:creationId xmlns="" xmlns:p14="http://schemas.microsoft.com/office/powerpoint/2010/main" val="4173798514"/>
+        <p14:creationId xmlns:p14="http://schemas.microsoft.com/office/powerpoint/2010/main" val="4173798514"/>
       </p:ext>
     </p:extLst>
   </p:cSld>
   <p:clrMapOvr>
     <a:masterClrMapping/>
   </p:clrMapOvr>
-  <mc:AlternateContent xmlns:mc="http://schemas.openxmlformats.org/markup-compatibility/2006">
-    <mc:Choice xmlns="" xmlns:p14="http://schemas.microsoft.com/office/powerpoint/2010/main" Requires="p14">
+  <mc:AlternateContent xmlns:mc="http://schemas.openxmlformats.org/markup-compatibility/2006" xmlns:p14="http://schemas.microsoft.com/office/powerpoint/2010/main">
+    <mc:Choice Requires="p14">
       <p:transition spd="slow" p14:dur="1500" advClick="0" advTm="0">
         <p:random/>
       </p:transition>
     </mc:Choice>
-    <mc:Fallback>
+    <mc:Fallback xmlns="">
       <p:transition spd="slow" advClick="0" advTm="0">
         <p:random/>
       </p:transition>
@@ -2202,7 +2198,7 @@
             <a:fld id="{91AD7F68-8E1B-45E2-8A27-5D5DEAAB1BF2}" type="datetimeFigureOut">
               <a:rPr lang="zh-CN" altLang="en-US" smtClean="0"/>
               <a:pPr/>
-              <a:t>2018/5/31</a:t>
+              <a:t>2018/6/5</a:t>
             </a:fld>
             <a:endParaRPr lang="zh-CN" altLang="en-US"/>
           </a:p>
@@ -2254,20 +2250,20 @@
     </p:spTree>
     <p:extLst>
       <p:ext uri="{BB962C8B-B14F-4D97-AF65-F5344CB8AC3E}">
-        <p14:creationId xmlns="" xmlns:p14="http://schemas.microsoft.com/office/powerpoint/2010/main" val="2343028950"/>
+        <p14:creationId xmlns:p14="http://schemas.microsoft.com/office/powerpoint/2010/main" val="2343028950"/>
       </p:ext>
     </p:extLst>
   </p:cSld>
   <p:clrMapOvr>
     <a:masterClrMapping/>
   </p:clrMapOvr>
-  <mc:AlternateContent xmlns:mc="http://schemas.openxmlformats.org/markup-compatibility/2006">
-    <mc:Choice xmlns="" xmlns:p14="http://schemas.microsoft.com/office/powerpoint/2010/main" Requires="p14">
+  <mc:AlternateContent xmlns:mc="http://schemas.openxmlformats.org/markup-compatibility/2006" xmlns:p14="http://schemas.microsoft.com/office/powerpoint/2010/main">
+    <mc:Choice Requires="p14">
       <p:transition spd="slow" p14:dur="1500" advClick="0" advTm="0">
         <p:random/>
       </p:transition>
     </mc:Choice>
-    <mc:Fallback>
+    <mc:Fallback xmlns="">
       <p:transition spd="slow" advClick="0" advTm="0">
         <p:random/>
       </p:transition>
@@ -2445,7 +2441,7 @@
             <a:fld id="{91AD7F68-8E1B-45E2-8A27-5D5DEAAB1BF2}" type="datetimeFigureOut">
               <a:rPr lang="zh-CN" altLang="en-US" smtClean="0"/>
               <a:pPr/>
-              <a:t>2018/5/31</a:t>
+              <a:t>2018/6/5</a:t>
             </a:fld>
             <a:endParaRPr lang="zh-CN" altLang="en-US"/>
           </a:p>
@@ -2497,20 +2493,20 @@
     </p:spTree>
     <p:extLst>
       <p:ext uri="{BB962C8B-B14F-4D97-AF65-F5344CB8AC3E}">
-        <p14:creationId xmlns="" xmlns:p14="http://schemas.microsoft.com/office/powerpoint/2010/main" val="1951757828"/>
+        <p14:creationId xmlns:p14="http://schemas.microsoft.com/office/powerpoint/2010/main" val="1951757828"/>
       </p:ext>
     </p:extLst>
   </p:cSld>
   <p:clrMapOvr>
     <a:masterClrMapping/>
   </p:clrMapOvr>
-  <mc:AlternateContent xmlns:mc="http://schemas.openxmlformats.org/markup-compatibility/2006">
-    <mc:Choice xmlns="" xmlns:p14="http://schemas.microsoft.com/office/powerpoint/2010/main" Requires="p14">
+  <mc:AlternateContent xmlns:mc="http://schemas.openxmlformats.org/markup-compatibility/2006" xmlns:p14="http://schemas.microsoft.com/office/powerpoint/2010/main">
+    <mc:Choice Requires="p14">
       <p:transition spd="slow" p14:dur="1500" advClick="0" advTm="0">
         <p:random/>
       </p:transition>
     </mc:Choice>
-    <mc:Fallback>
+    <mc:Fallback xmlns="">
       <p:transition spd="slow" advClick="0" advTm="0">
         <p:random/>
       </p:transition>
@@ -2823,7 +2819,7 @@
             <a:fld id="{91AD7F68-8E1B-45E2-8A27-5D5DEAAB1BF2}" type="datetimeFigureOut">
               <a:rPr lang="zh-CN" altLang="en-US" smtClean="0"/>
               <a:pPr/>
-              <a:t>2018/5/31</a:t>
+              <a:t>2018/6/5</a:t>
             </a:fld>
             <a:endParaRPr lang="zh-CN" altLang="en-US"/>
           </a:p>
@@ -2875,20 +2871,20 @@
     </p:spTree>
     <p:extLst>
       <p:ext uri="{BB962C8B-B14F-4D97-AF65-F5344CB8AC3E}">
-        <p14:creationId xmlns="" xmlns:p14="http://schemas.microsoft.com/office/powerpoint/2010/main" val="3785743930"/>
+        <p14:creationId xmlns:p14="http://schemas.microsoft.com/office/powerpoint/2010/main" val="3785743930"/>
       </p:ext>
     </p:extLst>
   </p:cSld>
   <p:clrMapOvr>
     <a:masterClrMapping/>
   </p:clrMapOvr>
-  <mc:AlternateContent xmlns:mc="http://schemas.openxmlformats.org/markup-compatibility/2006">
-    <mc:Choice xmlns="" xmlns:p14="http://schemas.microsoft.com/office/powerpoint/2010/main" Requires="p14">
+  <mc:AlternateContent xmlns:mc="http://schemas.openxmlformats.org/markup-compatibility/2006" xmlns:p14="http://schemas.microsoft.com/office/powerpoint/2010/main">
+    <mc:Choice Requires="p14">
       <p:transition spd="slow" p14:dur="1500" advClick="0" advTm="0">
         <p:random/>
       </p:transition>
     </mc:Choice>
-    <mc:Fallback>
+    <mc:Fallback xmlns="">
       <p:transition spd="slow" advClick="0" advTm="0">
         <p:random/>
       </p:transition>
@@ -2954,7 +2950,7 @@
             <a:fld id="{91AD7F68-8E1B-45E2-8A27-5D5DEAAB1BF2}" type="datetimeFigureOut">
               <a:rPr lang="zh-CN" altLang="en-US" smtClean="0"/>
               <a:pPr/>
-              <a:t>2018/5/31</a:t>
+              <a:t>2018/6/5</a:t>
             </a:fld>
             <a:endParaRPr lang="zh-CN" altLang="en-US"/>
           </a:p>
@@ -3006,20 +3002,20 @@
     </p:spTree>
     <p:extLst>
       <p:ext uri="{BB962C8B-B14F-4D97-AF65-F5344CB8AC3E}">
-        <p14:creationId xmlns="" xmlns:p14="http://schemas.microsoft.com/office/powerpoint/2010/main" val="1272998583"/>
+        <p14:creationId xmlns:p14="http://schemas.microsoft.com/office/powerpoint/2010/main" val="1272998583"/>
       </p:ext>
     </p:extLst>
   </p:cSld>
   <p:clrMapOvr>
     <a:masterClrMapping/>
   </p:clrMapOvr>
-  <mc:AlternateContent xmlns:mc="http://schemas.openxmlformats.org/markup-compatibility/2006">
-    <mc:Choice xmlns="" xmlns:p14="http://schemas.microsoft.com/office/powerpoint/2010/main" Requires="p14">
+  <mc:AlternateContent xmlns:mc="http://schemas.openxmlformats.org/markup-compatibility/2006" xmlns:p14="http://schemas.microsoft.com/office/powerpoint/2010/main">
+    <mc:Choice Requires="p14">
       <p:transition spd="slow" p14:dur="1500" advClick="0" advTm="0">
         <p:random/>
       </p:transition>
     </mc:Choice>
-    <mc:Fallback>
+    <mc:Fallback xmlns="">
       <p:transition spd="slow" advClick="0" advTm="0">
         <p:random/>
       </p:transition>
@@ -3063,7 +3059,7 @@
             <a:fld id="{91AD7F68-8E1B-45E2-8A27-5D5DEAAB1BF2}" type="datetimeFigureOut">
               <a:rPr lang="zh-CN" altLang="en-US" smtClean="0"/>
               <a:pPr/>
-              <a:t>2018/5/31</a:t>
+              <a:t>2018/6/5</a:t>
             </a:fld>
             <a:endParaRPr lang="zh-CN" altLang="en-US"/>
           </a:p>
@@ -3115,20 +3111,20 @@
     </p:spTree>
     <p:extLst>
       <p:ext uri="{BB962C8B-B14F-4D97-AF65-F5344CB8AC3E}">
-        <p14:creationId xmlns="" xmlns:p14="http://schemas.microsoft.com/office/powerpoint/2010/main" val="2103091704"/>
+        <p14:creationId xmlns:p14="http://schemas.microsoft.com/office/powerpoint/2010/main" val="2103091704"/>
       </p:ext>
     </p:extLst>
   </p:cSld>
   <p:clrMapOvr>
     <a:masterClrMapping/>
   </p:clrMapOvr>
-  <mc:AlternateContent xmlns:mc="http://schemas.openxmlformats.org/markup-compatibility/2006">
-    <mc:Choice xmlns="" xmlns:p14="http://schemas.microsoft.com/office/powerpoint/2010/main" Requires="p14">
+  <mc:AlternateContent xmlns:mc="http://schemas.openxmlformats.org/markup-compatibility/2006" xmlns:p14="http://schemas.microsoft.com/office/powerpoint/2010/main">
+    <mc:Choice Requires="p14">
       <p:transition spd="slow" p14:dur="1500" advClick="0" advTm="0">
         <p:random/>
       </p:transition>
     </mc:Choice>
-    <mc:Fallback>
+    <mc:Fallback xmlns="">
       <p:transition spd="slow" advClick="0" advTm="0">
         <p:random/>
       </p:transition>
@@ -3352,7 +3348,7 @@
             <a:fld id="{91AD7F68-8E1B-45E2-8A27-5D5DEAAB1BF2}" type="datetimeFigureOut">
               <a:rPr lang="zh-CN" altLang="en-US" smtClean="0"/>
               <a:pPr/>
-              <a:t>2018/5/31</a:t>
+              <a:t>2018/6/5</a:t>
             </a:fld>
             <a:endParaRPr lang="zh-CN" altLang="en-US"/>
           </a:p>
@@ -3404,20 +3400,20 @@
     </p:spTree>
     <p:extLst>
       <p:ext uri="{BB962C8B-B14F-4D97-AF65-F5344CB8AC3E}">
-        <p14:creationId xmlns="" xmlns:p14="http://schemas.microsoft.com/office/powerpoint/2010/main" val="2275436477"/>
+        <p14:creationId xmlns:p14="http://schemas.microsoft.com/office/powerpoint/2010/main" val="2275436477"/>
       </p:ext>
     </p:extLst>
   </p:cSld>
   <p:clrMapOvr>
     <a:masterClrMapping/>
   </p:clrMapOvr>
-  <mc:AlternateContent xmlns:mc="http://schemas.openxmlformats.org/markup-compatibility/2006">
-    <mc:Choice xmlns="" xmlns:p14="http://schemas.microsoft.com/office/powerpoint/2010/main" Requires="p14">
+  <mc:AlternateContent xmlns:mc="http://schemas.openxmlformats.org/markup-compatibility/2006" xmlns:p14="http://schemas.microsoft.com/office/powerpoint/2010/main">
+    <mc:Choice Requires="p14">
       <p:transition spd="slow" p14:dur="1500" advClick="0" advTm="0">
         <p:random/>
       </p:transition>
     </mc:Choice>
-    <mc:Fallback>
+    <mc:Fallback xmlns="">
       <p:transition spd="slow" advClick="0" advTm="0">
         <p:random/>
       </p:transition>
@@ -3618,7 +3614,7 @@
             <a:fld id="{91AD7F68-8E1B-45E2-8A27-5D5DEAAB1BF2}" type="datetimeFigureOut">
               <a:rPr lang="zh-CN" altLang="en-US" smtClean="0"/>
               <a:pPr/>
-              <a:t>2018/5/31</a:t>
+              <a:t>2018/6/5</a:t>
             </a:fld>
             <a:endParaRPr lang="zh-CN" altLang="en-US"/>
           </a:p>
@@ -3670,20 +3666,20 @@
     </p:spTree>
     <p:extLst>
       <p:ext uri="{BB962C8B-B14F-4D97-AF65-F5344CB8AC3E}">
-        <p14:creationId xmlns="" xmlns:p14="http://schemas.microsoft.com/office/powerpoint/2010/main" val="2724821356"/>
+        <p14:creationId xmlns:p14="http://schemas.microsoft.com/office/powerpoint/2010/main" val="2724821356"/>
       </p:ext>
     </p:extLst>
   </p:cSld>
   <p:clrMapOvr>
     <a:masterClrMapping/>
   </p:clrMapOvr>
-  <mc:AlternateContent xmlns:mc="http://schemas.openxmlformats.org/markup-compatibility/2006">
-    <mc:Choice xmlns="" xmlns:p14="http://schemas.microsoft.com/office/powerpoint/2010/main" Requires="p14">
+  <mc:AlternateContent xmlns:mc="http://schemas.openxmlformats.org/markup-compatibility/2006" xmlns:p14="http://schemas.microsoft.com/office/powerpoint/2010/main">
+    <mc:Choice Requires="p14">
       <p:transition spd="slow" p14:dur="1500" advClick="0" advTm="0">
         <p:random/>
       </p:transition>
     </mc:Choice>
-    <mc:Fallback>
+    <mc:Fallback xmlns="">
       <p:transition spd="slow" advClick="0" advTm="0">
         <p:random/>
       </p:transition>
@@ -3843,7 +3839,7 @@
             <a:fld id="{91AD7F68-8E1B-45E2-8A27-5D5DEAAB1BF2}" type="datetimeFigureOut">
               <a:rPr lang="zh-CN" altLang="en-US" smtClean="0"/>
               <a:pPr/>
-              <a:t>2018/5/31</a:t>
+              <a:t>2018/6/5</a:t>
             </a:fld>
             <a:endParaRPr lang="zh-CN" altLang="en-US"/>
           </a:p>
@@ -3931,7 +3927,7 @@
     </p:spTree>
     <p:extLst>
       <p:ext uri="{BB962C8B-B14F-4D97-AF65-F5344CB8AC3E}">
-        <p14:creationId xmlns="" xmlns:p14="http://schemas.microsoft.com/office/powerpoint/2010/main" val="666783823"/>
+        <p14:creationId xmlns:p14="http://schemas.microsoft.com/office/powerpoint/2010/main" val="666783823"/>
       </p:ext>
     </p:extLst>
   </p:cSld>
@@ -3949,13 +3945,13 @@
     <p:sldLayoutId id="2147483658" r:id="rId10"/>
     <p:sldLayoutId id="2147483659" r:id="rId11"/>
   </p:sldLayoutIdLst>
-  <mc:AlternateContent xmlns:mc="http://schemas.openxmlformats.org/markup-compatibility/2006">
-    <mc:Choice xmlns="" xmlns:p14="http://schemas.microsoft.com/office/powerpoint/2010/main" Requires="p14">
+  <mc:AlternateContent xmlns:mc="http://schemas.openxmlformats.org/markup-compatibility/2006" xmlns:p14="http://schemas.microsoft.com/office/powerpoint/2010/main">
+    <mc:Choice Requires="p14">
       <p:transition spd="slow" p14:dur="1500" advClick="0" advTm="0">
         <p:random/>
       </p:transition>
     </mc:Choice>
-    <mc:Fallback>
+    <mc:Fallback xmlns="">
       <p:transition spd="slow" advClick="0" advTm="0">
         <p:random/>
       </p:transition>
@@ -4273,7 +4269,7 @@
           <a:blip r:embed="rId3" cstate="print">
             <a:extLst>
               <a:ext uri="{28A0092B-C50C-407E-A947-70E740481C1C}">
-                <a14:useLocalDpi xmlns="" xmlns:a14="http://schemas.microsoft.com/office/drawing/2010/main"/>
+                <a14:useLocalDpi xmlns:a14="http://schemas.microsoft.com/office/drawing/2010/main"/>
               </a:ext>
             </a:extLst>
           </a:blip>
@@ -9847,7 +9843,7 @@
           <p:cNvPr id="9" name="TextBox 8">
             <a:extLst>
               <a:ext uri="{FF2B5EF4-FFF2-40B4-BE49-F238E27FC236}">
-                <a16:creationId xmlns="" xmlns:a16="http://schemas.microsoft.com/office/drawing/2014/main" id="{73C77ED2-C357-47B7-8381-585C44BF2B89}"/>
+                <a16:creationId xmlns:a16="http://schemas.microsoft.com/office/drawing/2014/main" id="{73C77ED2-C357-47B7-8381-585C44BF2B89}"/>
               </a:ext>
             </a:extLst>
           </p:cNvPr>
@@ -9887,20 +9883,20 @@
     </p:spTree>
     <p:extLst>
       <p:ext uri="{BB962C8B-B14F-4D97-AF65-F5344CB8AC3E}">
-        <p14:creationId xmlns="" xmlns:p14="http://schemas.microsoft.com/office/powerpoint/2010/main" val="656483861"/>
+        <p14:creationId xmlns:p14="http://schemas.microsoft.com/office/powerpoint/2010/main" val="656483861"/>
       </p:ext>
     </p:extLst>
   </p:cSld>
   <p:clrMapOvr>
     <a:masterClrMapping/>
   </p:clrMapOvr>
-  <mc:AlternateContent xmlns:mc="http://schemas.openxmlformats.org/markup-compatibility/2006">
-    <mc:Choice xmlns="" xmlns:p14="http://schemas.microsoft.com/office/powerpoint/2010/main" Requires="p14">
+  <mc:AlternateContent xmlns:mc="http://schemas.openxmlformats.org/markup-compatibility/2006" xmlns:p14="http://schemas.microsoft.com/office/powerpoint/2010/main">
+    <mc:Choice Requires="p14">
       <p:transition spd="slow" p14:dur="1500">
         <p:random/>
       </p:transition>
     </mc:Choice>
-    <mc:Fallback>
+    <mc:Fallback xmlns="">
       <p:transition spd="slow">
         <p:random/>
       </p:transition>
@@ -10486,43 +10482,43 @@
           <a:lstStyle/>
           <a:p>
             <a:r>
-              <a:rPr lang="en-US" altLang="zh-CN" dirty="0" smtClean="0"/>
+              <a:rPr lang="en-US" altLang="zh-CN" dirty="0"/>
               <a:t>yum install </a:t>
             </a:r>
             <a:r>
-              <a:rPr lang="en-US" altLang="zh-CN" dirty="0" err="1" smtClean="0"/>
+              <a:rPr lang="en-US" altLang="zh-CN" dirty="0" err="1"/>
               <a:t>docker</a:t>
             </a:r>
-            <a:endParaRPr lang="en-US" altLang="zh-CN" dirty="0" smtClean="0"/>
+            <a:endParaRPr lang="en-US" altLang="zh-CN" dirty="0"/>
           </a:p>
           <a:p>
-            <a:endParaRPr lang="en-US" altLang="zh-CN" dirty="0" smtClean="0"/>
+            <a:endParaRPr lang="en-US" altLang="zh-CN" dirty="0"/>
           </a:p>
           <a:p>
             <a:r>
-              <a:rPr lang="en-US" altLang="zh-CN" dirty="0" err="1" smtClean="0"/>
+              <a:rPr lang="en-US" altLang="zh-CN" dirty="0" err="1"/>
               <a:t>systemctl</a:t>
             </a:r>
             <a:r>
-              <a:rPr lang="en-US" altLang="zh-CN" dirty="0" smtClean="0"/>
+              <a:rPr lang="en-US" altLang="zh-CN" dirty="0"/>
               <a:t> start </a:t>
             </a:r>
             <a:r>
-              <a:rPr lang="en-US" altLang="zh-CN" dirty="0" err="1" smtClean="0"/>
+              <a:rPr lang="en-US" altLang="zh-CN" dirty="0" err="1"/>
               <a:t>docker</a:t>
             </a:r>
-            <a:endParaRPr lang="en-US" altLang="zh-CN" dirty="0" smtClean="0"/>
+            <a:endParaRPr lang="en-US" altLang="zh-CN" dirty="0"/>
           </a:p>
           <a:p>
-            <a:endParaRPr lang="en-US" altLang="zh-CN" dirty="0" smtClean="0"/>
+            <a:endParaRPr lang="en-US" altLang="zh-CN" dirty="0"/>
           </a:p>
           <a:p>
             <a:r>
-              <a:rPr lang="en-US" altLang="zh-CN" dirty="0" err="1" smtClean="0"/>
+              <a:rPr lang="en-US" altLang="zh-CN" dirty="0" err="1"/>
               <a:t>docker</a:t>
             </a:r>
             <a:r>
-              <a:rPr lang="en-US" altLang="zh-CN" dirty="0" smtClean="0"/>
+              <a:rPr lang="en-US" altLang="zh-CN" dirty="0"/>
               <a:t> images</a:t>
             </a:r>
             <a:endParaRPr lang="zh-CN" altLang="en-US" dirty="0"/>
@@ -10566,15 +10562,15 @@
           <a:p>
             <a:pPr algn="ctr"/>
             <a:r>
-              <a:rPr lang="zh-CN" altLang="en-US" sz="2800" dirty="0" smtClean="0"/>
+              <a:rPr lang="zh-CN" altLang="en-US" sz="2800" dirty="0"/>
               <a:t>搜索镜像：</a:t>
             </a:r>
             <a:r>
-              <a:rPr lang="en-US" altLang="zh-CN" sz="2800" dirty="0" err="1" smtClean="0"/>
+              <a:rPr lang="en-US" altLang="zh-CN" sz="2800" dirty="0" err="1"/>
               <a:t>docker</a:t>
             </a:r>
             <a:r>
-              <a:rPr lang="en-US" altLang="zh-CN" sz="2800" dirty="0" smtClean="0"/>
+              <a:rPr lang="en-US" altLang="zh-CN" sz="2800" dirty="0"/>
               <a:t> search --filter=stars=10 java</a:t>
             </a:r>
             <a:endParaRPr lang="zh-CN" altLang="en-US" sz="2800" dirty="0"/>
@@ -10618,23 +10614,23 @@
           <a:p>
             <a:pPr algn="ctr"/>
             <a:r>
-              <a:rPr lang="zh-CN" altLang="en-US" sz="2800" dirty="0" smtClean="0"/>
+              <a:rPr lang="zh-CN" altLang="en-US" sz="2800" dirty="0"/>
               <a:t>下载镜像：</a:t>
             </a:r>
             <a:r>
-              <a:rPr lang="en-US" altLang="zh-CN" sz="2800" dirty="0" err="1" smtClean="0"/>
+              <a:rPr lang="en-US" altLang="zh-CN" sz="2800" dirty="0" err="1"/>
               <a:t>docker</a:t>
             </a:r>
             <a:r>
-              <a:rPr lang="en-US" altLang="zh-CN" sz="2800" dirty="0" smtClean="0"/>
+              <a:rPr lang="en-US" altLang="zh-CN" sz="2800" dirty="0"/>
               <a:t> pull </a:t>
             </a:r>
             <a:r>
-              <a:rPr lang="en-US" altLang="zh-CN" sz="2800" dirty="0" err="1" smtClean="0"/>
+              <a:rPr lang="en-US" altLang="zh-CN" sz="2800" dirty="0" err="1"/>
               <a:t>docker.io</a:t>
             </a:r>
             <a:r>
-              <a:rPr lang="en-US" altLang="zh-CN" sz="2800" smtClean="0"/>
+              <a:rPr lang="en-US" altLang="zh-CN" sz="2800"/>
               <a:t>/java</a:t>
             </a:r>
             <a:endParaRPr lang="zh-CN" altLang="en-US" sz="2800" dirty="0"/>
@@ -10644,20 +10640,20 @@
     </p:spTree>
     <p:extLst>
       <p:ext uri="{BB962C8B-B14F-4D97-AF65-F5344CB8AC3E}">
-        <p14:creationId xmlns="" xmlns:p14="http://schemas.microsoft.com/office/powerpoint/2010/main" val="264814506"/>
+        <p14:creationId xmlns:p14="http://schemas.microsoft.com/office/powerpoint/2010/main" val="264814506"/>
       </p:ext>
     </p:extLst>
   </p:cSld>
   <p:clrMapOvr>
     <a:masterClrMapping/>
   </p:clrMapOvr>
-  <mc:AlternateContent xmlns:mc="http://schemas.openxmlformats.org/markup-compatibility/2006">
-    <mc:Choice xmlns="" xmlns:p14="http://schemas.microsoft.com/office/powerpoint/2010/main" Requires="p14">
+  <mc:AlternateContent xmlns:mc="http://schemas.openxmlformats.org/markup-compatibility/2006" xmlns:p14="http://schemas.microsoft.com/office/powerpoint/2010/main">
+    <mc:Choice Requires="p14">
       <p:transition spd="slow" p14:dur="1500">
         <p:random/>
       </p:transition>
     </mc:Choice>
-    <mc:Fallback>
+    <mc:Fallback xmlns="">
       <p:transition spd="slow">
         <p:random/>
       </p:transition>
@@ -10943,7 +10939,7 @@
           <p:cNvPr id="10" name="Rectangle 9">
             <a:extLst>
               <a:ext uri="{FF2B5EF4-FFF2-40B4-BE49-F238E27FC236}">
-                <a16:creationId xmlns="" xmlns:a16="http://schemas.microsoft.com/office/drawing/2014/main" id="{C3BEC256-880E-495F-8B21-C117C57BD7A1}"/>
+                <a16:creationId xmlns:a16="http://schemas.microsoft.com/office/drawing/2014/main" id="{C3BEC256-880E-495F-8B21-C117C57BD7A1}"/>
               </a:ext>
             </a:extLst>
           </p:cNvPr>
@@ -11197,7 +11193,7 @@
           <p:cNvPr id="4" name="TextBox 3">
             <a:extLst>
               <a:ext uri="{FF2B5EF4-FFF2-40B4-BE49-F238E27FC236}">
-                <a16:creationId xmlns="" xmlns:a16="http://schemas.microsoft.com/office/drawing/2014/main" id="{90236678-5C83-4B9F-9151-7449B70D4F04}"/>
+                <a16:creationId xmlns:a16="http://schemas.microsoft.com/office/drawing/2014/main" id="{90236678-5C83-4B9F-9151-7449B70D4F04}"/>
               </a:ext>
             </a:extLst>
           </p:cNvPr>
@@ -11265,10 +11261,6 @@
             <a:br>
               <a:rPr lang="zh-CN" altLang="en-US" dirty="0"/>
             </a:br>
-            <a:r>
-              <a:rPr lang="zh-CN" altLang="en-US" dirty="0"/>
-              <a:t/>
-            </a:r>
             <a:br>
               <a:rPr lang="zh-CN" altLang="en-US" dirty="0"/>
             </a:br>
@@ -11309,7 +11301,7 @@
           <p:cNvPr id="6" name="Rectangle: Rounded Corners 5">
             <a:extLst>
               <a:ext uri="{FF2B5EF4-FFF2-40B4-BE49-F238E27FC236}">
-                <a16:creationId xmlns="" xmlns:a16="http://schemas.microsoft.com/office/drawing/2014/main" id="{B596286C-9C6C-4EC2-AC83-309B2A25A96F}"/>
+                <a16:creationId xmlns:a16="http://schemas.microsoft.com/office/drawing/2014/main" id="{B596286C-9C6C-4EC2-AC83-309B2A25A96F}"/>
               </a:ext>
             </a:extLst>
           </p:cNvPr>
@@ -11357,7 +11349,7 @@
           <p:cNvPr id="7" name="Rectangle: Rounded Corners 6">
             <a:extLst>
               <a:ext uri="{FF2B5EF4-FFF2-40B4-BE49-F238E27FC236}">
-                <a16:creationId xmlns="" xmlns:a16="http://schemas.microsoft.com/office/drawing/2014/main" id="{F356C7F2-BAAA-4D64-923A-A862D8C4DA2D}"/>
+                <a16:creationId xmlns:a16="http://schemas.microsoft.com/office/drawing/2014/main" id="{F356C7F2-BAAA-4D64-923A-A862D8C4DA2D}"/>
               </a:ext>
             </a:extLst>
           </p:cNvPr>
@@ -11405,7 +11397,7 @@
           <p:cNvPr id="18" name="Rectangle: Rounded Corners 17">
             <a:extLst>
               <a:ext uri="{FF2B5EF4-FFF2-40B4-BE49-F238E27FC236}">
-                <a16:creationId xmlns="" xmlns:a16="http://schemas.microsoft.com/office/drawing/2014/main" id="{C4C37132-BAFE-490C-A6A6-1B8CBEFF2B58}"/>
+                <a16:creationId xmlns:a16="http://schemas.microsoft.com/office/drawing/2014/main" id="{C4C37132-BAFE-490C-A6A6-1B8CBEFF2B58}"/>
               </a:ext>
             </a:extLst>
           </p:cNvPr>
@@ -11453,7 +11445,7 @@
           <p:cNvPr id="9" name="Rectangle: Rounded Corners 8">
             <a:extLst>
               <a:ext uri="{FF2B5EF4-FFF2-40B4-BE49-F238E27FC236}">
-                <a16:creationId xmlns="" xmlns:a16="http://schemas.microsoft.com/office/drawing/2014/main" id="{7E05808C-5FD7-41E5-A43D-131D329760F1}"/>
+                <a16:creationId xmlns:a16="http://schemas.microsoft.com/office/drawing/2014/main" id="{7E05808C-5FD7-41E5-A43D-131D329760F1}"/>
               </a:ext>
             </a:extLst>
           </p:cNvPr>
@@ -11507,7 +11499,7 @@
           <p:cNvPr id="19" name="Rectangle: Rounded Corners 18">
             <a:extLst>
               <a:ext uri="{FF2B5EF4-FFF2-40B4-BE49-F238E27FC236}">
-                <a16:creationId xmlns="" xmlns:a16="http://schemas.microsoft.com/office/drawing/2014/main" id="{4A0DA287-6F77-4680-B7A5-ACDBA5C1BFD6}"/>
+                <a16:creationId xmlns:a16="http://schemas.microsoft.com/office/drawing/2014/main" id="{4A0DA287-6F77-4680-B7A5-ACDBA5C1BFD6}"/>
               </a:ext>
             </a:extLst>
           </p:cNvPr>
@@ -11561,7 +11553,7 @@
           <p:cNvPr id="20" name="Rectangle: Rounded Corners 19">
             <a:extLst>
               <a:ext uri="{FF2B5EF4-FFF2-40B4-BE49-F238E27FC236}">
-                <a16:creationId xmlns="" xmlns:a16="http://schemas.microsoft.com/office/drawing/2014/main" id="{9605DD40-9ED7-4F99-B494-7DD5B4B515AC}"/>
+                <a16:creationId xmlns:a16="http://schemas.microsoft.com/office/drawing/2014/main" id="{9605DD40-9ED7-4F99-B494-7DD5B4B515AC}"/>
               </a:ext>
             </a:extLst>
           </p:cNvPr>
@@ -11615,7 +11607,7 @@
           <p:cNvPr id="21" name="Rectangle: Rounded Corners 20">
             <a:extLst>
               <a:ext uri="{FF2B5EF4-FFF2-40B4-BE49-F238E27FC236}">
-                <a16:creationId xmlns="" xmlns:a16="http://schemas.microsoft.com/office/drawing/2014/main" id="{E107FD82-AA46-4011-A1ED-FE327DBB6E29}"/>
+                <a16:creationId xmlns:a16="http://schemas.microsoft.com/office/drawing/2014/main" id="{E107FD82-AA46-4011-A1ED-FE327DBB6E29}"/>
               </a:ext>
             </a:extLst>
           </p:cNvPr>
@@ -11664,7 +11656,7 @@
           <p:cNvPr id="22" name="Rectangle: Rounded Corners 21">
             <a:extLst>
               <a:ext uri="{FF2B5EF4-FFF2-40B4-BE49-F238E27FC236}">
-                <a16:creationId xmlns="" xmlns:a16="http://schemas.microsoft.com/office/drawing/2014/main" id="{6D52BAE1-0D38-437E-9AF8-8A86AC109571}"/>
+                <a16:creationId xmlns:a16="http://schemas.microsoft.com/office/drawing/2014/main" id="{6D52BAE1-0D38-437E-9AF8-8A86AC109571}"/>
               </a:ext>
             </a:extLst>
           </p:cNvPr>
@@ -11713,7 +11705,7 @@
           <p:cNvPr id="23" name="Rectangle: Rounded Corners 22">
             <a:extLst>
               <a:ext uri="{FF2B5EF4-FFF2-40B4-BE49-F238E27FC236}">
-                <a16:creationId xmlns="" xmlns:a16="http://schemas.microsoft.com/office/drawing/2014/main" id="{1EB1FA68-970D-402C-8EC3-075AB2372080}"/>
+                <a16:creationId xmlns:a16="http://schemas.microsoft.com/office/drawing/2014/main" id="{1EB1FA68-970D-402C-8EC3-075AB2372080}"/>
               </a:ext>
             </a:extLst>
           </p:cNvPr>
@@ -11769,7 +11761,7 @@
           <p:cNvPr id="12" name="Straight Arrow Connector 11">
             <a:extLst>
               <a:ext uri="{FF2B5EF4-FFF2-40B4-BE49-F238E27FC236}">
-                <a16:creationId xmlns="" xmlns:a16="http://schemas.microsoft.com/office/drawing/2014/main" id="{A3C14345-4820-4302-AF09-FEFBEFF6381B}"/>
+                <a16:creationId xmlns:a16="http://schemas.microsoft.com/office/drawing/2014/main" id="{A3C14345-4820-4302-AF09-FEFBEFF6381B}"/>
               </a:ext>
             </a:extLst>
           </p:cNvPr>
@@ -11811,7 +11803,7 @@
           <p:cNvPr id="25" name="Straight Arrow Connector 24">
             <a:extLst>
               <a:ext uri="{FF2B5EF4-FFF2-40B4-BE49-F238E27FC236}">
-                <a16:creationId xmlns="" xmlns:a16="http://schemas.microsoft.com/office/drawing/2014/main" id="{95A73916-C71C-478B-9297-D0CC38BADE09}"/>
+                <a16:creationId xmlns:a16="http://schemas.microsoft.com/office/drawing/2014/main" id="{95A73916-C71C-478B-9297-D0CC38BADE09}"/>
               </a:ext>
             </a:extLst>
           </p:cNvPr>
@@ -11852,7 +11844,7 @@
           <p:cNvPr id="27" name="Straight Arrow Connector 26">
             <a:extLst>
               <a:ext uri="{FF2B5EF4-FFF2-40B4-BE49-F238E27FC236}">
-                <a16:creationId xmlns="" xmlns:a16="http://schemas.microsoft.com/office/drawing/2014/main" id="{624521CF-274D-474D-BA2C-32FC9D476772}"/>
+                <a16:creationId xmlns:a16="http://schemas.microsoft.com/office/drawing/2014/main" id="{624521CF-274D-474D-BA2C-32FC9D476772}"/>
               </a:ext>
             </a:extLst>
           </p:cNvPr>
@@ -11893,7 +11885,7 @@
           <p:cNvPr id="29" name="Straight Arrow Connector 28">
             <a:extLst>
               <a:ext uri="{FF2B5EF4-FFF2-40B4-BE49-F238E27FC236}">
-                <a16:creationId xmlns="" xmlns:a16="http://schemas.microsoft.com/office/drawing/2014/main" id="{11895928-A4F5-456E-B589-F62CF711C195}"/>
+                <a16:creationId xmlns:a16="http://schemas.microsoft.com/office/drawing/2014/main" id="{11895928-A4F5-456E-B589-F62CF711C195}"/>
               </a:ext>
             </a:extLst>
           </p:cNvPr>
@@ -11935,7 +11927,7 @@
           <p:cNvPr id="31" name="Straight Arrow Connector 30">
             <a:extLst>
               <a:ext uri="{FF2B5EF4-FFF2-40B4-BE49-F238E27FC236}">
-                <a16:creationId xmlns="" xmlns:a16="http://schemas.microsoft.com/office/drawing/2014/main" id="{6017D859-B78A-4494-827B-6963CD37F943}"/>
+                <a16:creationId xmlns:a16="http://schemas.microsoft.com/office/drawing/2014/main" id="{6017D859-B78A-4494-827B-6963CD37F943}"/>
               </a:ext>
             </a:extLst>
           </p:cNvPr>
@@ -11977,7 +11969,7 @@
           <p:cNvPr id="33" name="Straight Arrow Connector 32">
             <a:extLst>
               <a:ext uri="{FF2B5EF4-FFF2-40B4-BE49-F238E27FC236}">
-                <a16:creationId xmlns="" xmlns:a16="http://schemas.microsoft.com/office/drawing/2014/main" id="{7968F93C-AD7B-48D0-A6DF-82701C1C9206}"/>
+                <a16:creationId xmlns:a16="http://schemas.microsoft.com/office/drawing/2014/main" id="{7968F93C-AD7B-48D0-A6DF-82701C1C9206}"/>
               </a:ext>
             </a:extLst>
           </p:cNvPr>
@@ -12019,7 +12011,7 @@
           <p:cNvPr id="35" name="Straight Arrow Connector 34">
             <a:extLst>
               <a:ext uri="{FF2B5EF4-FFF2-40B4-BE49-F238E27FC236}">
-                <a16:creationId xmlns="" xmlns:a16="http://schemas.microsoft.com/office/drawing/2014/main" id="{7E91D584-92DE-4D66-B25D-4990C7501309}"/>
+                <a16:creationId xmlns:a16="http://schemas.microsoft.com/office/drawing/2014/main" id="{7E91D584-92DE-4D66-B25D-4990C7501309}"/>
               </a:ext>
             </a:extLst>
           </p:cNvPr>
@@ -12061,7 +12053,7 @@
           <p:cNvPr id="37" name="Straight Arrow Connector 36">
             <a:extLst>
               <a:ext uri="{FF2B5EF4-FFF2-40B4-BE49-F238E27FC236}">
-                <a16:creationId xmlns="" xmlns:a16="http://schemas.microsoft.com/office/drawing/2014/main" id="{E40F83EF-DC2A-4E10-A88A-A771F1D51CA1}"/>
+                <a16:creationId xmlns:a16="http://schemas.microsoft.com/office/drawing/2014/main" id="{E40F83EF-DC2A-4E10-A88A-A771F1D51CA1}"/>
               </a:ext>
             </a:extLst>
           </p:cNvPr>
@@ -12100,20 +12092,20 @@
     </p:spTree>
     <p:extLst>
       <p:ext uri="{BB962C8B-B14F-4D97-AF65-F5344CB8AC3E}">
-        <p14:creationId xmlns="" xmlns:p14="http://schemas.microsoft.com/office/powerpoint/2010/main" val="959313378"/>
+        <p14:creationId xmlns:p14="http://schemas.microsoft.com/office/powerpoint/2010/main" val="959313378"/>
       </p:ext>
     </p:extLst>
   </p:cSld>
   <p:clrMapOvr>
     <a:masterClrMapping/>
   </p:clrMapOvr>
-  <mc:AlternateContent xmlns:mc="http://schemas.openxmlformats.org/markup-compatibility/2006">
-    <mc:Choice xmlns="" xmlns:p14="http://schemas.microsoft.com/office/powerpoint/2010/main" Requires="p14">
+  <mc:AlternateContent xmlns:mc="http://schemas.openxmlformats.org/markup-compatibility/2006" xmlns:p14="http://schemas.microsoft.com/office/powerpoint/2010/main">
+    <mc:Choice Requires="p14">
       <p:transition spd="slow" p14:dur="1500">
         <p:random/>
       </p:transition>
     </mc:Choice>
-    <mc:Fallback>
+    <mc:Fallback xmlns="">
       <p:transition spd="slow">
         <p:random/>
       </p:transition>
@@ -12553,14 +12545,14 @@
           <a:p>
             <a:pPr marL="0" lvl="1"/>
             <a:r>
-              <a:rPr lang="zh-CN" altLang="en-US" sz="2800" spc="300" dirty="0">
+              <a:rPr lang="en-US" altLang="zh-CN" sz="2800" spc="300" dirty="0" err="1">
                 <a:solidFill>
                   <a:srgbClr val="0D4960"/>
                 </a:solidFill>
                 <a:latin typeface="方正尚酷简体" panose="03000509000000000000" pitchFamily="65" charset="-122"/>
                 <a:ea typeface="方正尚酷简体" panose="03000509000000000000" pitchFamily="65" charset="-122"/>
               </a:rPr>
-              <a:t>安装</a:t>
+              <a:t>Dockerfile</a:t>
             </a:r>
             <a:endParaRPr lang="en-US" altLang="zh-CN" sz="2800" spc="300" dirty="0">
               <a:solidFill>
@@ -12612,20 +12604,20 @@
     </p:spTree>
     <p:extLst>
       <p:ext uri="{BB962C8B-B14F-4D97-AF65-F5344CB8AC3E}">
-        <p14:creationId xmlns="" xmlns:p14="http://schemas.microsoft.com/office/powerpoint/2010/main" val="3399076800"/>
+        <p14:creationId xmlns:p14="http://schemas.microsoft.com/office/powerpoint/2010/main" val="3399076800"/>
       </p:ext>
     </p:extLst>
   </p:cSld>
   <p:clrMapOvr>
     <a:masterClrMapping/>
   </p:clrMapOvr>
-  <mc:AlternateContent xmlns:mc="http://schemas.openxmlformats.org/markup-compatibility/2006">
-    <mc:Choice xmlns="" xmlns:p14="http://schemas.microsoft.com/office/powerpoint/2010/main" Requires="p14">
+  <mc:AlternateContent xmlns:mc="http://schemas.openxmlformats.org/markup-compatibility/2006" xmlns:p14="http://schemas.microsoft.com/office/powerpoint/2010/main">
+    <mc:Choice Requires="p14">
       <p:transition spd="slow" p14:dur="1500">
         <p:random/>
       </p:transition>
     </mc:Choice>
-    <mc:Fallback>
+    <mc:Fallback xmlns="">
       <p:transition spd="slow">
         <p:random/>
       </p:transition>
@@ -13124,20 +13116,20 @@
     </p:spTree>
     <p:extLst>
       <p:ext uri="{BB962C8B-B14F-4D97-AF65-F5344CB8AC3E}">
-        <p14:creationId xmlns="" xmlns:p14="http://schemas.microsoft.com/office/powerpoint/2010/main" val="2123268970"/>
+        <p14:creationId xmlns:p14="http://schemas.microsoft.com/office/powerpoint/2010/main" val="2123268970"/>
       </p:ext>
     </p:extLst>
   </p:cSld>
   <p:clrMapOvr>
     <a:masterClrMapping/>
   </p:clrMapOvr>
-  <mc:AlternateContent xmlns:mc="http://schemas.openxmlformats.org/markup-compatibility/2006">
-    <mc:Choice xmlns="" xmlns:p14="http://schemas.microsoft.com/office/powerpoint/2010/main" Requires="p14">
+  <mc:AlternateContent xmlns:mc="http://schemas.openxmlformats.org/markup-compatibility/2006" xmlns:p14="http://schemas.microsoft.com/office/powerpoint/2010/main">
+    <mc:Choice Requires="p14">
       <p:transition spd="slow" p14:dur="1500">
         <p:random/>
       </p:transition>
     </mc:Choice>
-    <mc:Fallback>
+    <mc:Fallback xmlns="">
       <p:transition spd="slow">
         <p:random/>
       </p:transition>
@@ -13636,20 +13628,20 @@
     </p:spTree>
     <p:extLst>
       <p:ext uri="{BB962C8B-B14F-4D97-AF65-F5344CB8AC3E}">
-        <p14:creationId xmlns="" xmlns:p14="http://schemas.microsoft.com/office/powerpoint/2010/main" val="2250819296"/>
+        <p14:creationId xmlns:p14="http://schemas.microsoft.com/office/powerpoint/2010/main" val="2250819296"/>
       </p:ext>
     </p:extLst>
   </p:cSld>
   <p:clrMapOvr>
     <a:masterClrMapping/>
   </p:clrMapOvr>
-  <mc:AlternateContent xmlns:mc="http://schemas.openxmlformats.org/markup-compatibility/2006">
-    <mc:Choice xmlns="" xmlns:p14="http://schemas.microsoft.com/office/powerpoint/2010/main" Requires="p14">
+  <mc:AlternateContent xmlns:mc="http://schemas.openxmlformats.org/markup-compatibility/2006" xmlns:p14="http://schemas.microsoft.com/office/powerpoint/2010/main">
+    <mc:Choice Requires="p14">
       <p:transition spd="slow" p14:dur="1500">
         <p:random/>
       </p:transition>
     </mc:Choice>
-    <mc:Fallback>
+    <mc:Fallback xmlns="">
       <p:transition spd="slow">
         <p:random/>
       </p:transition>
@@ -14148,20 +14140,20 @@
     </p:spTree>
     <p:extLst>
       <p:ext uri="{BB962C8B-B14F-4D97-AF65-F5344CB8AC3E}">
-        <p14:creationId xmlns="" xmlns:p14="http://schemas.microsoft.com/office/powerpoint/2010/main" val="1882032925"/>
+        <p14:creationId xmlns:p14="http://schemas.microsoft.com/office/powerpoint/2010/main" val="1882032925"/>
       </p:ext>
     </p:extLst>
   </p:cSld>
   <p:clrMapOvr>
     <a:masterClrMapping/>
   </p:clrMapOvr>
-  <mc:AlternateContent xmlns:mc="http://schemas.openxmlformats.org/markup-compatibility/2006">
-    <mc:Choice xmlns="" xmlns:p14="http://schemas.microsoft.com/office/powerpoint/2010/main" Requires="p14">
+  <mc:AlternateContent xmlns:mc="http://schemas.openxmlformats.org/markup-compatibility/2006" xmlns:p14="http://schemas.microsoft.com/office/powerpoint/2010/main">
+    <mc:Choice Requires="p14">
       <p:transition spd="slow" p14:dur="1500">
         <p:random/>
       </p:transition>
     </mc:Choice>
-    <mc:Fallback>
+    <mc:Fallback xmlns="">
       <p:transition spd="slow">
         <p:random/>
       </p:transition>
@@ -14660,20 +14652,20 @@
     </p:spTree>
     <p:extLst>
       <p:ext uri="{BB962C8B-B14F-4D97-AF65-F5344CB8AC3E}">
-        <p14:creationId xmlns="" xmlns:p14="http://schemas.microsoft.com/office/powerpoint/2010/main" val="2029473334"/>
+        <p14:creationId xmlns:p14="http://schemas.microsoft.com/office/powerpoint/2010/main" val="2029473334"/>
       </p:ext>
     </p:extLst>
   </p:cSld>
   <p:clrMapOvr>
     <a:masterClrMapping/>
   </p:clrMapOvr>
-  <mc:AlternateContent xmlns:mc="http://schemas.openxmlformats.org/markup-compatibility/2006">
-    <mc:Choice xmlns="" xmlns:p14="http://schemas.microsoft.com/office/powerpoint/2010/main" Requires="p14">
+  <mc:AlternateContent xmlns:mc="http://schemas.openxmlformats.org/markup-compatibility/2006" xmlns:p14="http://schemas.microsoft.com/office/powerpoint/2010/main">
+    <mc:Choice Requires="p14">
       <p:transition spd="slow" p14:dur="1500">
         <p:random/>
       </p:transition>
     </mc:Choice>
-    <mc:Fallback>
+    <mc:Fallback xmlns="">
       <p:transition spd="slow">
         <p:random/>
       </p:transition>
@@ -15172,20 +15164,20 @@
     </p:spTree>
     <p:extLst>
       <p:ext uri="{BB962C8B-B14F-4D97-AF65-F5344CB8AC3E}">
-        <p14:creationId xmlns="" xmlns:p14="http://schemas.microsoft.com/office/powerpoint/2010/main" val="1722153153"/>
+        <p14:creationId xmlns:p14="http://schemas.microsoft.com/office/powerpoint/2010/main" val="1722153153"/>
       </p:ext>
     </p:extLst>
   </p:cSld>
   <p:clrMapOvr>
     <a:masterClrMapping/>
   </p:clrMapOvr>
-  <mc:AlternateContent xmlns:mc="http://schemas.openxmlformats.org/markup-compatibility/2006">
-    <mc:Choice xmlns="" xmlns:p14="http://schemas.microsoft.com/office/powerpoint/2010/main" Requires="p14">
+  <mc:AlternateContent xmlns:mc="http://schemas.openxmlformats.org/markup-compatibility/2006" xmlns:p14="http://schemas.microsoft.com/office/powerpoint/2010/main">
+    <mc:Choice Requires="p14">
       <p:transition spd="slow" p14:dur="1500">
         <p:random/>
       </p:transition>
     </mc:Choice>
-    <mc:Fallback>
+    <mc:Fallback xmlns="">
       <p:transition spd="slow">
         <p:random/>
       </p:transition>
@@ -15710,7 +15702,7 @@
   <a:extraClrSchemeLst/>
   <a:extLst>
     <a:ext uri="{05A4C25C-085E-4340-85A3-A5531E510DB2}">
-      <thm15:themeFamily xmlns="" xmlns:thm15="http://schemas.microsoft.com/office/thememl/2012/main" name="Office Theme" id="{62F939B6-93AF-4DB8-9C6B-D6C7DFDC589F}" vid="{4A3C46E8-61CC-4603-A589-7422A47A8E4A}"/>
+      <thm15:themeFamily xmlns:thm15="http://schemas.microsoft.com/office/thememl/2012/main" name="Office Theme" id="{62F939B6-93AF-4DB8-9C6B-D6C7DFDC589F}" vid="{4A3C46E8-61CC-4603-A589-7422A47A8E4A}"/>
     </a:ext>
   </a:extLst>
 </a:theme>
@@ -15971,7 +15963,7 @@
   <a:extraClrSchemeLst/>
   <a:extLst>
     <a:ext uri="{05A4C25C-085E-4340-85A3-A5531E510DB2}">
-      <thm15:themeFamily xmlns="" xmlns:thm15="http://schemas.microsoft.com/office/thememl/2012/main" name="Office Theme" id="{62F939B6-93AF-4DB8-9C6B-D6C7DFDC589F}" vid="{4A3C46E8-61CC-4603-A589-7422A47A8E4A}"/>
+      <thm15:themeFamily xmlns:thm15="http://schemas.microsoft.com/office/thememl/2012/main" name="Office Theme" id="{62F939B6-93AF-4DB8-9C6B-D6C7DFDC589F}" vid="{4A3C46E8-61CC-4603-A589-7422A47A8E4A}"/>
     </a:ext>
   </a:extLst>
 </a:theme>

--- a/docker.pptx
+++ b/docker.pptx
@@ -120,7 +120,7 @@
   </p:defaultTextStyle>
   <p:extLst>
     <p:ext uri="{EFAFB233-063F-42B5-8137-9DF3F51BA10A}">
-      <p15:sldGuideLst xmlns:p15="http://schemas.microsoft.com/office/powerpoint/2012/main">
+      <p15:sldGuideLst xmlns="" xmlns:p15="http://schemas.microsoft.com/office/powerpoint/2012/main">
         <p15:guide id="1" orient="horz" pos="2160" userDrawn="1">
           <p15:clr>
             <a:srgbClr val="A4A3A4"/>
@@ -220,7 +220,7 @@
             <a:fld id="{05B1D5F9-199E-4B77-ACFB-0D659EE03F6C}" type="datetimeFigureOut">
               <a:rPr lang="zh-CN" altLang="en-US" smtClean="0"/>
               <a:pPr/>
-              <a:t>2018/6/5</a:t>
+              <a:t>2018/6/10</a:t>
             </a:fld>
             <a:endParaRPr lang="zh-CN" altLang="en-US"/>
           </a:p>
@@ -388,7 +388,7 @@
     </p:spTree>
     <p:extLst>
       <p:ext uri="{BB962C8B-B14F-4D97-AF65-F5344CB8AC3E}">
-        <p14:creationId xmlns:p14="http://schemas.microsoft.com/office/powerpoint/2010/main" val="4136795833"/>
+        <p14:creationId xmlns="" xmlns:p14="http://schemas.microsoft.com/office/powerpoint/2010/main" val="4136795833"/>
       </p:ext>
     </p:extLst>
   </p:cSld>
@@ -563,7 +563,7 @@
     </p:spTree>
     <p:extLst>
       <p:ext uri="{BB962C8B-B14F-4D97-AF65-F5344CB8AC3E}">
-        <p14:creationId xmlns:p14="http://schemas.microsoft.com/office/powerpoint/2010/main" val="2594768037"/>
+        <p14:creationId xmlns="" xmlns:p14="http://schemas.microsoft.com/office/powerpoint/2010/main" val="2594768037"/>
       </p:ext>
     </p:extLst>
   </p:cSld>
@@ -648,7 +648,7 @@
     </p:spTree>
     <p:extLst>
       <p:ext uri="{BB962C8B-B14F-4D97-AF65-F5344CB8AC3E}">
-        <p14:creationId xmlns:p14="http://schemas.microsoft.com/office/powerpoint/2010/main" val="2506518844"/>
+        <p14:creationId xmlns="" xmlns:p14="http://schemas.microsoft.com/office/powerpoint/2010/main" val="2506518844"/>
       </p:ext>
     </p:extLst>
   </p:cSld>
@@ -733,7 +733,7 @@
     </p:spTree>
     <p:extLst>
       <p:ext uri="{BB962C8B-B14F-4D97-AF65-F5344CB8AC3E}">
-        <p14:creationId xmlns:p14="http://schemas.microsoft.com/office/powerpoint/2010/main" val="3310963080"/>
+        <p14:creationId xmlns="" xmlns:p14="http://schemas.microsoft.com/office/powerpoint/2010/main" val="3310963080"/>
       </p:ext>
     </p:extLst>
   </p:cSld>
@@ -818,7 +818,7 @@
     </p:spTree>
     <p:extLst>
       <p:ext uri="{BB962C8B-B14F-4D97-AF65-F5344CB8AC3E}">
-        <p14:creationId xmlns:p14="http://schemas.microsoft.com/office/powerpoint/2010/main" val="4235483088"/>
+        <p14:creationId xmlns="" xmlns:p14="http://schemas.microsoft.com/office/powerpoint/2010/main" val="4235483088"/>
       </p:ext>
     </p:extLst>
   </p:cSld>
@@ -903,7 +903,7 @@
     </p:spTree>
     <p:extLst>
       <p:ext uri="{BB962C8B-B14F-4D97-AF65-F5344CB8AC3E}">
-        <p14:creationId xmlns:p14="http://schemas.microsoft.com/office/powerpoint/2010/main" val="1199798051"/>
+        <p14:creationId xmlns="" xmlns:p14="http://schemas.microsoft.com/office/powerpoint/2010/main" val="1199798051"/>
       </p:ext>
     </p:extLst>
   </p:cSld>
@@ -988,7 +988,7 @@
     </p:spTree>
     <p:extLst>
       <p:ext uri="{BB962C8B-B14F-4D97-AF65-F5344CB8AC3E}">
-        <p14:creationId xmlns:p14="http://schemas.microsoft.com/office/powerpoint/2010/main" val="2416713267"/>
+        <p14:creationId xmlns="" xmlns:p14="http://schemas.microsoft.com/office/powerpoint/2010/main" val="2416713267"/>
       </p:ext>
     </p:extLst>
   </p:cSld>
@@ -1073,7 +1073,7 @@
     </p:spTree>
     <p:extLst>
       <p:ext uri="{BB962C8B-B14F-4D97-AF65-F5344CB8AC3E}">
-        <p14:creationId xmlns:p14="http://schemas.microsoft.com/office/powerpoint/2010/main" val="1561144535"/>
+        <p14:creationId xmlns="" xmlns:p14="http://schemas.microsoft.com/office/powerpoint/2010/main" val="1561144535"/>
       </p:ext>
     </p:extLst>
   </p:cSld>
@@ -1158,7 +1158,7 @@
     </p:spTree>
     <p:extLst>
       <p:ext uri="{BB962C8B-B14F-4D97-AF65-F5344CB8AC3E}">
-        <p14:creationId xmlns:p14="http://schemas.microsoft.com/office/powerpoint/2010/main" val="3177794071"/>
+        <p14:creationId xmlns="" xmlns:p14="http://schemas.microsoft.com/office/powerpoint/2010/main" val="3177794071"/>
       </p:ext>
     </p:extLst>
   </p:cSld>
@@ -1243,7 +1243,7 @@
     </p:spTree>
     <p:extLst>
       <p:ext uri="{BB962C8B-B14F-4D97-AF65-F5344CB8AC3E}">
-        <p14:creationId xmlns:p14="http://schemas.microsoft.com/office/powerpoint/2010/main" val="169439926"/>
+        <p14:creationId xmlns="" xmlns:p14="http://schemas.microsoft.com/office/powerpoint/2010/main" val="169439926"/>
       </p:ext>
     </p:extLst>
   </p:cSld>
@@ -1383,7 +1383,7 @@
             <a:fld id="{91AD7F68-8E1B-45E2-8A27-5D5DEAAB1BF2}" type="datetimeFigureOut">
               <a:rPr lang="zh-CN" altLang="en-US" smtClean="0"/>
               <a:pPr/>
-              <a:t>2018/6/5</a:t>
+              <a:t>2018/6/10</a:t>
             </a:fld>
             <a:endParaRPr lang="zh-CN" altLang="en-US"/>
           </a:p>
@@ -1435,20 +1435,20 @@
     </p:spTree>
     <p:extLst>
       <p:ext uri="{BB962C8B-B14F-4D97-AF65-F5344CB8AC3E}">
-        <p14:creationId xmlns:p14="http://schemas.microsoft.com/office/powerpoint/2010/main" val="3379505774"/>
+        <p14:creationId xmlns="" xmlns:p14="http://schemas.microsoft.com/office/powerpoint/2010/main" val="3379505774"/>
       </p:ext>
     </p:extLst>
   </p:cSld>
   <p:clrMapOvr>
     <a:masterClrMapping/>
   </p:clrMapOvr>
-  <mc:AlternateContent xmlns:mc="http://schemas.openxmlformats.org/markup-compatibility/2006" xmlns:p14="http://schemas.microsoft.com/office/powerpoint/2010/main">
-    <mc:Choice Requires="p14">
+  <mc:AlternateContent xmlns:mc="http://schemas.openxmlformats.org/markup-compatibility/2006">
+    <mc:Choice xmlns="" xmlns:p14="http://schemas.microsoft.com/office/powerpoint/2010/main" Requires="p14">
       <p:transition spd="slow" p14:dur="1500" advClick="0" advTm="0">
         <p:random/>
       </p:transition>
     </mc:Choice>
-    <mc:Fallback xmlns="">
+    <mc:Fallback>
       <p:transition spd="slow" advClick="0" advTm="0">
         <p:random/>
       </p:transition>
@@ -1565,7 +1565,7 @@
             <a:fld id="{91AD7F68-8E1B-45E2-8A27-5D5DEAAB1BF2}" type="datetimeFigureOut">
               <a:rPr lang="zh-CN" altLang="en-US" smtClean="0"/>
               <a:pPr/>
-              <a:t>2018/6/5</a:t>
+              <a:t>2018/6/10</a:t>
             </a:fld>
             <a:endParaRPr lang="zh-CN" altLang="en-US"/>
           </a:p>
@@ -1617,20 +1617,20 @@
     </p:spTree>
     <p:extLst>
       <p:ext uri="{BB962C8B-B14F-4D97-AF65-F5344CB8AC3E}">
-        <p14:creationId xmlns:p14="http://schemas.microsoft.com/office/powerpoint/2010/main" val="4292131042"/>
+        <p14:creationId xmlns="" xmlns:p14="http://schemas.microsoft.com/office/powerpoint/2010/main" val="4292131042"/>
       </p:ext>
     </p:extLst>
   </p:cSld>
   <p:clrMapOvr>
     <a:masterClrMapping/>
   </p:clrMapOvr>
-  <mc:AlternateContent xmlns:mc="http://schemas.openxmlformats.org/markup-compatibility/2006" xmlns:p14="http://schemas.microsoft.com/office/powerpoint/2010/main">
-    <mc:Choice Requires="p14">
+  <mc:AlternateContent xmlns:mc="http://schemas.openxmlformats.org/markup-compatibility/2006">
+    <mc:Choice xmlns="" xmlns:p14="http://schemas.microsoft.com/office/powerpoint/2010/main" Requires="p14">
       <p:transition spd="slow" p14:dur="1500" advClick="0" advTm="0">
         <p:random/>
       </p:transition>
     </mc:Choice>
-    <mc:Fallback xmlns="">
+    <mc:Fallback>
       <p:transition spd="slow" advClick="0" advTm="0">
         <p:random/>
       </p:transition>
@@ -1757,7 +1757,7 @@
             <a:fld id="{91AD7F68-8E1B-45E2-8A27-5D5DEAAB1BF2}" type="datetimeFigureOut">
               <a:rPr lang="zh-CN" altLang="en-US" smtClean="0"/>
               <a:pPr/>
-              <a:t>2018/6/5</a:t>
+              <a:t>2018/6/10</a:t>
             </a:fld>
             <a:endParaRPr lang="zh-CN" altLang="en-US"/>
           </a:p>
@@ -1809,20 +1809,20 @@
     </p:spTree>
     <p:extLst>
       <p:ext uri="{BB962C8B-B14F-4D97-AF65-F5344CB8AC3E}">
-        <p14:creationId xmlns:p14="http://schemas.microsoft.com/office/powerpoint/2010/main" val="1952128637"/>
+        <p14:creationId xmlns="" xmlns:p14="http://schemas.microsoft.com/office/powerpoint/2010/main" val="1952128637"/>
       </p:ext>
     </p:extLst>
   </p:cSld>
   <p:clrMapOvr>
     <a:masterClrMapping/>
   </p:clrMapOvr>
-  <mc:AlternateContent xmlns:mc="http://schemas.openxmlformats.org/markup-compatibility/2006" xmlns:p14="http://schemas.microsoft.com/office/powerpoint/2010/main">
-    <mc:Choice Requires="p14">
+  <mc:AlternateContent xmlns:mc="http://schemas.openxmlformats.org/markup-compatibility/2006">
+    <mc:Choice xmlns="" xmlns:p14="http://schemas.microsoft.com/office/powerpoint/2010/main" Requires="p14">
       <p:transition spd="slow" p14:dur="1500" advClick="0" advTm="0">
         <p:random/>
       </p:transition>
     </mc:Choice>
-    <mc:Fallback xmlns="">
+    <mc:Fallback>
       <p:transition spd="slow" advClick="0" advTm="0">
         <p:random/>
       </p:transition>
@@ -1939,7 +1939,7 @@
             <a:fld id="{91AD7F68-8E1B-45E2-8A27-5D5DEAAB1BF2}" type="datetimeFigureOut">
               <a:rPr lang="zh-CN" altLang="en-US" smtClean="0"/>
               <a:pPr/>
-              <a:t>2018/6/5</a:t>
+              <a:t>2018/6/10</a:t>
             </a:fld>
             <a:endParaRPr lang="zh-CN" altLang="en-US"/>
           </a:p>
@@ -1991,20 +1991,20 @@
     </p:spTree>
     <p:extLst>
       <p:ext uri="{BB962C8B-B14F-4D97-AF65-F5344CB8AC3E}">
-        <p14:creationId xmlns:p14="http://schemas.microsoft.com/office/powerpoint/2010/main" val="4173798514"/>
+        <p14:creationId xmlns="" xmlns:p14="http://schemas.microsoft.com/office/powerpoint/2010/main" val="4173798514"/>
       </p:ext>
     </p:extLst>
   </p:cSld>
   <p:clrMapOvr>
     <a:masterClrMapping/>
   </p:clrMapOvr>
-  <mc:AlternateContent xmlns:mc="http://schemas.openxmlformats.org/markup-compatibility/2006" xmlns:p14="http://schemas.microsoft.com/office/powerpoint/2010/main">
-    <mc:Choice Requires="p14">
+  <mc:AlternateContent xmlns:mc="http://schemas.openxmlformats.org/markup-compatibility/2006">
+    <mc:Choice xmlns="" xmlns:p14="http://schemas.microsoft.com/office/powerpoint/2010/main" Requires="p14">
       <p:transition spd="slow" p14:dur="1500" advClick="0" advTm="0">
         <p:random/>
       </p:transition>
     </mc:Choice>
-    <mc:Fallback xmlns="">
+    <mc:Fallback>
       <p:transition spd="slow" advClick="0" advTm="0">
         <p:random/>
       </p:transition>
@@ -2198,7 +2198,7 @@
             <a:fld id="{91AD7F68-8E1B-45E2-8A27-5D5DEAAB1BF2}" type="datetimeFigureOut">
               <a:rPr lang="zh-CN" altLang="en-US" smtClean="0"/>
               <a:pPr/>
-              <a:t>2018/6/5</a:t>
+              <a:t>2018/6/10</a:t>
             </a:fld>
             <a:endParaRPr lang="zh-CN" altLang="en-US"/>
           </a:p>
@@ -2250,20 +2250,20 @@
     </p:spTree>
     <p:extLst>
       <p:ext uri="{BB962C8B-B14F-4D97-AF65-F5344CB8AC3E}">
-        <p14:creationId xmlns:p14="http://schemas.microsoft.com/office/powerpoint/2010/main" val="2343028950"/>
+        <p14:creationId xmlns="" xmlns:p14="http://schemas.microsoft.com/office/powerpoint/2010/main" val="2343028950"/>
       </p:ext>
     </p:extLst>
   </p:cSld>
   <p:clrMapOvr>
     <a:masterClrMapping/>
   </p:clrMapOvr>
-  <mc:AlternateContent xmlns:mc="http://schemas.openxmlformats.org/markup-compatibility/2006" xmlns:p14="http://schemas.microsoft.com/office/powerpoint/2010/main">
-    <mc:Choice Requires="p14">
+  <mc:AlternateContent xmlns:mc="http://schemas.openxmlformats.org/markup-compatibility/2006">
+    <mc:Choice xmlns="" xmlns:p14="http://schemas.microsoft.com/office/powerpoint/2010/main" Requires="p14">
       <p:transition spd="slow" p14:dur="1500" advClick="0" advTm="0">
         <p:random/>
       </p:transition>
     </mc:Choice>
-    <mc:Fallback xmlns="">
+    <mc:Fallback>
       <p:transition spd="slow" advClick="0" advTm="0">
         <p:random/>
       </p:transition>
@@ -2441,7 +2441,7 @@
             <a:fld id="{91AD7F68-8E1B-45E2-8A27-5D5DEAAB1BF2}" type="datetimeFigureOut">
               <a:rPr lang="zh-CN" altLang="en-US" smtClean="0"/>
               <a:pPr/>
-              <a:t>2018/6/5</a:t>
+              <a:t>2018/6/10</a:t>
             </a:fld>
             <a:endParaRPr lang="zh-CN" altLang="en-US"/>
           </a:p>
@@ -2493,20 +2493,20 @@
     </p:spTree>
     <p:extLst>
       <p:ext uri="{BB962C8B-B14F-4D97-AF65-F5344CB8AC3E}">
-        <p14:creationId xmlns:p14="http://schemas.microsoft.com/office/powerpoint/2010/main" val="1951757828"/>
+        <p14:creationId xmlns="" xmlns:p14="http://schemas.microsoft.com/office/powerpoint/2010/main" val="1951757828"/>
       </p:ext>
     </p:extLst>
   </p:cSld>
   <p:clrMapOvr>
     <a:masterClrMapping/>
   </p:clrMapOvr>
-  <mc:AlternateContent xmlns:mc="http://schemas.openxmlformats.org/markup-compatibility/2006" xmlns:p14="http://schemas.microsoft.com/office/powerpoint/2010/main">
-    <mc:Choice Requires="p14">
+  <mc:AlternateContent xmlns:mc="http://schemas.openxmlformats.org/markup-compatibility/2006">
+    <mc:Choice xmlns="" xmlns:p14="http://schemas.microsoft.com/office/powerpoint/2010/main" Requires="p14">
       <p:transition spd="slow" p14:dur="1500" advClick="0" advTm="0">
         <p:random/>
       </p:transition>
     </mc:Choice>
-    <mc:Fallback xmlns="">
+    <mc:Fallback>
       <p:transition spd="slow" advClick="0" advTm="0">
         <p:random/>
       </p:transition>
@@ -2819,7 +2819,7 @@
             <a:fld id="{91AD7F68-8E1B-45E2-8A27-5D5DEAAB1BF2}" type="datetimeFigureOut">
               <a:rPr lang="zh-CN" altLang="en-US" smtClean="0"/>
               <a:pPr/>
-              <a:t>2018/6/5</a:t>
+              <a:t>2018/6/10</a:t>
             </a:fld>
             <a:endParaRPr lang="zh-CN" altLang="en-US"/>
           </a:p>
@@ -2871,20 +2871,20 @@
     </p:spTree>
     <p:extLst>
       <p:ext uri="{BB962C8B-B14F-4D97-AF65-F5344CB8AC3E}">
-        <p14:creationId xmlns:p14="http://schemas.microsoft.com/office/powerpoint/2010/main" val="3785743930"/>
+        <p14:creationId xmlns="" xmlns:p14="http://schemas.microsoft.com/office/powerpoint/2010/main" val="3785743930"/>
       </p:ext>
     </p:extLst>
   </p:cSld>
   <p:clrMapOvr>
     <a:masterClrMapping/>
   </p:clrMapOvr>
-  <mc:AlternateContent xmlns:mc="http://schemas.openxmlformats.org/markup-compatibility/2006" xmlns:p14="http://schemas.microsoft.com/office/powerpoint/2010/main">
-    <mc:Choice Requires="p14">
+  <mc:AlternateContent xmlns:mc="http://schemas.openxmlformats.org/markup-compatibility/2006">
+    <mc:Choice xmlns="" xmlns:p14="http://schemas.microsoft.com/office/powerpoint/2010/main" Requires="p14">
       <p:transition spd="slow" p14:dur="1500" advClick="0" advTm="0">
         <p:random/>
       </p:transition>
     </mc:Choice>
-    <mc:Fallback xmlns="">
+    <mc:Fallback>
       <p:transition spd="slow" advClick="0" advTm="0">
         <p:random/>
       </p:transition>
@@ -2950,7 +2950,7 @@
             <a:fld id="{91AD7F68-8E1B-45E2-8A27-5D5DEAAB1BF2}" type="datetimeFigureOut">
               <a:rPr lang="zh-CN" altLang="en-US" smtClean="0"/>
               <a:pPr/>
-              <a:t>2018/6/5</a:t>
+              <a:t>2018/6/10</a:t>
             </a:fld>
             <a:endParaRPr lang="zh-CN" altLang="en-US"/>
           </a:p>
@@ -3002,20 +3002,20 @@
     </p:spTree>
     <p:extLst>
       <p:ext uri="{BB962C8B-B14F-4D97-AF65-F5344CB8AC3E}">
-        <p14:creationId xmlns:p14="http://schemas.microsoft.com/office/powerpoint/2010/main" val="1272998583"/>
+        <p14:creationId xmlns="" xmlns:p14="http://schemas.microsoft.com/office/powerpoint/2010/main" val="1272998583"/>
       </p:ext>
     </p:extLst>
   </p:cSld>
   <p:clrMapOvr>
     <a:masterClrMapping/>
   </p:clrMapOvr>
-  <mc:AlternateContent xmlns:mc="http://schemas.openxmlformats.org/markup-compatibility/2006" xmlns:p14="http://schemas.microsoft.com/office/powerpoint/2010/main">
-    <mc:Choice Requires="p14">
+  <mc:AlternateContent xmlns:mc="http://schemas.openxmlformats.org/markup-compatibility/2006">
+    <mc:Choice xmlns="" xmlns:p14="http://schemas.microsoft.com/office/powerpoint/2010/main" Requires="p14">
       <p:transition spd="slow" p14:dur="1500" advClick="0" advTm="0">
         <p:random/>
       </p:transition>
     </mc:Choice>
-    <mc:Fallback xmlns="">
+    <mc:Fallback>
       <p:transition spd="slow" advClick="0" advTm="0">
         <p:random/>
       </p:transition>
@@ -3059,7 +3059,7 @@
             <a:fld id="{91AD7F68-8E1B-45E2-8A27-5D5DEAAB1BF2}" type="datetimeFigureOut">
               <a:rPr lang="zh-CN" altLang="en-US" smtClean="0"/>
               <a:pPr/>
-              <a:t>2018/6/5</a:t>
+              <a:t>2018/6/10</a:t>
             </a:fld>
             <a:endParaRPr lang="zh-CN" altLang="en-US"/>
           </a:p>
@@ -3111,20 +3111,20 @@
     </p:spTree>
     <p:extLst>
       <p:ext uri="{BB962C8B-B14F-4D97-AF65-F5344CB8AC3E}">
-        <p14:creationId xmlns:p14="http://schemas.microsoft.com/office/powerpoint/2010/main" val="2103091704"/>
+        <p14:creationId xmlns="" xmlns:p14="http://schemas.microsoft.com/office/powerpoint/2010/main" val="2103091704"/>
       </p:ext>
     </p:extLst>
   </p:cSld>
   <p:clrMapOvr>
     <a:masterClrMapping/>
   </p:clrMapOvr>
-  <mc:AlternateContent xmlns:mc="http://schemas.openxmlformats.org/markup-compatibility/2006" xmlns:p14="http://schemas.microsoft.com/office/powerpoint/2010/main">
-    <mc:Choice Requires="p14">
+  <mc:AlternateContent xmlns:mc="http://schemas.openxmlformats.org/markup-compatibility/2006">
+    <mc:Choice xmlns="" xmlns:p14="http://schemas.microsoft.com/office/powerpoint/2010/main" Requires="p14">
       <p:transition spd="slow" p14:dur="1500" advClick="0" advTm="0">
         <p:random/>
       </p:transition>
     </mc:Choice>
-    <mc:Fallback xmlns="">
+    <mc:Fallback>
       <p:transition spd="slow" advClick="0" advTm="0">
         <p:random/>
       </p:transition>
@@ -3348,7 +3348,7 @@
             <a:fld id="{91AD7F68-8E1B-45E2-8A27-5D5DEAAB1BF2}" type="datetimeFigureOut">
               <a:rPr lang="zh-CN" altLang="en-US" smtClean="0"/>
               <a:pPr/>
-              <a:t>2018/6/5</a:t>
+              <a:t>2018/6/10</a:t>
             </a:fld>
             <a:endParaRPr lang="zh-CN" altLang="en-US"/>
           </a:p>
@@ -3400,20 +3400,20 @@
     </p:spTree>
     <p:extLst>
       <p:ext uri="{BB962C8B-B14F-4D97-AF65-F5344CB8AC3E}">
-        <p14:creationId xmlns:p14="http://schemas.microsoft.com/office/powerpoint/2010/main" val="2275436477"/>
+        <p14:creationId xmlns="" xmlns:p14="http://schemas.microsoft.com/office/powerpoint/2010/main" val="2275436477"/>
       </p:ext>
     </p:extLst>
   </p:cSld>
   <p:clrMapOvr>
     <a:masterClrMapping/>
   </p:clrMapOvr>
-  <mc:AlternateContent xmlns:mc="http://schemas.openxmlformats.org/markup-compatibility/2006" xmlns:p14="http://schemas.microsoft.com/office/powerpoint/2010/main">
-    <mc:Choice Requires="p14">
+  <mc:AlternateContent xmlns:mc="http://schemas.openxmlformats.org/markup-compatibility/2006">
+    <mc:Choice xmlns="" xmlns:p14="http://schemas.microsoft.com/office/powerpoint/2010/main" Requires="p14">
       <p:transition spd="slow" p14:dur="1500" advClick="0" advTm="0">
         <p:random/>
       </p:transition>
     </mc:Choice>
-    <mc:Fallback xmlns="">
+    <mc:Fallback>
       <p:transition spd="slow" advClick="0" advTm="0">
         <p:random/>
       </p:transition>
@@ -3614,7 +3614,7 @@
             <a:fld id="{91AD7F68-8E1B-45E2-8A27-5D5DEAAB1BF2}" type="datetimeFigureOut">
               <a:rPr lang="zh-CN" altLang="en-US" smtClean="0"/>
               <a:pPr/>
-              <a:t>2018/6/5</a:t>
+              <a:t>2018/6/10</a:t>
             </a:fld>
             <a:endParaRPr lang="zh-CN" altLang="en-US"/>
           </a:p>
@@ -3666,20 +3666,20 @@
     </p:spTree>
     <p:extLst>
       <p:ext uri="{BB962C8B-B14F-4D97-AF65-F5344CB8AC3E}">
-        <p14:creationId xmlns:p14="http://schemas.microsoft.com/office/powerpoint/2010/main" val="2724821356"/>
+        <p14:creationId xmlns="" xmlns:p14="http://schemas.microsoft.com/office/powerpoint/2010/main" val="2724821356"/>
       </p:ext>
     </p:extLst>
   </p:cSld>
   <p:clrMapOvr>
     <a:masterClrMapping/>
   </p:clrMapOvr>
-  <mc:AlternateContent xmlns:mc="http://schemas.openxmlformats.org/markup-compatibility/2006" xmlns:p14="http://schemas.microsoft.com/office/powerpoint/2010/main">
-    <mc:Choice Requires="p14">
+  <mc:AlternateContent xmlns:mc="http://schemas.openxmlformats.org/markup-compatibility/2006">
+    <mc:Choice xmlns="" xmlns:p14="http://schemas.microsoft.com/office/powerpoint/2010/main" Requires="p14">
       <p:transition spd="slow" p14:dur="1500" advClick="0" advTm="0">
         <p:random/>
       </p:transition>
     </mc:Choice>
-    <mc:Fallback xmlns="">
+    <mc:Fallback>
       <p:transition spd="slow" advClick="0" advTm="0">
         <p:random/>
       </p:transition>
@@ -3839,7 +3839,7 @@
             <a:fld id="{91AD7F68-8E1B-45E2-8A27-5D5DEAAB1BF2}" type="datetimeFigureOut">
               <a:rPr lang="zh-CN" altLang="en-US" smtClean="0"/>
               <a:pPr/>
-              <a:t>2018/6/5</a:t>
+              <a:t>2018/6/10</a:t>
             </a:fld>
             <a:endParaRPr lang="zh-CN" altLang="en-US"/>
           </a:p>
@@ -3927,7 +3927,7 @@
     </p:spTree>
     <p:extLst>
       <p:ext uri="{BB962C8B-B14F-4D97-AF65-F5344CB8AC3E}">
-        <p14:creationId xmlns:p14="http://schemas.microsoft.com/office/powerpoint/2010/main" val="666783823"/>
+        <p14:creationId xmlns="" xmlns:p14="http://schemas.microsoft.com/office/powerpoint/2010/main" val="666783823"/>
       </p:ext>
     </p:extLst>
   </p:cSld>
@@ -3945,13 +3945,13 @@
     <p:sldLayoutId id="2147483658" r:id="rId10"/>
     <p:sldLayoutId id="2147483659" r:id="rId11"/>
   </p:sldLayoutIdLst>
-  <mc:AlternateContent xmlns:mc="http://schemas.openxmlformats.org/markup-compatibility/2006" xmlns:p14="http://schemas.microsoft.com/office/powerpoint/2010/main">
-    <mc:Choice Requires="p14">
+  <mc:AlternateContent xmlns:mc="http://schemas.openxmlformats.org/markup-compatibility/2006">
+    <mc:Choice xmlns="" xmlns:p14="http://schemas.microsoft.com/office/powerpoint/2010/main" Requires="p14">
       <p:transition spd="slow" p14:dur="1500" advClick="0" advTm="0">
         <p:random/>
       </p:transition>
     </mc:Choice>
-    <mc:Fallback xmlns="">
+    <mc:Fallback>
       <p:transition spd="slow" advClick="0" advTm="0">
         <p:random/>
       </p:transition>
@@ -4269,7 +4269,7 @@
           <a:blip r:embed="rId3" cstate="print">
             <a:extLst>
               <a:ext uri="{28A0092B-C50C-407E-A947-70E740481C1C}">
-                <a14:useLocalDpi xmlns:a14="http://schemas.microsoft.com/office/drawing/2010/main"/>
+                <a14:useLocalDpi xmlns="" xmlns:a14="http://schemas.microsoft.com/office/drawing/2010/main"/>
               </a:ext>
             </a:extLst>
           </a:blip>
@@ -9843,7 +9843,7 @@
           <p:cNvPr id="9" name="TextBox 8">
             <a:extLst>
               <a:ext uri="{FF2B5EF4-FFF2-40B4-BE49-F238E27FC236}">
-                <a16:creationId xmlns:a16="http://schemas.microsoft.com/office/drawing/2014/main" id="{73C77ED2-C357-47B7-8381-585C44BF2B89}"/>
+                <a16:creationId xmlns="" xmlns:a16="http://schemas.microsoft.com/office/drawing/2014/main" id="{73C77ED2-C357-47B7-8381-585C44BF2B89}"/>
               </a:ext>
             </a:extLst>
           </p:cNvPr>
@@ -9883,20 +9883,20 @@
     </p:spTree>
     <p:extLst>
       <p:ext uri="{BB962C8B-B14F-4D97-AF65-F5344CB8AC3E}">
-        <p14:creationId xmlns:p14="http://schemas.microsoft.com/office/powerpoint/2010/main" val="656483861"/>
+        <p14:creationId xmlns="" xmlns:p14="http://schemas.microsoft.com/office/powerpoint/2010/main" val="656483861"/>
       </p:ext>
     </p:extLst>
   </p:cSld>
   <p:clrMapOvr>
     <a:masterClrMapping/>
   </p:clrMapOvr>
-  <mc:AlternateContent xmlns:mc="http://schemas.openxmlformats.org/markup-compatibility/2006" xmlns:p14="http://schemas.microsoft.com/office/powerpoint/2010/main">
-    <mc:Choice Requires="p14">
+  <mc:AlternateContent xmlns:mc="http://schemas.openxmlformats.org/markup-compatibility/2006">
+    <mc:Choice xmlns="" xmlns:p14="http://schemas.microsoft.com/office/powerpoint/2010/main" Requires="p14">
       <p:transition spd="slow" p14:dur="1500">
         <p:random/>
       </p:transition>
     </mc:Choice>
-    <mc:Fallback xmlns="">
+    <mc:Fallback>
       <p:transition spd="slow">
         <p:random/>
       </p:transition>
@@ -10640,20 +10640,20 @@
     </p:spTree>
     <p:extLst>
       <p:ext uri="{BB962C8B-B14F-4D97-AF65-F5344CB8AC3E}">
-        <p14:creationId xmlns:p14="http://schemas.microsoft.com/office/powerpoint/2010/main" val="264814506"/>
+        <p14:creationId xmlns="" xmlns:p14="http://schemas.microsoft.com/office/powerpoint/2010/main" val="264814506"/>
       </p:ext>
     </p:extLst>
   </p:cSld>
   <p:clrMapOvr>
     <a:masterClrMapping/>
   </p:clrMapOvr>
-  <mc:AlternateContent xmlns:mc="http://schemas.openxmlformats.org/markup-compatibility/2006" xmlns:p14="http://schemas.microsoft.com/office/powerpoint/2010/main">
-    <mc:Choice Requires="p14">
+  <mc:AlternateContent xmlns:mc="http://schemas.openxmlformats.org/markup-compatibility/2006">
+    <mc:Choice xmlns="" xmlns:p14="http://schemas.microsoft.com/office/powerpoint/2010/main" Requires="p14">
       <p:transition spd="slow" p14:dur="1500">
         <p:random/>
       </p:transition>
     </mc:Choice>
-    <mc:Fallback xmlns="">
+    <mc:Fallback>
       <p:transition spd="slow">
         <p:random/>
       </p:transition>
@@ -10939,7 +10939,7 @@
           <p:cNvPr id="10" name="Rectangle 9">
             <a:extLst>
               <a:ext uri="{FF2B5EF4-FFF2-40B4-BE49-F238E27FC236}">
-                <a16:creationId xmlns:a16="http://schemas.microsoft.com/office/drawing/2014/main" id="{C3BEC256-880E-495F-8B21-C117C57BD7A1}"/>
+                <a16:creationId xmlns="" xmlns:a16="http://schemas.microsoft.com/office/drawing/2014/main" id="{C3BEC256-880E-495F-8B21-C117C57BD7A1}"/>
               </a:ext>
             </a:extLst>
           </p:cNvPr>
@@ -11193,7 +11193,7 @@
           <p:cNvPr id="4" name="TextBox 3">
             <a:extLst>
               <a:ext uri="{FF2B5EF4-FFF2-40B4-BE49-F238E27FC236}">
-                <a16:creationId xmlns:a16="http://schemas.microsoft.com/office/drawing/2014/main" id="{90236678-5C83-4B9F-9151-7449B70D4F04}"/>
+                <a16:creationId xmlns="" xmlns:a16="http://schemas.microsoft.com/office/drawing/2014/main" id="{90236678-5C83-4B9F-9151-7449B70D4F04}"/>
               </a:ext>
             </a:extLst>
           </p:cNvPr>
@@ -11261,6 +11261,10 @@
             <a:br>
               <a:rPr lang="zh-CN" altLang="en-US" dirty="0"/>
             </a:br>
+            <a:r>
+              <a:rPr lang="zh-CN" altLang="en-US" dirty="0"/>
+              <a:t/>
+            </a:r>
             <a:br>
               <a:rPr lang="zh-CN" altLang="en-US" dirty="0"/>
             </a:br>
@@ -11301,7 +11305,7 @@
           <p:cNvPr id="6" name="Rectangle: Rounded Corners 5">
             <a:extLst>
               <a:ext uri="{FF2B5EF4-FFF2-40B4-BE49-F238E27FC236}">
-                <a16:creationId xmlns:a16="http://schemas.microsoft.com/office/drawing/2014/main" id="{B596286C-9C6C-4EC2-AC83-309B2A25A96F}"/>
+                <a16:creationId xmlns="" xmlns:a16="http://schemas.microsoft.com/office/drawing/2014/main" id="{B596286C-9C6C-4EC2-AC83-309B2A25A96F}"/>
               </a:ext>
             </a:extLst>
           </p:cNvPr>
@@ -11349,7 +11353,7 @@
           <p:cNvPr id="7" name="Rectangle: Rounded Corners 6">
             <a:extLst>
               <a:ext uri="{FF2B5EF4-FFF2-40B4-BE49-F238E27FC236}">
-                <a16:creationId xmlns:a16="http://schemas.microsoft.com/office/drawing/2014/main" id="{F356C7F2-BAAA-4D64-923A-A862D8C4DA2D}"/>
+                <a16:creationId xmlns="" xmlns:a16="http://schemas.microsoft.com/office/drawing/2014/main" id="{F356C7F2-BAAA-4D64-923A-A862D8C4DA2D}"/>
               </a:ext>
             </a:extLst>
           </p:cNvPr>
@@ -11397,7 +11401,7 @@
           <p:cNvPr id="18" name="Rectangle: Rounded Corners 17">
             <a:extLst>
               <a:ext uri="{FF2B5EF4-FFF2-40B4-BE49-F238E27FC236}">
-                <a16:creationId xmlns:a16="http://schemas.microsoft.com/office/drawing/2014/main" id="{C4C37132-BAFE-490C-A6A6-1B8CBEFF2B58}"/>
+                <a16:creationId xmlns="" xmlns:a16="http://schemas.microsoft.com/office/drawing/2014/main" id="{C4C37132-BAFE-490C-A6A6-1B8CBEFF2B58}"/>
               </a:ext>
             </a:extLst>
           </p:cNvPr>
@@ -11445,7 +11449,7 @@
           <p:cNvPr id="9" name="Rectangle: Rounded Corners 8">
             <a:extLst>
               <a:ext uri="{FF2B5EF4-FFF2-40B4-BE49-F238E27FC236}">
-                <a16:creationId xmlns:a16="http://schemas.microsoft.com/office/drawing/2014/main" id="{7E05808C-5FD7-41E5-A43D-131D329760F1}"/>
+                <a16:creationId xmlns="" xmlns:a16="http://schemas.microsoft.com/office/drawing/2014/main" id="{7E05808C-5FD7-41E5-A43D-131D329760F1}"/>
               </a:ext>
             </a:extLst>
           </p:cNvPr>
@@ -11499,7 +11503,7 @@
           <p:cNvPr id="19" name="Rectangle: Rounded Corners 18">
             <a:extLst>
               <a:ext uri="{FF2B5EF4-FFF2-40B4-BE49-F238E27FC236}">
-                <a16:creationId xmlns:a16="http://schemas.microsoft.com/office/drawing/2014/main" id="{4A0DA287-6F77-4680-B7A5-ACDBA5C1BFD6}"/>
+                <a16:creationId xmlns="" xmlns:a16="http://schemas.microsoft.com/office/drawing/2014/main" id="{4A0DA287-6F77-4680-B7A5-ACDBA5C1BFD6}"/>
               </a:ext>
             </a:extLst>
           </p:cNvPr>
@@ -11553,7 +11557,7 @@
           <p:cNvPr id="20" name="Rectangle: Rounded Corners 19">
             <a:extLst>
               <a:ext uri="{FF2B5EF4-FFF2-40B4-BE49-F238E27FC236}">
-                <a16:creationId xmlns:a16="http://schemas.microsoft.com/office/drawing/2014/main" id="{9605DD40-9ED7-4F99-B494-7DD5B4B515AC}"/>
+                <a16:creationId xmlns="" xmlns:a16="http://schemas.microsoft.com/office/drawing/2014/main" id="{9605DD40-9ED7-4F99-B494-7DD5B4B515AC}"/>
               </a:ext>
             </a:extLst>
           </p:cNvPr>
@@ -11607,7 +11611,7 @@
           <p:cNvPr id="21" name="Rectangle: Rounded Corners 20">
             <a:extLst>
               <a:ext uri="{FF2B5EF4-FFF2-40B4-BE49-F238E27FC236}">
-                <a16:creationId xmlns:a16="http://schemas.microsoft.com/office/drawing/2014/main" id="{E107FD82-AA46-4011-A1ED-FE327DBB6E29}"/>
+                <a16:creationId xmlns="" xmlns:a16="http://schemas.microsoft.com/office/drawing/2014/main" id="{E107FD82-AA46-4011-A1ED-FE327DBB6E29}"/>
               </a:ext>
             </a:extLst>
           </p:cNvPr>
@@ -11656,7 +11660,7 @@
           <p:cNvPr id="22" name="Rectangle: Rounded Corners 21">
             <a:extLst>
               <a:ext uri="{FF2B5EF4-FFF2-40B4-BE49-F238E27FC236}">
-                <a16:creationId xmlns:a16="http://schemas.microsoft.com/office/drawing/2014/main" id="{6D52BAE1-0D38-437E-9AF8-8A86AC109571}"/>
+                <a16:creationId xmlns="" xmlns:a16="http://schemas.microsoft.com/office/drawing/2014/main" id="{6D52BAE1-0D38-437E-9AF8-8A86AC109571}"/>
               </a:ext>
             </a:extLst>
           </p:cNvPr>
@@ -11705,7 +11709,7 @@
           <p:cNvPr id="23" name="Rectangle: Rounded Corners 22">
             <a:extLst>
               <a:ext uri="{FF2B5EF4-FFF2-40B4-BE49-F238E27FC236}">
-                <a16:creationId xmlns:a16="http://schemas.microsoft.com/office/drawing/2014/main" id="{1EB1FA68-970D-402C-8EC3-075AB2372080}"/>
+                <a16:creationId xmlns="" xmlns:a16="http://schemas.microsoft.com/office/drawing/2014/main" id="{1EB1FA68-970D-402C-8EC3-075AB2372080}"/>
               </a:ext>
             </a:extLst>
           </p:cNvPr>
@@ -11761,7 +11765,7 @@
           <p:cNvPr id="12" name="Straight Arrow Connector 11">
             <a:extLst>
               <a:ext uri="{FF2B5EF4-FFF2-40B4-BE49-F238E27FC236}">
-                <a16:creationId xmlns:a16="http://schemas.microsoft.com/office/drawing/2014/main" id="{A3C14345-4820-4302-AF09-FEFBEFF6381B}"/>
+                <a16:creationId xmlns="" xmlns:a16="http://schemas.microsoft.com/office/drawing/2014/main" id="{A3C14345-4820-4302-AF09-FEFBEFF6381B}"/>
               </a:ext>
             </a:extLst>
           </p:cNvPr>
@@ -11803,7 +11807,7 @@
           <p:cNvPr id="25" name="Straight Arrow Connector 24">
             <a:extLst>
               <a:ext uri="{FF2B5EF4-FFF2-40B4-BE49-F238E27FC236}">
-                <a16:creationId xmlns:a16="http://schemas.microsoft.com/office/drawing/2014/main" id="{95A73916-C71C-478B-9297-D0CC38BADE09}"/>
+                <a16:creationId xmlns="" xmlns:a16="http://schemas.microsoft.com/office/drawing/2014/main" id="{95A73916-C71C-478B-9297-D0CC38BADE09}"/>
               </a:ext>
             </a:extLst>
           </p:cNvPr>
@@ -11844,7 +11848,7 @@
           <p:cNvPr id="27" name="Straight Arrow Connector 26">
             <a:extLst>
               <a:ext uri="{FF2B5EF4-FFF2-40B4-BE49-F238E27FC236}">
-                <a16:creationId xmlns:a16="http://schemas.microsoft.com/office/drawing/2014/main" id="{624521CF-274D-474D-BA2C-32FC9D476772}"/>
+                <a16:creationId xmlns="" xmlns:a16="http://schemas.microsoft.com/office/drawing/2014/main" id="{624521CF-274D-474D-BA2C-32FC9D476772}"/>
               </a:ext>
             </a:extLst>
           </p:cNvPr>
@@ -11885,7 +11889,7 @@
           <p:cNvPr id="29" name="Straight Arrow Connector 28">
             <a:extLst>
               <a:ext uri="{FF2B5EF4-FFF2-40B4-BE49-F238E27FC236}">
-                <a16:creationId xmlns:a16="http://schemas.microsoft.com/office/drawing/2014/main" id="{11895928-A4F5-456E-B589-F62CF711C195}"/>
+                <a16:creationId xmlns="" xmlns:a16="http://schemas.microsoft.com/office/drawing/2014/main" id="{11895928-A4F5-456E-B589-F62CF711C195}"/>
               </a:ext>
             </a:extLst>
           </p:cNvPr>
@@ -11927,7 +11931,7 @@
           <p:cNvPr id="31" name="Straight Arrow Connector 30">
             <a:extLst>
               <a:ext uri="{FF2B5EF4-FFF2-40B4-BE49-F238E27FC236}">
-                <a16:creationId xmlns:a16="http://schemas.microsoft.com/office/drawing/2014/main" id="{6017D859-B78A-4494-827B-6963CD37F943}"/>
+                <a16:creationId xmlns="" xmlns:a16="http://schemas.microsoft.com/office/drawing/2014/main" id="{6017D859-B78A-4494-827B-6963CD37F943}"/>
               </a:ext>
             </a:extLst>
           </p:cNvPr>
@@ -11969,7 +11973,7 @@
           <p:cNvPr id="33" name="Straight Arrow Connector 32">
             <a:extLst>
               <a:ext uri="{FF2B5EF4-FFF2-40B4-BE49-F238E27FC236}">
-                <a16:creationId xmlns:a16="http://schemas.microsoft.com/office/drawing/2014/main" id="{7968F93C-AD7B-48D0-A6DF-82701C1C9206}"/>
+                <a16:creationId xmlns="" xmlns:a16="http://schemas.microsoft.com/office/drawing/2014/main" id="{7968F93C-AD7B-48D0-A6DF-82701C1C9206}"/>
               </a:ext>
             </a:extLst>
           </p:cNvPr>
@@ -12011,7 +12015,7 @@
           <p:cNvPr id="35" name="Straight Arrow Connector 34">
             <a:extLst>
               <a:ext uri="{FF2B5EF4-FFF2-40B4-BE49-F238E27FC236}">
-                <a16:creationId xmlns:a16="http://schemas.microsoft.com/office/drawing/2014/main" id="{7E91D584-92DE-4D66-B25D-4990C7501309}"/>
+                <a16:creationId xmlns="" xmlns:a16="http://schemas.microsoft.com/office/drawing/2014/main" id="{7E91D584-92DE-4D66-B25D-4990C7501309}"/>
               </a:ext>
             </a:extLst>
           </p:cNvPr>
@@ -12053,7 +12057,7 @@
           <p:cNvPr id="37" name="Straight Arrow Connector 36">
             <a:extLst>
               <a:ext uri="{FF2B5EF4-FFF2-40B4-BE49-F238E27FC236}">
-                <a16:creationId xmlns:a16="http://schemas.microsoft.com/office/drawing/2014/main" id="{E40F83EF-DC2A-4E10-A88A-A771F1D51CA1}"/>
+                <a16:creationId xmlns="" xmlns:a16="http://schemas.microsoft.com/office/drawing/2014/main" id="{E40F83EF-DC2A-4E10-A88A-A771F1D51CA1}"/>
               </a:ext>
             </a:extLst>
           </p:cNvPr>
@@ -12092,20 +12096,20 @@
     </p:spTree>
     <p:extLst>
       <p:ext uri="{BB962C8B-B14F-4D97-AF65-F5344CB8AC3E}">
-        <p14:creationId xmlns:p14="http://schemas.microsoft.com/office/powerpoint/2010/main" val="959313378"/>
+        <p14:creationId xmlns="" xmlns:p14="http://schemas.microsoft.com/office/powerpoint/2010/main" val="959313378"/>
       </p:ext>
     </p:extLst>
   </p:cSld>
   <p:clrMapOvr>
     <a:masterClrMapping/>
   </p:clrMapOvr>
-  <mc:AlternateContent xmlns:mc="http://schemas.openxmlformats.org/markup-compatibility/2006" xmlns:p14="http://schemas.microsoft.com/office/powerpoint/2010/main">
-    <mc:Choice Requires="p14">
+  <mc:AlternateContent xmlns:mc="http://schemas.openxmlformats.org/markup-compatibility/2006">
+    <mc:Choice xmlns="" xmlns:p14="http://schemas.microsoft.com/office/powerpoint/2010/main" Requires="p14">
       <p:transition spd="slow" p14:dur="1500">
         <p:random/>
       </p:transition>
     </mc:Choice>
-    <mc:Fallback xmlns="">
+    <mc:Fallback>
       <p:transition spd="slow">
         <p:random/>
       </p:transition>
@@ -12545,22 +12549,15 @@
           <a:p>
             <a:pPr marL="0" lvl="1"/>
             <a:r>
-              <a:rPr lang="en-US" altLang="zh-CN" sz="2800" spc="300" dirty="0" err="1">
+              <a:rPr lang="en-US" altLang="zh-CN" sz="2800" spc="300" dirty="0" smtClean="0">
                 <a:solidFill>
                   <a:srgbClr val="0D4960"/>
                 </a:solidFill>
                 <a:latin typeface="方正尚酷简体" panose="03000509000000000000" pitchFamily="65" charset="-122"/>
                 <a:ea typeface="方正尚酷简体" panose="03000509000000000000" pitchFamily="65" charset="-122"/>
               </a:rPr>
-              <a:t>Dockerfile</a:t>
+              <a:t>Command</a:t>
             </a:r>
-            <a:endParaRPr lang="en-US" altLang="zh-CN" sz="2800" spc="300" dirty="0">
-              <a:solidFill>
-                <a:srgbClr val="0D4960"/>
-              </a:solidFill>
-              <a:latin typeface="方正尚酷简体" panose="03000509000000000000" pitchFamily="65" charset="-122"/>
-              <a:ea typeface="方正尚酷简体" panose="03000509000000000000" pitchFamily="65" charset="-122"/>
-            </a:endParaRPr>
           </a:p>
         </p:txBody>
       </p:sp>
@@ -12601,23 +12598,113 @@
           </a:fontRef>
         </p:style>
       </p:cxnSp>
+      <p:sp>
+        <p:nvSpPr>
+          <p:cNvPr id="8" name="TextBox 7"/>
+          <p:cNvSpPr txBox="1"/>
+          <p:nvPr/>
+        </p:nvSpPr>
+        <p:spPr>
+          <a:xfrm>
+            <a:off x="1219200" y="1036320"/>
+            <a:ext cx="4524828" cy="2554545"/>
+          </a:xfrm>
+          <a:prstGeom prst="rect">
+            <a:avLst/>
+          </a:prstGeom>
+          <a:noFill/>
+        </p:spPr>
+        <p:txBody>
+          <a:bodyPr wrap="none" rtlCol="0">
+            <a:spAutoFit/>
+          </a:bodyPr>
+          <a:lstStyle/>
+          <a:p>
+            <a:r>
+              <a:rPr lang="en-US" altLang="zh-CN" sz="3200" dirty="0" err="1" smtClean="0"/>
+              <a:t>docker</a:t>
+            </a:r>
+            <a:r>
+              <a:rPr lang="en-US" altLang="zh-CN" sz="3200" dirty="0" smtClean="0"/>
+              <a:t> search </a:t>
+            </a:r>
+          </a:p>
+          <a:p>
+            <a:r>
+              <a:rPr lang="en-US" altLang="zh-CN" sz="3200" dirty="0" err="1" smtClean="0"/>
+              <a:t>docker</a:t>
+            </a:r>
+            <a:r>
+              <a:rPr lang="en-US" altLang="zh-CN" sz="3200" dirty="0" smtClean="0"/>
+              <a:t> images</a:t>
+            </a:r>
+          </a:p>
+          <a:p>
+            <a:r>
+              <a:rPr lang="en-US" altLang="zh-CN" sz="3200" dirty="0" err="1" smtClean="0"/>
+              <a:t>docker</a:t>
+            </a:r>
+            <a:r>
+              <a:rPr lang="en-US" altLang="zh-CN" sz="3200" dirty="0" smtClean="0"/>
+              <a:t> image </a:t>
+            </a:r>
+            <a:r>
+              <a:rPr lang="en-US" altLang="zh-CN" sz="3200" dirty="0" err="1" smtClean="0"/>
+              <a:t>rm</a:t>
+            </a:r>
+            <a:r>
+              <a:rPr lang="en-US" altLang="zh-CN" sz="3200" dirty="0" smtClean="0"/>
+              <a:t> image-id</a:t>
+            </a:r>
+          </a:p>
+          <a:p>
+            <a:r>
+              <a:rPr lang="en-US" altLang="zh-CN" sz="3200" dirty="0" err="1" smtClean="0"/>
+              <a:t>docker</a:t>
+            </a:r>
+            <a:r>
+              <a:rPr lang="en-US" altLang="zh-CN" sz="3200" dirty="0" smtClean="0"/>
+              <a:t> </a:t>
+            </a:r>
+            <a:r>
+              <a:rPr lang="en-US" altLang="zh-CN" sz="3200" dirty="0" err="1" smtClean="0"/>
+              <a:t>rm</a:t>
+            </a:r>
+            <a:r>
+              <a:rPr lang="en-US" altLang="zh-CN" sz="3200" dirty="0" smtClean="0"/>
+              <a:t> container-id</a:t>
+            </a:r>
+          </a:p>
+          <a:p>
+            <a:r>
+              <a:rPr lang="en-US" altLang="zh-CN" sz="3200" dirty="0" err="1" smtClean="0"/>
+              <a:t>docker</a:t>
+            </a:r>
+            <a:r>
+              <a:rPr lang="en-US" altLang="zh-CN" sz="3200" dirty="0" smtClean="0"/>
+              <a:t> run</a:t>
+            </a:r>
+            <a:endParaRPr lang="zh-CN" altLang="en-US" sz="3200" dirty="0"/>
+          </a:p>
+        </p:txBody>
+      </p:sp>
     </p:spTree>
     <p:extLst>
       <p:ext uri="{BB962C8B-B14F-4D97-AF65-F5344CB8AC3E}">
-        <p14:creationId xmlns:p14="http://schemas.microsoft.com/office/powerpoint/2010/main" val="3399076800"/>
+        <p14:creationId xmlns="" xmlns:p14="http://schemas.microsoft.com/office/powerpoint/2010/main" val="3399076800"/>
       </p:ext>
     </p:extLst>
   </p:cSld>
   <p:clrMapOvr>
     <a:masterClrMapping/>
   </p:clrMapOvr>
-  <mc:AlternateContent xmlns:mc="http://schemas.openxmlformats.org/markup-compatibility/2006" xmlns:p14="http://schemas.microsoft.com/office/powerpoint/2010/main">
-    <mc:Choice Requires="p14">
+  <mc:AlternateContent xmlns:mc="http://schemas.openxmlformats.org/markup-compatibility/2006">
+    <mc:Choice xmlns="" xmlns:p14="http://schemas.microsoft.com/office/powerpoint/2010/main" Requires="p14">
       <p:transition spd="slow" p14:dur="1500">
         <p:random/>
       </p:transition>
     </mc:Choice>
-    <mc:Fallback xmlns="">
+    <mc:Fallback>
       <p:transition spd="slow">
         <p:random/>
       </p:transition>
@@ -13057,14 +13144,14 @@
           <a:p>
             <a:pPr marL="0" lvl="1"/>
             <a:r>
-              <a:rPr lang="zh-CN" altLang="en-US" sz="2800" spc="300" dirty="0">
+              <a:rPr lang="en-US" altLang="zh-CN" sz="2800" spc="300" dirty="0" err="1" smtClean="0">
                 <a:solidFill>
                   <a:srgbClr val="0D4960"/>
                 </a:solidFill>
                 <a:latin typeface="方正尚酷简体" panose="03000509000000000000" pitchFamily="65" charset="-122"/>
                 <a:ea typeface="方正尚酷简体" panose="03000509000000000000" pitchFamily="65" charset="-122"/>
               </a:rPr>
-              <a:t>安装</a:t>
+              <a:t>Postgresql</a:t>
             </a:r>
             <a:endParaRPr lang="en-US" altLang="zh-CN" sz="2800" spc="300" dirty="0">
               <a:solidFill>
@@ -13113,23 +13200,119 @@
           </a:fontRef>
         </p:style>
       </p:cxnSp>
+      <p:sp>
+        <p:nvSpPr>
+          <p:cNvPr id="8" name="TextBox 7"/>
+          <p:cNvSpPr txBox="1"/>
+          <p:nvPr/>
+        </p:nvSpPr>
+        <p:spPr>
+          <a:xfrm>
+            <a:off x="486079" y="924316"/>
+            <a:ext cx="10568599" cy="1569660"/>
+          </a:xfrm>
+          <a:prstGeom prst="rect">
+            <a:avLst/>
+          </a:prstGeom>
+          <a:noFill/>
+        </p:spPr>
+        <p:txBody>
+          <a:bodyPr wrap="square" rtlCol="0">
+            <a:spAutoFit/>
+          </a:bodyPr>
+          <a:lstStyle/>
+          <a:p>
+            <a:r>
+              <a:rPr lang="en-US" altLang="zh-CN" sz="3200" dirty="0" err="1" smtClean="0"/>
+              <a:t>docker</a:t>
+            </a:r>
+            <a:r>
+              <a:rPr lang="en-US" altLang="zh-CN" sz="3200" dirty="0" smtClean="0"/>
+              <a:t> search </a:t>
+            </a:r>
+            <a:r>
+              <a:rPr lang="en-US" altLang="zh-CN" sz="3200" dirty="0" err="1" smtClean="0"/>
+              <a:t>postgresql</a:t>
+            </a:r>
+            <a:endParaRPr lang="en-US" altLang="zh-CN" sz="3200" dirty="0" smtClean="0"/>
+          </a:p>
+          <a:p>
+            <a:r>
+              <a:rPr lang="en-US" altLang="zh-CN" sz="3200" dirty="0" err="1" smtClean="0"/>
+              <a:t>docker</a:t>
+            </a:r>
+            <a:r>
+              <a:rPr lang="en-US" altLang="zh-CN" sz="3200" dirty="0" smtClean="0"/>
+              <a:t> pull </a:t>
+            </a:r>
+            <a:r>
+              <a:rPr lang="en-US" altLang="zh-CN" sz="3200" dirty="0" err="1" smtClean="0"/>
+              <a:t>docker.io/postgresql</a:t>
+            </a:r>
+            <a:endParaRPr lang="en-US" altLang="zh-CN" sz="3200" dirty="0" smtClean="0"/>
+          </a:p>
+          <a:p>
+            <a:r>
+              <a:rPr lang="en-US" altLang="zh-CN" sz="2800" dirty="0" err="1" smtClean="0"/>
+              <a:t>docker</a:t>
+            </a:r>
+            <a:r>
+              <a:rPr lang="en-US" altLang="zh-CN" sz="2800" dirty="0" smtClean="0"/>
+              <a:t> </a:t>
+            </a:r>
+            <a:r>
+              <a:rPr lang="en-US" altLang="zh-CN" sz="2800" dirty="0" smtClean="0"/>
+              <a:t>run --name </a:t>
+            </a:r>
+            <a:r>
+              <a:rPr lang="en-US" altLang="zh-CN" sz="2800" dirty="0" err="1" smtClean="0"/>
+              <a:t>mydb</a:t>
+            </a:r>
+            <a:r>
+              <a:rPr lang="en-US" altLang="zh-CN" sz="2800" dirty="0" smtClean="0"/>
+              <a:t> </a:t>
+            </a:r>
+            <a:r>
+              <a:rPr lang="en-US" altLang="zh-CN" sz="2800" dirty="0" smtClean="0"/>
+              <a:t>-e </a:t>
+            </a:r>
+            <a:r>
+              <a:rPr lang="en-US" altLang="zh-CN" sz="2800" dirty="0" smtClean="0"/>
+              <a:t>POSTGRES_PASSWORD=123456 </a:t>
+            </a:r>
+            <a:r>
+              <a:rPr lang="en-US" altLang="zh-CN" sz="2800" dirty="0" smtClean="0"/>
+              <a:t>-d </a:t>
+            </a:r>
+            <a:r>
+              <a:rPr lang="en-US" altLang="zh-CN" sz="2800" smtClean="0"/>
+              <a:t>postgres</a:t>
+            </a:r>
+            <a:r>
+              <a:rPr lang="en-US" altLang="zh-CN" sz="3200" smtClean="0"/>
+              <a:t> </a:t>
+            </a:r>
+            <a:endParaRPr lang="zh-CN" altLang="en-US" sz="3200" dirty="0"/>
+          </a:p>
+        </p:txBody>
+      </p:sp>
     </p:spTree>
     <p:extLst>
       <p:ext uri="{BB962C8B-B14F-4D97-AF65-F5344CB8AC3E}">
-        <p14:creationId xmlns:p14="http://schemas.microsoft.com/office/powerpoint/2010/main" val="2123268970"/>
+        <p14:creationId xmlns="" xmlns:p14="http://schemas.microsoft.com/office/powerpoint/2010/main" val="2123268970"/>
       </p:ext>
     </p:extLst>
   </p:cSld>
   <p:clrMapOvr>
     <a:masterClrMapping/>
   </p:clrMapOvr>
-  <mc:AlternateContent xmlns:mc="http://schemas.openxmlformats.org/markup-compatibility/2006" xmlns:p14="http://schemas.microsoft.com/office/powerpoint/2010/main">
-    <mc:Choice Requires="p14">
+  <mc:AlternateContent xmlns:mc="http://schemas.openxmlformats.org/markup-compatibility/2006">
+    <mc:Choice xmlns="" xmlns:p14="http://schemas.microsoft.com/office/powerpoint/2010/main" Requires="p14">
       <p:transition spd="slow" p14:dur="1500">
         <p:random/>
       </p:transition>
     </mc:Choice>
-    <mc:Fallback xmlns="">
+    <mc:Fallback>
       <p:transition spd="slow">
         <p:random/>
       </p:transition>
@@ -13628,20 +13811,20 @@
     </p:spTree>
     <p:extLst>
       <p:ext uri="{BB962C8B-B14F-4D97-AF65-F5344CB8AC3E}">
-        <p14:creationId xmlns:p14="http://schemas.microsoft.com/office/powerpoint/2010/main" val="2250819296"/>
+        <p14:creationId xmlns="" xmlns:p14="http://schemas.microsoft.com/office/powerpoint/2010/main" val="2250819296"/>
       </p:ext>
     </p:extLst>
   </p:cSld>
   <p:clrMapOvr>
     <a:masterClrMapping/>
   </p:clrMapOvr>
-  <mc:AlternateContent xmlns:mc="http://schemas.openxmlformats.org/markup-compatibility/2006" xmlns:p14="http://schemas.microsoft.com/office/powerpoint/2010/main">
-    <mc:Choice Requires="p14">
+  <mc:AlternateContent xmlns:mc="http://schemas.openxmlformats.org/markup-compatibility/2006">
+    <mc:Choice xmlns="" xmlns:p14="http://schemas.microsoft.com/office/powerpoint/2010/main" Requires="p14">
       <p:transition spd="slow" p14:dur="1500">
         <p:random/>
       </p:transition>
     </mc:Choice>
-    <mc:Fallback xmlns="">
+    <mc:Fallback>
       <p:transition spd="slow">
         <p:random/>
       </p:transition>
@@ -14140,20 +14323,20 @@
     </p:spTree>
     <p:extLst>
       <p:ext uri="{BB962C8B-B14F-4D97-AF65-F5344CB8AC3E}">
-        <p14:creationId xmlns:p14="http://schemas.microsoft.com/office/powerpoint/2010/main" val="1882032925"/>
+        <p14:creationId xmlns="" xmlns:p14="http://schemas.microsoft.com/office/powerpoint/2010/main" val="1882032925"/>
       </p:ext>
     </p:extLst>
   </p:cSld>
   <p:clrMapOvr>
     <a:masterClrMapping/>
   </p:clrMapOvr>
-  <mc:AlternateContent xmlns:mc="http://schemas.openxmlformats.org/markup-compatibility/2006" xmlns:p14="http://schemas.microsoft.com/office/powerpoint/2010/main">
-    <mc:Choice Requires="p14">
+  <mc:AlternateContent xmlns:mc="http://schemas.openxmlformats.org/markup-compatibility/2006">
+    <mc:Choice xmlns="" xmlns:p14="http://schemas.microsoft.com/office/powerpoint/2010/main" Requires="p14">
       <p:transition spd="slow" p14:dur="1500">
         <p:random/>
       </p:transition>
     </mc:Choice>
-    <mc:Fallback xmlns="">
+    <mc:Fallback>
       <p:transition spd="slow">
         <p:random/>
       </p:transition>
@@ -14652,20 +14835,20 @@
     </p:spTree>
     <p:extLst>
       <p:ext uri="{BB962C8B-B14F-4D97-AF65-F5344CB8AC3E}">
-        <p14:creationId xmlns:p14="http://schemas.microsoft.com/office/powerpoint/2010/main" val="2029473334"/>
+        <p14:creationId xmlns="" xmlns:p14="http://schemas.microsoft.com/office/powerpoint/2010/main" val="2029473334"/>
       </p:ext>
     </p:extLst>
   </p:cSld>
   <p:clrMapOvr>
     <a:masterClrMapping/>
   </p:clrMapOvr>
-  <mc:AlternateContent xmlns:mc="http://schemas.openxmlformats.org/markup-compatibility/2006" xmlns:p14="http://schemas.microsoft.com/office/powerpoint/2010/main">
-    <mc:Choice Requires="p14">
+  <mc:AlternateContent xmlns:mc="http://schemas.openxmlformats.org/markup-compatibility/2006">
+    <mc:Choice xmlns="" xmlns:p14="http://schemas.microsoft.com/office/powerpoint/2010/main" Requires="p14">
       <p:transition spd="slow" p14:dur="1500">
         <p:random/>
       </p:transition>
     </mc:Choice>
-    <mc:Fallback xmlns="">
+    <mc:Fallback>
       <p:transition spd="slow">
         <p:random/>
       </p:transition>
@@ -15164,20 +15347,20 @@
     </p:spTree>
     <p:extLst>
       <p:ext uri="{BB962C8B-B14F-4D97-AF65-F5344CB8AC3E}">
-        <p14:creationId xmlns:p14="http://schemas.microsoft.com/office/powerpoint/2010/main" val="1722153153"/>
+        <p14:creationId xmlns="" xmlns:p14="http://schemas.microsoft.com/office/powerpoint/2010/main" val="1722153153"/>
       </p:ext>
     </p:extLst>
   </p:cSld>
   <p:clrMapOvr>
     <a:masterClrMapping/>
   </p:clrMapOvr>
-  <mc:AlternateContent xmlns:mc="http://schemas.openxmlformats.org/markup-compatibility/2006" xmlns:p14="http://schemas.microsoft.com/office/powerpoint/2010/main">
-    <mc:Choice Requires="p14">
+  <mc:AlternateContent xmlns:mc="http://schemas.openxmlformats.org/markup-compatibility/2006">
+    <mc:Choice xmlns="" xmlns:p14="http://schemas.microsoft.com/office/powerpoint/2010/main" Requires="p14">
       <p:transition spd="slow" p14:dur="1500">
         <p:random/>
       </p:transition>
     </mc:Choice>
-    <mc:Fallback xmlns="">
+    <mc:Fallback>
       <p:transition spd="slow">
         <p:random/>
       </p:transition>
@@ -15702,7 +15885,7 @@
   <a:extraClrSchemeLst/>
   <a:extLst>
     <a:ext uri="{05A4C25C-085E-4340-85A3-A5531E510DB2}">
-      <thm15:themeFamily xmlns:thm15="http://schemas.microsoft.com/office/thememl/2012/main" name="Office Theme" id="{62F939B6-93AF-4DB8-9C6B-D6C7DFDC589F}" vid="{4A3C46E8-61CC-4603-A589-7422A47A8E4A}"/>
+      <thm15:themeFamily xmlns="" xmlns:thm15="http://schemas.microsoft.com/office/thememl/2012/main" name="Office Theme" id="{62F939B6-93AF-4DB8-9C6B-D6C7DFDC589F}" vid="{4A3C46E8-61CC-4603-A589-7422A47A8E4A}"/>
     </a:ext>
   </a:extLst>
 </a:theme>
@@ -15963,7 +16146,7 @@
   <a:extraClrSchemeLst/>
   <a:extLst>
     <a:ext uri="{05A4C25C-085E-4340-85A3-A5531E510DB2}">
-      <thm15:themeFamily xmlns:thm15="http://schemas.microsoft.com/office/thememl/2012/main" name="Office Theme" id="{62F939B6-93AF-4DB8-9C6B-D6C7DFDC589F}" vid="{4A3C46E8-61CC-4603-A589-7422A47A8E4A}"/>
+      <thm15:themeFamily xmlns="" xmlns:thm15="http://schemas.microsoft.com/office/thememl/2012/main" name="Office Theme" id="{62F939B6-93AF-4DB8-9C6B-D6C7DFDC589F}" vid="{4A3C46E8-61CC-4603-A589-7422A47A8E4A}"/>
     </a:ext>
   </a:extLst>
 </a:theme>

--- a/docker.pptx
+++ b/docker.pptx
@@ -5,7 +5,7 @@
     <p:sldMasterId id="2147483648" r:id="rId1"/>
   </p:sldMasterIdLst>
   <p:notesMasterIdLst>
-    <p:notesMasterId r:id="rId11"/>
+    <p:notesMasterId r:id="rId12"/>
   </p:notesMasterIdLst>
   <p:sldIdLst>
     <p:sldId id="256" r:id="rId2"/>
@@ -14,14 +14,15 @@
     <p:sldId id="309" r:id="rId5"/>
     <p:sldId id="310" r:id="rId6"/>
     <p:sldId id="311" r:id="rId7"/>
-    <p:sldId id="312" r:id="rId8"/>
-    <p:sldId id="313" r:id="rId9"/>
-    <p:sldId id="314" r:id="rId10"/>
+    <p:sldId id="315" r:id="rId8"/>
+    <p:sldId id="312" r:id="rId9"/>
+    <p:sldId id="313" r:id="rId10"/>
+    <p:sldId id="314" r:id="rId11"/>
   </p:sldIdLst>
   <p:sldSz cx="12192000" cy="6858000"/>
   <p:notesSz cx="6858000" cy="9144000"/>
   <p:custDataLst>
-    <p:tags r:id="rId12"/>
+    <p:tags r:id="rId13"/>
   </p:custDataLst>
   <p:defaultTextStyle>
     <a:defPPr>
@@ -120,7 +121,7 @@
   </p:defaultTextStyle>
   <p:extLst>
     <p:ext uri="{EFAFB233-063F-42B5-8137-9DF3F51BA10A}">
-      <p15:sldGuideLst xmlns="" xmlns:p15="http://schemas.microsoft.com/office/powerpoint/2012/main">
+      <p15:sldGuideLst xmlns:p15="http://schemas.microsoft.com/office/powerpoint/2012/main" xmlns="">
         <p15:guide id="1" orient="horz" pos="2160" userDrawn="1">
           <p15:clr>
             <a:srgbClr val="A4A3A4"/>
@@ -220,7 +221,7 @@
             <a:fld id="{05B1D5F9-199E-4B77-ACFB-0D659EE03F6C}" type="datetimeFigureOut">
               <a:rPr lang="zh-CN" altLang="en-US" smtClean="0"/>
               <a:pPr/>
-              <a:t>2018/6/10</a:t>
+              <a:t>2018/6/24 Sunday</a:t>
             </a:fld>
             <a:endParaRPr lang="zh-CN" altLang="en-US"/>
           </a:p>
@@ -388,7 +389,7 @@
     </p:spTree>
     <p:extLst>
       <p:ext uri="{BB962C8B-B14F-4D97-AF65-F5344CB8AC3E}">
-        <p14:creationId xmlns="" xmlns:p14="http://schemas.microsoft.com/office/powerpoint/2010/main" val="4136795833"/>
+        <p14:creationId xmlns:p14="http://schemas.microsoft.com/office/powerpoint/2010/main" xmlns="" val="4136795833"/>
       </p:ext>
     </p:extLst>
   </p:cSld>
@@ -563,7 +564,92 @@
     </p:spTree>
     <p:extLst>
       <p:ext uri="{BB962C8B-B14F-4D97-AF65-F5344CB8AC3E}">
-        <p14:creationId xmlns="" xmlns:p14="http://schemas.microsoft.com/office/powerpoint/2010/main" val="2594768037"/>
+        <p14:creationId xmlns:p14="http://schemas.microsoft.com/office/powerpoint/2010/main" xmlns="" val="2594768037"/>
+      </p:ext>
+    </p:extLst>
+  </p:cSld>
+  <p:clrMapOvr>
+    <a:masterClrMapping/>
+  </p:clrMapOvr>
+</p:notes>
+</file>
+
+<file path=ppt/notesSlides/notesSlide10.xml><?xml version="1.0" encoding="utf-8"?>
+<p:notes xmlns:a="http://schemas.openxmlformats.org/drawingml/2006/main" xmlns:r="http://schemas.openxmlformats.org/officeDocument/2006/relationships" xmlns:p="http://schemas.openxmlformats.org/presentationml/2006/main">
+  <p:cSld>
+    <p:spTree>
+      <p:nvGrpSpPr>
+        <p:cNvPr id="1" name=""/>
+        <p:cNvGrpSpPr/>
+        <p:nvPr/>
+      </p:nvGrpSpPr>
+      <p:grpSpPr>
+        <a:xfrm>
+          <a:off x="0" y="0"/>
+          <a:ext cx="0" cy="0"/>
+          <a:chOff x="0" y="0"/>
+          <a:chExt cx="0" cy="0"/>
+        </a:xfrm>
+      </p:grpSpPr>
+      <p:sp>
+        <p:nvSpPr>
+          <p:cNvPr id="2" name="幻灯片图像占位符 1"/>
+          <p:cNvSpPr>
+            <a:spLocks noGrp="1" noRot="1" noChangeAspect="1"/>
+          </p:cNvSpPr>
+          <p:nvPr>
+            <p:ph type="sldImg"/>
+          </p:nvPr>
+        </p:nvSpPr>
+        <p:spPr/>
+      </p:sp>
+      <p:sp>
+        <p:nvSpPr>
+          <p:cNvPr id="3" name="备注占位符 2"/>
+          <p:cNvSpPr>
+            <a:spLocks noGrp="1"/>
+          </p:cNvSpPr>
+          <p:nvPr>
+            <p:ph type="body" idx="1"/>
+          </p:nvPr>
+        </p:nvSpPr>
+        <p:spPr/>
+        <p:txBody>
+          <a:bodyPr/>
+          <a:lstStyle/>
+          <a:p>
+            <a:endParaRPr lang="zh-CN" altLang="en-US"/>
+          </a:p>
+        </p:txBody>
+      </p:sp>
+      <p:sp>
+        <p:nvSpPr>
+          <p:cNvPr id="4" name="灯片编号占位符 3"/>
+          <p:cNvSpPr>
+            <a:spLocks noGrp="1"/>
+          </p:cNvSpPr>
+          <p:nvPr>
+            <p:ph type="sldNum" sz="quarter" idx="10"/>
+          </p:nvPr>
+        </p:nvSpPr>
+        <p:spPr/>
+        <p:txBody>
+          <a:bodyPr/>
+          <a:lstStyle/>
+          <a:p>
+            <a:fld id="{22553725-671C-4999-8D68-861E5DC01BD8}" type="slidenum">
+              <a:rPr lang="zh-CN" altLang="en-US" smtClean="0"/>
+              <a:pPr/>
+              <a:t>10</a:t>
+            </a:fld>
+            <a:endParaRPr lang="zh-CN" altLang="en-US"/>
+          </a:p>
+        </p:txBody>
+      </p:sp>
+    </p:spTree>
+    <p:extLst>
+      <p:ext uri="{BB962C8B-B14F-4D97-AF65-F5344CB8AC3E}">
+        <p14:creationId xmlns:p14="http://schemas.microsoft.com/office/powerpoint/2010/main" xmlns="" val="169439926"/>
       </p:ext>
     </p:extLst>
   </p:cSld>
@@ -648,7 +734,7 @@
     </p:spTree>
     <p:extLst>
       <p:ext uri="{BB962C8B-B14F-4D97-AF65-F5344CB8AC3E}">
-        <p14:creationId xmlns="" xmlns:p14="http://schemas.microsoft.com/office/powerpoint/2010/main" val="2506518844"/>
+        <p14:creationId xmlns:p14="http://schemas.microsoft.com/office/powerpoint/2010/main" xmlns="" val="2506518844"/>
       </p:ext>
     </p:extLst>
   </p:cSld>
@@ -733,7 +819,7 @@
     </p:spTree>
     <p:extLst>
       <p:ext uri="{BB962C8B-B14F-4D97-AF65-F5344CB8AC3E}">
-        <p14:creationId xmlns="" xmlns:p14="http://schemas.microsoft.com/office/powerpoint/2010/main" val="3310963080"/>
+        <p14:creationId xmlns:p14="http://schemas.microsoft.com/office/powerpoint/2010/main" xmlns="" val="3310963080"/>
       </p:ext>
     </p:extLst>
   </p:cSld>
@@ -818,7 +904,7 @@
     </p:spTree>
     <p:extLst>
       <p:ext uri="{BB962C8B-B14F-4D97-AF65-F5344CB8AC3E}">
-        <p14:creationId xmlns="" xmlns:p14="http://schemas.microsoft.com/office/powerpoint/2010/main" val="4235483088"/>
+        <p14:creationId xmlns:p14="http://schemas.microsoft.com/office/powerpoint/2010/main" xmlns="" val="4235483088"/>
       </p:ext>
     </p:extLst>
   </p:cSld>
@@ -903,7 +989,7 @@
     </p:spTree>
     <p:extLst>
       <p:ext uri="{BB962C8B-B14F-4D97-AF65-F5344CB8AC3E}">
-        <p14:creationId xmlns="" xmlns:p14="http://schemas.microsoft.com/office/powerpoint/2010/main" val="1199798051"/>
+        <p14:creationId xmlns:p14="http://schemas.microsoft.com/office/powerpoint/2010/main" xmlns="" val="1199798051"/>
       </p:ext>
     </p:extLst>
   </p:cSld>
@@ -988,7 +1074,7 @@
     </p:spTree>
     <p:extLst>
       <p:ext uri="{BB962C8B-B14F-4D97-AF65-F5344CB8AC3E}">
-        <p14:creationId xmlns="" xmlns:p14="http://schemas.microsoft.com/office/powerpoint/2010/main" val="2416713267"/>
+        <p14:creationId xmlns:p14="http://schemas.microsoft.com/office/powerpoint/2010/main" xmlns="" val="2416713267"/>
       </p:ext>
     </p:extLst>
   </p:cSld>
@@ -1073,7 +1159,7 @@
     </p:spTree>
     <p:extLst>
       <p:ext uri="{BB962C8B-B14F-4D97-AF65-F5344CB8AC3E}">
-        <p14:creationId xmlns="" xmlns:p14="http://schemas.microsoft.com/office/powerpoint/2010/main" val="1561144535"/>
+        <p14:creationId xmlns:p14="http://schemas.microsoft.com/office/powerpoint/2010/main" xmlns="" val="169439926"/>
       </p:ext>
     </p:extLst>
   </p:cSld>
@@ -1158,7 +1244,7 @@
     </p:spTree>
     <p:extLst>
       <p:ext uri="{BB962C8B-B14F-4D97-AF65-F5344CB8AC3E}">
-        <p14:creationId xmlns="" xmlns:p14="http://schemas.microsoft.com/office/powerpoint/2010/main" val="3177794071"/>
+        <p14:creationId xmlns:p14="http://schemas.microsoft.com/office/powerpoint/2010/main" xmlns="" val="1561144535"/>
       </p:ext>
     </p:extLst>
   </p:cSld>
@@ -1243,7 +1329,7 @@
     </p:spTree>
     <p:extLst>
       <p:ext uri="{BB962C8B-B14F-4D97-AF65-F5344CB8AC3E}">
-        <p14:creationId xmlns="" xmlns:p14="http://schemas.microsoft.com/office/powerpoint/2010/main" val="169439926"/>
+        <p14:creationId xmlns:p14="http://schemas.microsoft.com/office/powerpoint/2010/main" xmlns="" val="3177794071"/>
       </p:ext>
     </p:extLst>
   </p:cSld>
@@ -1383,7 +1469,7 @@
             <a:fld id="{91AD7F68-8E1B-45E2-8A27-5D5DEAAB1BF2}" type="datetimeFigureOut">
               <a:rPr lang="zh-CN" altLang="en-US" smtClean="0"/>
               <a:pPr/>
-              <a:t>2018/6/10</a:t>
+              <a:t>2018/6/24 Sunday</a:t>
             </a:fld>
             <a:endParaRPr lang="zh-CN" altLang="en-US"/>
           </a:p>
@@ -1435,7 +1521,7 @@
     </p:spTree>
     <p:extLst>
       <p:ext uri="{BB962C8B-B14F-4D97-AF65-F5344CB8AC3E}">
-        <p14:creationId xmlns="" xmlns:p14="http://schemas.microsoft.com/office/powerpoint/2010/main" val="3379505774"/>
+        <p14:creationId xmlns:p14="http://schemas.microsoft.com/office/powerpoint/2010/main" xmlns="" val="3379505774"/>
       </p:ext>
     </p:extLst>
   </p:cSld>
@@ -1443,7 +1529,7 @@
     <a:masterClrMapping/>
   </p:clrMapOvr>
   <mc:AlternateContent xmlns:mc="http://schemas.openxmlformats.org/markup-compatibility/2006">
-    <mc:Choice xmlns="" xmlns:p14="http://schemas.microsoft.com/office/powerpoint/2010/main" Requires="p14">
+    <mc:Choice xmlns:p14="http://schemas.microsoft.com/office/powerpoint/2010/main" xmlns="" Requires="p14">
       <p:transition spd="slow" p14:dur="1500" advClick="0" advTm="0">
         <p:random/>
       </p:transition>
@@ -1565,7 +1651,7 @@
             <a:fld id="{91AD7F68-8E1B-45E2-8A27-5D5DEAAB1BF2}" type="datetimeFigureOut">
               <a:rPr lang="zh-CN" altLang="en-US" smtClean="0"/>
               <a:pPr/>
-              <a:t>2018/6/10</a:t>
+              <a:t>2018/6/24 Sunday</a:t>
             </a:fld>
             <a:endParaRPr lang="zh-CN" altLang="en-US"/>
           </a:p>
@@ -1617,7 +1703,7 @@
     </p:spTree>
     <p:extLst>
       <p:ext uri="{BB962C8B-B14F-4D97-AF65-F5344CB8AC3E}">
-        <p14:creationId xmlns="" xmlns:p14="http://schemas.microsoft.com/office/powerpoint/2010/main" val="4292131042"/>
+        <p14:creationId xmlns:p14="http://schemas.microsoft.com/office/powerpoint/2010/main" xmlns="" val="4292131042"/>
       </p:ext>
     </p:extLst>
   </p:cSld>
@@ -1625,7 +1711,7 @@
     <a:masterClrMapping/>
   </p:clrMapOvr>
   <mc:AlternateContent xmlns:mc="http://schemas.openxmlformats.org/markup-compatibility/2006">
-    <mc:Choice xmlns="" xmlns:p14="http://schemas.microsoft.com/office/powerpoint/2010/main" Requires="p14">
+    <mc:Choice xmlns:p14="http://schemas.microsoft.com/office/powerpoint/2010/main" xmlns="" Requires="p14">
       <p:transition spd="slow" p14:dur="1500" advClick="0" advTm="0">
         <p:random/>
       </p:transition>
@@ -1757,7 +1843,7 @@
             <a:fld id="{91AD7F68-8E1B-45E2-8A27-5D5DEAAB1BF2}" type="datetimeFigureOut">
               <a:rPr lang="zh-CN" altLang="en-US" smtClean="0"/>
               <a:pPr/>
-              <a:t>2018/6/10</a:t>
+              <a:t>2018/6/24 Sunday</a:t>
             </a:fld>
             <a:endParaRPr lang="zh-CN" altLang="en-US"/>
           </a:p>
@@ -1809,7 +1895,7 @@
     </p:spTree>
     <p:extLst>
       <p:ext uri="{BB962C8B-B14F-4D97-AF65-F5344CB8AC3E}">
-        <p14:creationId xmlns="" xmlns:p14="http://schemas.microsoft.com/office/powerpoint/2010/main" val="1952128637"/>
+        <p14:creationId xmlns:p14="http://schemas.microsoft.com/office/powerpoint/2010/main" xmlns="" val="1952128637"/>
       </p:ext>
     </p:extLst>
   </p:cSld>
@@ -1817,7 +1903,7 @@
     <a:masterClrMapping/>
   </p:clrMapOvr>
   <mc:AlternateContent xmlns:mc="http://schemas.openxmlformats.org/markup-compatibility/2006">
-    <mc:Choice xmlns="" xmlns:p14="http://schemas.microsoft.com/office/powerpoint/2010/main" Requires="p14">
+    <mc:Choice xmlns:p14="http://schemas.microsoft.com/office/powerpoint/2010/main" xmlns="" Requires="p14">
       <p:transition spd="slow" p14:dur="1500" advClick="0" advTm="0">
         <p:random/>
       </p:transition>
@@ -1939,7 +2025,7 @@
             <a:fld id="{91AD7F68-8E1B-45E2-8A27-5D5DEAAB1BF2}" type="datetimeFigureOut">
               <a:rPr lang="zh-CN" altLang="en-US" smtClean="0"/>
               <a:pPr/>
-              <a:t>2018/6/10</a:t>
+              <a:t>2018/6/24 Sunday</a:t>
             </a:fld>
             <a:endParaRPr lang="zh-CN" altLang="en-US"/>
           </a:p>
@@ -1991,7 +2077,7 @@
     </p:spTree>
     <p:extLst>
       <p:ext uri="{BB962C8B-B14F-4D97-AF65-F5344CB8AC3E}">
-        <p14:creationId xmlns="" xmlns:p14="http://schemas.microsoft.com/office/powerpoint/2010/main" val="4173798514"/>
+        <p14:creationId xmlns:p14="http://schemas.microsoft.com/office/powerpoint/2010/main" xmlns="" val="4173798514"/>
       </p:ext>
     </p:extLst>
   </p:cSld>
@@ -1999,7 +2085,7 @@
     <a:masterClrMapping/>
   </p:clrMapOvr>
   <mc:AlternateContent xmlns:mc="http://schemas.openxmlformats.org/markup-compatibility/2006">
-    <mc:Choice xmlns="" xmlns:p14="http://schemas.microsoft.com/office/powerpoint/2010/main" Requires="p14">
+    <mc:Choice xmlns:p14="http://schemas.microsoft.com/office/powerpoint/2010/main" xmlns="" Requires="p14">
       <p:transition spd="slow" p14:dur="1500" advClick="0" advTm="0">
         <p:random/>
       </p:transition>
@@ -2198,7 +2284,7 @@
             <a:fld id="{91AD7F68-8E1B-45E2-8A27-5D5DEAAB1BF2}" type="datetimeFigureOut">
               <a:rPr lang="zh-CN" altLang="en-US" smtClean="0"/>
               <a:pPr/>
-              <a:t>2018/6/10</a:t>
+              <a:t>2018/6/24 Sunday</a:t>
             </a:fld>
             <a:endParaRPr lang="zh-CN" altLang="en-US"/>
           </a:p>
@@ -2250,7 +2336,7 @@
     </p:spTree>
     <p:extLst>
       <p:ext uri="{BB962C8B-B14F-4D97-AF65-F5344CB8AC3E}">
-        <p14:creationId xmlns="" xmlns:p14="http://schemas.microsoft.com/office/powerpoint/2010/main" val="2343028950"/>
+        <p14:creationId xmlns:p14="http://schemas.microsoft.com/office/powerpoint/2010/main" xmlns="" val="2343028950"/>
       </p:ext>
     </p:extLst>
   </p:cSld>
@@ -2258,7 +2344,7 @@
     <a:masterClrMapping/>
   </p:clrMapOvr>
   <mc:AlternateContent xmlns:mc="http://schemas.openxmlformats.org/markup-compatibility/2006">
-    <mc:Choice xmlns="" xmlns:p14="http://schemas.microsoft.com/office/powerpoint/2010/main" Requires="p14">
+    <mc:Choice xmlns:p14="http://schemas.microsoft.com/office/powerpoint/2010/main" xmlns="" Requires="p14">
       <p:transition spd="slow" p14:dur="1500" advClick="0" advTm="0">
         <p:random/>
       </p:transition>
@@ -2441,7 +2527,7 @@
             <a:fld id="{91AD7F68-8E1B-45E2-8A27-5D5DEAAB1BF2}" type="datetimeFigureOut">
               <a:rPr lang="zh-CN" altLang="en-US" smtClean="0"/>
               <a:pPr/>
-              <a:t>2018/6/10</a:t>
+              <a:t>2018/6/24 Sunday</a:t>
             </a:fld>
             <a:endParaRPr lang="zh-CN" altLang="en-US"/>
           </a:p>
@@ -2493,7 +2579,7 @@
     </p:spTree>
     <p:extLst>
       <p:ext uri="{BB962C8B-B14F-4D97-AF65-F5344CB8AC3E}">
-        <p14:creationId xmlns="" xmlns:p14="http://schemas.microsoft.com/office/powerpoint/2010/main" val="1951757828"/>
+        <p14:creationId xmlns:p14="http://schemas.microsoft.com/office/powerpoint/2010/main" xmlns="" val="1951757828"/>
       </p:ext>
     </p:extLst>
   </p:cSld>
@@ -2501,7 +2587,7 @@
     <a:masterClrMapping/>
   </p:clrMapOvr>
   <mc:AlternateContent xmlns:mc="http://schemas.openxmlformats.org/markup-compatibility/2006">
-    <mc:Choice xmlns="" xmlns:p14="http://schemas.microsoft.com/office/powerpoint/2010/main" Requires="p14">
+    <mc:Choice xmlns:p14="http://schemas.microsoft.com/office/powerpoint/2010/main" xmlns="" Requires="p14">
       <p:transition spd="slow" p14:dur="1500" advClick="0" advTm="0">
         <p:random/>
       </p:transition>
@@ -2819,7 +2905,7 @@
             <a:fld id="{91AD7F68-8E1B-45E2-8A27-5D5DEAAB1BF2}" type="datetimeFigureOut">
               <a:rPr lang="zh-CN" altLang="en-US" smtClean="0"/>
               <a:pPr/>
-              <a:t>2018/6/10</a:t>
+              <a:t>2018/6/24 Sunday</a:t>
             </a:fld>
             <a:endParaRPr lang="zh-CN" altLang="en-US"/>
           </a:p>
@@ -2871,7 +2957,7 @@
     </p:spTree>
     <p:extLst>
       <p:ext uri="{BB962C8B-B14F-4D97-AF65-F5344CB8AC3E}">
-        <p14:creationId xmlns="" xmlns:p14="http://schemas.microsoft.com/office/powerpoint/2010/main" val="3785743930"/>
+        <p14:creationId xmlns:p14="http://schemas.microsoft.com/office/powerpoint/2010/main" xmlns="" val="3785743930"/>
       </p:ext>
     </p:extLst>
   </p:cSld>
@@ -2879,7 +2965,7 @@
     <a:masterClrMapping/>
   </p:clrMapOvr>
   <mc:AlternateContent xmlns:mc="http://schemas.openxmlformats.org/markup-compatibility/2006">
-    <mc:Choice xmlns="" xmlns:p14="http://schemas.microsoft.com/office/powerpoint/2010/main" Requires="p14">
+    <mc:Choice xmlns:p14="http://schemas.microsoft.com/office/powerpoint/2010/main" xmlns="" Requires="p14">
       <p:transition spd="slow" p14:dur="1500" advClick="0" advTm="0">
         <p:random/>
       </p:transition>
@@ -2950,7 +3036,7 @@
             <a:fld id="{91AD7F68-8E1B-45E2-8A27-5D5DEAAB1BF2}" type="datetimeFigureOut">
               <a:rPr lang="zh-CN" altLang="en-US" smtClean="0"/>
               <a:pPr/>
-              <a:t>2018/6/10</a:t>
+              <a:t>2018/6/24 Sunday</a:t>
             </a:fld>
             <a:endParaRPr lang="zh-CN" altLang="en-US"/>
           </a:p>
@@ -3002,7 +3088,7 @@
     </p:spTree>
     <p:extLst>
       <p:ext uri="{BB962C8B-B14F-4D97-AF65-F5344CB8AC3E}">
-        <p14:creationId xmlns="" xmlns:p14="http://schemas.microsoft.com/office/powerpoint/2010/main" val="1272998583"/>
+        <p14:creationId xmlns:p14="http://schemas.microsoft.com/office/powerpoint/2010/main" xmlns="" val="1272998583"/>
       </p:ext>
     </p:extLst>
   </p:cSld>
@@ -3010,7 +3096,7 @@
     <a:masterClrMapping/>
   </p:clrMapOvr>
   <mc:AlternateContent xmlns:mc="http://schemas.openxmlformats.org/markup-compatibility/2006">
-    <mc:Choice xmlns="" xmlns:p14="http://schemas.microsoft.com/office/powerpoint/2010/main" Requires="p14">
+    <mc:Choice xmlns:p14="http://schemas.microsoft.com/office/powerpoint/2010/main" xmlns="" Requires="p14">
       <p:transition spd="slow" p14:dur="1500" advClick="0" advTm="0">
         <p:random/>
       </p:transition>
@@ -3059,7 +3145,7 @@
             <a:fld id="{91AD7F68-8E1B-45E2-8A27-5D5DEAAB1BF2}" type="datetimeFigureOut">
               <a:rPr lang="zh-CN" altLang="en-US" smtClean="0"/>
               <a:pPr/>
-              <a:t>2018/6/10</a:t>
+              <a:t>2018/6/24 Sunday</a:t>
             </a:fld>
             <a:endParaRPr lang="zh-CN" altLang="en-US"/>
           </a:p>
@@ -3111,7 +3197,7 @@
     </p:spTree>
     <p:extLst>
       <p:ext uri="{BB962C8B-B14F-4D97-AF65-F5344CB8AC3E}">
-        <p14:creationId xmlns="" xmlns:p14="http://schemas.microsoft.com/office/powerpoint/2010/main" val="2103091704"/>
+        <p14:creationId xmlns:p14="http://schemas.microsoft.com/office/powerpoint/2010/main" xmlns="" val="2103091704"/>
       </p:ext>
     </p:extLst>
   </p:cSld>
@@ -3119,7 +3205,7 @@
     <a:masterClrMapping/>
   </p:clrMapOvr>
   <mc:AlternateContent xmlns:mc="http://schemas.openxmlformats.org/markup-compatibility/2006">
-    <mc:Choice xmlns="" xmlns:p14="http://schemas.microsoft.com/office/powerpoint/2010/main" Requires="p14">
+    <mc:Choice xmlns:p14="http://schemas.microsoft.com/office/powerpoint/2010/main" xmlns="" Requires="p14">
       <p:transition spd="slow" p14:dur="1500" advClick="0" advTm="0">
         <p:random/>
       </p:transition>
@@ -3348,7 +3434,7 @@
             <a:fld id="{91AD7F68-8E1B-45E2-8A27-5D5DEAAB1BF2}" type="datetimeFigureOut">
               <a:rPr lang="zh-CN" altLang="en-US" smtClean="0"/>
               <a:pPr/>
-              <a:t>2018/6/10</a:t>
+              <a:t>2018/6/24 Sunday</a:t>
             </a:fld>
             <a:endParaRPr lang="zh-CN" altLang="en-US"/>
           </a:p>
@@ -3400,7 +3486,7 @@
     </p:spTree>
     <p:extLst>
       <p:ext uri="{BB962C8B-B14F-4D97-AF65-F5344CB8AC3E}">
-        <p14:creationId xmlns="" xmlns:p14="http://schemas.microsoft.com/office/powerpoint/2010/main" val="2275436477"/>
+        <p14:creationId xmlns:p14="http://schemas.microsoft.com/office/powerpoint/2010/main" xmlns="" val="2275436477"/>
       </p:ext>
     </p:extLst>
   </p:cSld>
@@ -3408,7 +3494,7 @@
     <a:masterClrMapping/>
   </p:clrMapOvr>
   <mc:AlternateContent xmlns:mc="http://schemas.openxmlformats.org/markup-compatibility/2006">
-    <mc:Choice xmlns="" xmlns:p14="http://schemas.microsoft.com/office/powerpoint/2010/main" Requires="p14">
+    <mc:Choice xmlns:p14="http://schemas.microsoft.com/office/powerpoint/2010/main" xmlns="" Requires="p14">
       <p:transition spd="slow" p14:dur="1500" advClick="0" advTm="0">
         <p:random/>
       </p:transition>
@@ -3614,7 +3700,7 @@
             <a:fld id="{91AD7F68-8E1B-45E2-8A27-5D5DEAAB1BF2}" type="datetimeFigureOut">
               <a:rPr lang="zh-CN" altLang="en-US" smtClean="0"/>
               <a:pPr/>
-              <a:t>2018/6/10</a:t>
+              <a:t>2018/6/24 Sunday</a:t>
             </a:fld>
             <a:endParaRPr lang="zh-CN" altLang="en-US"/>
           </a:p>
@@ -3666,7 +3752,7 @@
     </p:spTree>
     <p:extLst>
       <p:ext uri="{BB962C8B-B14F-4D97-AF65-F5344CB8AC3E}">
-        <p14:creationId xmlns="" xmlns:p14="http://schemas.microsoft.com/office/powerpoint/2010/main" val="2724821356"/>
+        <p14:creationId xmlns:p14="http://schemas.microsoft.com/office/powerpoint/2010/main" xmlns="" val="2724821356"/>
       </p:ext>
     </p:extLst>
   </p:cSld>
@@ -3674,7 +3760,7 @@
     <a:masterClrMapping/>
   </p:clrMapOvr>
   <mc:AlternateContent xmlns:mc="http://schemas.openxmlformats.org/markup-compatibility/2006">
-    <mc:Choice xmlns="" xmlns:p14="http://schemas.microsoft.com/office/powerpoint/2010/main" Requires="p14">
+    <mc:Choice xmlns:p14="http://schemas.microsoft.com/office/powerpoint/2010/main" xmlns="" Requires="p14">
       <p:transition spd="slow" p14:dur="1500" advClick="0" advTm="0">
         <p:random/>
       </p:transition>
@@ -3839,7 +3925,7 @@
             <a:fld id="{91AD7F68-8E1B-45E2-8A27-5D5DEAAB1BF2}" type="datetimeFigureOut">
               <a:rPr lang="zh-CN" altLang="en-US" smtClean="0"/>
               <a:pPr/>
-              <a:t>2018/6/10</a:t>
+              <a:t>2018/6/24 Sunday</a:t>
             </a:fld>
             <a:endParaRPr lang="zh-CN" altLang="en-US"/>
           </a:p>
@@ -3927,7 +4013,7 @@
     </p:spTree>
     <p:extLst>
       <p:ext uri="{BB962C8B-B14F-4D97-AF65-F5344CB8AC3E}">
-        <p14:creationId xmlns="" xmlns:p14="http://schemas.microsoft.com/office/powerpoint/2010/main" val="666783823"/>
+        <p14:creationId xmlns:p14="http://schemas.microsoft.com/office/powerpoint/2010/main" xmlns="" val="666783823"/>
       </p:ext>
     </p:extLst>
   </p:cSld>
@@ -3946,7 +4032,7 @@
     <p:sldLayoutId id="2147483659" r:id="rId11"/>
   </p:sldLayoutIdLst>
   <mc:AlternateContent xmlns:mc="http://schemas.openxmlformats.org/markup-compatibility/2006">
-    <mc:Choice xmlns="" xmlns:p14="http://schemas.microsoft.com/office/powerpoint/2010/main" Requires="p14">
+    <mc:Choice xmlns:p14="http://schemas.microsoft.com/office/powerpoint/2010/main" xmlns="" Requires="p14">
       <p:transition spd="slow" p14:dur="1500" advClick="0" advTm="0">
         <p:random/>
       </p:transition>
@@ -4269,7 +4355,7 @@
           <a:blip r:embed="rId3" cstate="print">
             <a:extLst>
               <a:ext uri="{28A0092B-C50C-407E-A947-70E740481C1C}">
-                <a14:useLocalDpi xmlns="" xmlns:a14="http://schemas.microsoft.com/office/drawing/2010/main"/>
+                <a14:useLocalDpi xmlns:a14="http://schemas.microsoft.com/office/drawing/2010/main" xmlns=""/>
               </a:ext>
             </a:extLst>
           </a:blip>
@@ -9843,7 +9929,7 @@
           <p:cNvPr id="9" name="TextBox 8">
             <a:extLst>
               <a:ext uri="{FF2B5EF4-FFF2-40B4-BE49-F238E27FC236}">
-                <a16:creationId xmlns="" xmlns:a16="http://schemas.microsoft.com/office/drawing/2014/main" id="{73C77ED2-C357-47B7-8381-585C44BF2B89}"/>
+                <a16:creationId xmlns:a16="http://schemas.microsoft.com/office/drawing/2014/main" xmlns="" id="{73C77ED2-C357-47B7-8381-585C44BF2B89}"/>
               </a:ext>
             </a:extLst>
           </p:cNvPr>
@@ -9883,7 +9969,7 @@
     </p:spTree>
     <p:extLst>
       <p:ext uri="{BB962C8B-B14F-4D97-AF65-F5344CB8AC3E}">
-        <p14:creationId xmlns="" xmlns:p14="http://schemas.microsoft.com/office/powerpoint/2010/main" val="656483861"/>
+        <p14:creationId xmlns:p14="http://schemas.microsoft.com/office/powerpoint/2010/main" xmlns="" val="656483861"/>
       </p:ext>
     </p:extLst>
   </p:cSld>
@@ -9891,7 +9977,7 @@
     <a:masterClrMapping/>
   </p:clrMapOvr>
   <mc:AlternateContent xmlns:mc="http://schemas.openxmlformats.org/markup-compatibility/2006">
-    <mc:Choice xmlns="" xmlns:p14="http://schemas.microsoft.com/office/powerpoint/2010/main" Requires="p14">
+    <mc:Choice xmlns:p14="http://schemas.microsoft.com/office/powerpoint/2010/main" xmlns="" Requires="p14">
       <p:transition spd="slow" p14:dur="1500">
         <p:random/>
       </p:transition>
@@ -10214,6 +10300,518 @@
 </p:sld>
 </file>
 
+<file path=ppt/slides/slide10.xml><?xml version="1.0" encoding="utf-8"?>
+<p:sld xmlns:a="http://schemas.openxmlformats.org/drawingml/2006/main" xmlns:r="http://schemas.openxmlformats.org/officeDocument/2006/relationships" xmlns:p="http://schemas.openxmlformats.org/presentationml/2006/main">
+  <p:cSld>
+    <p:spTree>
+      <p:nvGrpSpPr>
+        <p:cNvPr id="1" name=""/>
+        <p:cNvGrpSpPr/>
+        <p:nvPr/>
+      </p:nvGrpSpPr>
+      <p:grpSpPr>
+        <a:xfrm>
+          <a:off x="0" y="0"/>
+          <a:ext cx="0" cy="0"/>
+          <a:chOff x="0" y="0"/>
+          <a:chExt cx="0" cy="0"/>
+        </a:xfrm>
+      </p:grpSpPr>
+      <p:grpSp>
+        <p:nvGrpSpPr>
+          <p:cNvPr id="2" name="1"/>
+          <p:cNvGrpSpPr/>
+          <p:nvPr/>
+        </p:nvGrpSpPr>
+        <p:grpSpPr>
+          <a:xfrm>
+            <a:off x="583060" y="342545"/>
+            <a:ext cx="637243" cy="227778"/>
+            <a:chOff x="264939" y="188640"/>
+            <a:chExt cx="604358" cy="216024"/>
+          </a:xfrm>
+          <a:solidFill>
+            <a:srgbClr val="0D4960"/>
+          </a:solidFill>
+        </p:grpSpPr>
+        <p:sp>
+          <p:nvSpPr>
+            <p:cNvPr id="13" name="燕尾形 12"/>
+            <p:cNvSpPr/>
+            <p:nvPr/>
+          </p:nvSpPr>
+          <p:spPr>
+            <a:xfrm>
+              <a:off x="264939" y="188640"/>
+              <a:ext cx="216024" cy="216024"/>
+            </a:xfrm>
+            <a:prstGeom prst="chevron">
+              <a:avLst/>
+            </a:prstGeom>
+            <a:grpFill/>
+            <a:ln>
+              <a:noFill/>
+            </a:ln>
+            <a:effectLst>
+              <a:outerShdw blurRad="63500" algn="ctr" rotWithShape="0">
+                <a:prstClr val="black">
+                  <a:alpha val="40000"/>
+                </a:prstClr>
+              </a:outerShdw>
+            </a:effectLst>
+          </p:spPr>
+          <p:txBody>
+            <a:bodyPr lIns="0" tIns="0" rIns="0" bIns="0" anchor="ctr"/>
+            <a:lstStyle/>
+            <a:p>
+              <a:endParaRPr lang="zh-CN" altLang="en-US" sz="900">
+                <a:solidFill>
+                  <a:srgbClr val="0070C0"/>
+                </a:solidFill>
+                <a:cs typeface="+mn-ea"/>
+              </a:endParaRPr>
+            </a:p>
+          </p:txBody>
+        </p:sp>
+        <p:sp>
+          <p:nvSpPr>
+            <p:cNvPr id="14" name="燕尾形 13"/>
+            <p:cNvSpPr/>
+            <p:nvPr/>
+          </p:nvSpPr>
+          <p:spPr>
+            <a:xfrm>
+              <a:off x="454914" y="188640"/>
+              <a:ext cx="216024" cy="216024"/>
+            </a:xfrm>
+            <a:prstGeom prst="chevron">
+              <a:avLst/>
+            </a:prstGeom>
+            <a:grpFill/>
+            <a:ln>
+              <a:noFill/>
+            </a:ln>
+            <a:effectLst>
+              <a:outerShdw blurRad="63500" algn="ctr" rotWithShape="0">
+                <a:prstClr val="black">
+                  <a:alpha val="40000"/>
+                </a:prstClr>
+              </a:outerShdw>
+            </a:effectLst>
+          </p:spPr>
+          <p:txBody>
+            <a:bodyPr lIns="0" tIns="0" rIns="0" bIns="0" anchor="ctr"/>
+            <a:lstStyle/>
+            <a:p>
+              <a:endParaRPr lang="zh-CN" altLang="en-US" sz="900">
+                <a:solidFill>
+                  <a:srgbClr val="0070C0"/>
+                </a:solidFill>
+                <a:cs typeface="+mn-ea"/>
+              </a:endParaRPr>
+            </a:p>
+          </p:txBody>
+        </p:sp>
+        <p:sp>
+          <p:nvSpPr>
+            <p:cNvPr id="15" name="燕尾形 14"/>
+            <p:cNvSpPr/>
+            <p:nvPr/>
+          </p:nvSpPr>
+          <p:spPr>
+            <a:xfrm>
+              <a:off x="653273" y="188640"/>
+              <a:ext cx="216024" cy="216024"/>
+            </a:xfrm>
+            <a:prstGeom prst="chevron">
+              <a:avLst/>
+            </a:prstGeom>
+            <a:grpFill/>
+            <a:ln>
+              <a:noFill/>
+            </a:ln>
+            <a:effectLst>
+              <a:outerShdw blurRad="63500" algn="ctr" rotWithShape="0">
+                <a:prstClr val="black">
+                  <a:alpha val="40000"/>
+                </a:prstClr>
+              </a:outerShdw>
+            </a:effectLst>
+          </p:spPr>
+          <p:txBody>
+            <a:bodyPr lIns="0" tIns="0" rIns="0" bIns="0" anchor="ctr"/>
+            <a:lstStyle/>
+            <a:p>
+              <a:endParaRPr lang="zh-CN" altLang="en-US" sz="900">
+                <a:solidFill>
+                  <a:srgbClr val="0070C0"/>
+                </a:solidFill>
+                <a:cs typeface="+mn-ea"/>
+              </a:endParaRPr>
+            </a:p>
+          </p:txBody>
+        </p:sp>
+      </p:grpSp>
+      <p:sp>
+        <p:nvSpPr>
+          <p:cNvPr id="16" name="2"/>
+          <p:cNvSpPr txBox="1"/>
+          <p:nvPr/>
+        </p:nvSpPr>
+        <p:spPr>
+          <a:xfrm>
+            <a:off x="1418247" y="211364"/>
+            <a:ext cx="5306644" cy="503905"/>
+          </a:xfrm>
+          <a:prstGeom prst="rect">
+            <a:avLst/>
+          </a:prstGeom>
+          <a:noFill/>
+        </p:spPr>
+        <p:txBody>
+          <a:bodyPr wrap="square" lIns="72312" tIns="36156" rIns="72312" bIns="36156" rtlCol="0">
+            <a:spAutoFit/>
+          </a:bodyPr>
+          <a:lstStyle/>
+          <a:p>
+            <a:pPr marL="0" lvl="1"/>
+            <a:r>
+              <a:rPr lang="zh-CN" altLang="en-US" sz="2800" spc="300" dirty="0">
+                <a:solidFill>
+                  <a:srgbClr val="0D4960"/>
+                </a:solidFill>
+                <a:latin typeface="方正尚酷简体" panose="03000509000000000000" pitchFamily="65" charset="-122"/>
+                <a:ea typeface="方正尚酷简体" panose="03000509000000000000" pitchFamily="65" charset="-122"/>
+              </a:rPr>
+              <a:t>安装</a:t>
+            </a:r>
+            <a:endParaRPr lang="en-US" altLang="zh-CN" sz="2800" spc="300" dirty="0">
+              <a:solidFill>
+                <a:srgbClr val="0D4960"/>
+              </a:solidFill>
+              <a:latin typeface="方正尚酷简体" panose="03000509000000000000" pitchFamily="65" charset="-122"/>
+              <a:ea typeface="方正尚酷简体" panose="03000509000000000000" pitchFamily="65" charset="-122"/>
+            </a:endParaRPr>
+          </a:p>
+        </p:txBody>
+      </p:sp>
+      <p:cxnSp>
+        <p:nvCxnSpPr>
+          <p:cNvPr id="17" name="3"/>
+          <p:cNvCxnSpPr/>
+          <p:nvPr/>
+        </p:nvCxnSpPr>
+        <p:spPr>
+          <a:xfrm>
+            <a:off x="1418247" y="761569"/>
+            <a:ext cx="10174106" cy="0"/>
+          </a:xfrm>
+          <a:prstGeom prst="line">
+            <a:avLst/>
+          </a:prstGeom>
+          <a:ln>
+            <a:solidFill>
+              <a:schemeClr val="bg1">
+                <a:lumMod val="75000"/>
+              </a:schemeClr>
+            </a:solidFill>
+          </a:ln>
+        </p:spPr>
+        <p:style>
+          <a:lnRef idx="1">
+            <a:schemeClr val="accent1"/>
+          </a:lnRef>
+          <a:fillRef idx="0">
+            <a:schemeClr val="accent1"/>
+          </a:fillRef>
+          <a:effectRef idx="0">
+            <a:schemeClr val="accent1"/>
+          </a:effectRef>
+          <a:fontRef idx="minor">
+            <a:schemeClr val="tx1"/>
+          </a:fontRef>
+        </p:style>
+      </p:cxnSp>
+    </p:spTree>
+    <p:extLst>
+      <p:ext uri="{BB962C8B-B14F-4D97-AF65-F5344CB8AC3E}">
+        <p14:creationId xmlns:p14="http://schemas.microsoft.com/office/powerpoint/2010/main" xmlns="" val="1722153153"/>
+      </p:ext>
+    </p:extLst>
+  </p:cSld>
+  <p:clrMapOvr>
+    <a:masterClrMapping/>
+  </p:clrMapOvr>
+  <mc:AlternateContent xmlns:mc="http://schemas.openxmlformats.org/markup-compatibility/2006">
+    <mc:Choice xmlns:p14="http://schemas.microsoft.com/office/powerpoint/2010/main" xmlns="" Requires="p14">
+      <p:transition spd="slow" p14:dur="1500">
+        <p:random/>
+      </p:transition>
+    </mc:Choice>
+    <mc:Fallback>
+      <p:transition spd="slow">
+        <p:random/>
+      </p:transition>
+    </mc:Fallback>
+  </mc:AlternateContent>
+  <p:timing>
+    <p:tnLst>
+      <p:par>
+        <p:cTn id="1" dur="indefinite" restart="never" nodeType="tmRoot">
+          <p:childTnLst>
+            <p:seq concurrent="1" nextAc="seek">
+              <p:cTn id="2" dur="indefinite" nodeType="mainSeq">
+                <p:childTnLst>
+                  <p:par>
+                    <p:cTn id="3" fill="hold">
+                      <p:stCondLst>
+                        <p:cond delay="indefinite"/>
+                        <p:cond evt="onBegin" delay="0">
+                          <p:tn val="2"/>
+                        </p:cond>
+                      </p:stCondLst>
+                      <p:childTnLst>
+                        <p:par>
+                          <p:cTn id="4" fill="hold">
+                            <p:stCondLst>
+                              <p:cond delay="0"/>
+                            </p:stCondLst>
+                            <p:childTnLst>
+                              <p:par>
+                                <p:cTn id="5" presetID="2" presetClass="entr" presetSubtype="8" fill="hold" nodeType="afterEffect">
+                                  <p:stCondLst>
+                                    <p:cond delay="0"/>
+                                  </p:stCondLst>
+                                  <p:childTnLst>
+                                    <p:set>
+                                      <p:cBhvr>
+                                        <p:cTn id="6" dur="1" fill="hold">
+                                          <p:stCondLst>
+                                            <p:cond delay="0"/>
+                                          </p:stCondLst>
+                                        </p:cTn>
+                                        <p:tgtEl>
+                                          <p:spTgt spid="2"/>
+                                        </p:tgtEl>
+                                        <p:attrNameLst>
+                                          <p:attrName>style.visibility</p:attrName>
+                                        </p:attrNameLst>
+                                      </p:cBhvr>
+                                      <p:to>
+                                        <p:strVal val="visible"/>
+                                      </p:to>
+                                    </p:set>
+                                    <p:anim calcmode="lin" valueType="num">
+                                      <p:cBhvr additive="base">
+                                        <p:cTn id="7" dur="750" fill="hold"/>
+                                        <p:tgtEl>
+                                          <p:spTgt spid="2"/>
+                                        </p:tgtEl>
+                                        <p:attrNameLst>
+                                          <p:attrName>ppt_x</p:attrName>
+                                        </p:attrNameLst>
+                                      </p:cBhvr>
+                                      <p:tavLst>
+                                        <p:tav tm="0">
+                                          <p:val>
+                                            <p:strVal val="0-#ppt_w/2"/>
+                                          </p:val>
+                                        </p:tav>
+                                        <p:tav tm="100000">
+                                          <p:val>
+                                            <p:strVal val="#ppt_x"/>
+                                          </p:val>
+                                        </p:tav>
+                                      </p:tavLst>
+                                    </p:anim>
+                                    <p:anim calcmode="lin" valueType="num">
+                                      <p:cBhvr additive="base">
+                                        <p:cTn id="8" dur="750" fill="hold"/>
+                                        <p:tgtEl>
+                                          <p:spTgt spid="2"/>
+                                        </p:tgtEl>
+                                        <p:attrNameLst>
+                                          <p:attrName>ppt_y</p:attrName>
+                                        </p:attrNameLst>
+                                      </p:cBhvr>
+                                      <p:tavLst>
+                                        <p:tav tm="0">
+                                          <p:val>
+                                            <p:strVal val="#ppt_y"/>
+                                          </p:val>
+                                        </p:tav>
+                                        <p:tav tm="100000">
+                                          <p:val>
+                                            <p:strVal val="#ppt_y"/>
+                                          </p:val>
+                                        </p:tav>
+                                      </p:tavLst>
+                                    </p:anim>
+                                  </p:childTnLst>
+                                </p:cTn>
+                              </p:par>
+                            </p:childTnLst>
+                          </p:cTn>
+                        </p:par>
+                        <p:par>
+                          <p:cTn id="9" fill="hold">
+                            <p:stCondLst>
+                              <p:cond delay="750"/>
+                            </p:stCondLst>
+                            <p:childTnLst>
+                              <p:par>
+                                <p:cTn id="10" presetID="53" presetClass="entr" presetSubtype="16" fill="hold" grpId="0" nodeType="afterEffect">
+                                  <p:stCondLst>
+                                    <p:cond delay="0"/>
+                                  </p:stCondLst>
+                                  <p:iterate type="lt">
+                                    <p:tmPct val="10000"/>
+                                  </p:iterate>
+                                  <p:childTnLst>
+                                    <p:set>
+                                      <p:cBhvr>
+                                        <p:cTn id="11" dur="1" fill="hold">
+                                          <p:stCondLst>
+                                            <p:cond delay="0"/>
+                                          </p:stCondLst>
+                                        </p:cTn>
+                                        <p:tgtEl>
+                                          <p:spTgt spid="16"/>
+                                        </p:tgtEl>
+                                        <p:attrNameLst>
+                                          <p:attrName>style.visibility</p:attrName>
+                                        </p:attrNameLst>
+                                      </p:cBhvr>
+                                      <p:to>
+                                        <p:strVal val="visible"/>
+                                      </p:to>
+                                    </p:set>
+                                    <p:anim calcmode="lin" valueType="num">
+                                      <p:cBhvr>
+                                        <p:cTn id="12" dur="500" fill="hold"/>
+                                        <p:tgtEl>
+                                          <p:spTgt spid="16"/>
+                                        </p:tgtEl>
+                                        <p:attrNameLst>
+                                          <p:attrName>ppt_w</p:attrName>
+                                        </p:attrNameLst>
+                                      </p:cBhvr>
+                                      <p:tavLst>
+                                        <p:tav tm="0">
+                                          <p:val>
+                                            <p:fltVal val="0"/>
+                                          </p:val>
+                                        </p:tav>
+                                        <p:tav tm="100000">
+                                          <p:val>
+                                            <p:strVal val="#ppt_w"/>
+                                          </p:val>
+                                        </p:tav>
+                                      </p:tavLst>
+                                    </p:anim>
+                                    <p:anim calcmode="lin" valueType="num">
+                                      <p:cBhvr>
+                                        <p:cTn id="13" dur="500" fill="hold"/>
+                                        <p:tgtEl>
+                                          <p:spTgt spid="16"/>
+                                        </p:tgtEl>
+                                        <p:attrNameLst>
+                                          <p:attrName>ppt_h</p:attrName>
+                                        </p:attrNameLst>
+                                      </p:cBhvr>
+                                      <p:tavLst>
+                                        <p:tav tm="0">
+                                          <p:val>
+                                            <p:fltVal val="0"/>
+                                          </p:val>
+                                        </p:tav>
+                                        <p:tav tm="100000">
+                                          <p:val>
+                                            <p:strVal val="#ppt_h"/>
+                                          </p:val>
+                                        </p:tav>
+                                      </p:tavLst>
+                                    </p:anim>
+                                    <p:animEffect transition="in" filter="fade">
+                                      <p:cBhvr>
+                                        <p:cTn id="14" dur="500"/>
+                                        <p:tgtEl>
+                                          <p:spTgt spid="16"/>
+                                        </p:tgtEl>
+                                      </p:cBhvr>
+                                    </p:animEffect>
+                                  </p:childTnLst>
+                                </p:cTn>
+                              </p:par>
+                              <p:par>
+                                <p:cTn id="15" presetID="22" presetClass="entr" presetSubtype="2" fill="hold" nodeType="withEffect">
+                                  <p:stCondLst>
+                                    <p:cond delay="250"/>
+                                  </p:stCondLst>
+                                  <p:childTnLst>
+                                    <p:set>
+                                      <p:cBhvr>
+                                        <p:cTn id="16" dur="1" fill="hold">
+                                          <p:stCondLst>
+                                            <p:cond delay="0"/>
+                                          </p:stCondLst>
+                                        </p:cTn>
+                                        <p:tgtEl>
+                                          <p:spTgt spid="17"/>
+                                        </p:tgtEl>
+                                        <p:attrNameLst>
+                                          <p:attrName>style.visibility</p:attrName>
+                                        </p:attrNameLst>
+                                      </p:cBhvr>
+                                      <p:to>
+                                        <p:strVal val="visible"/>
+                                      </p:to>
+                                    </p:set>
+                                    <p:animEffect transition="in" filter="wipe(right)">
+                                      <p:cBhvr>
+                                        <p:cTn id="17" dur="750"/>
+                                        <p:tgtEl>
+                                          <p:spTgt spid="17"/>
+                                        </p:tgtEl>
+                                      </p:cBhvr>
+                                    </p:animEffect>
+                                  </p:childTnLst>
+                                </p:cTn>
+                              </p:par>
+                            </p:childTnLst>
+                          </p:cTn>
+                        </p:par>
+                      </p:childTnLst>
+                    </p:cTn>
+                  </p:par>
+                </p:childTnLst>
+              </p:cTn>
+              <p:prevCondLst>
+                <p:cond evt="onPrev" delay="0">
+                  <p:tgtEl>
+                    <p:sldTgt/>
+                  </p:tgtEl>
+                </p:cond>
+              </p:prevCondLst>
+              <p:nextCondLst>
+                <p:cond evt="onNext" delay="0">
+                  <p:tgtEl>
+                    <p:sldTgt/>
+                  </p:tgtEl>
+                </p:cond>
+              </p:nextCondLst>
+            </p:seq>
+          </p:childTnLst>
+        </p:cTn>
+      </p:par>
+    </p:tnLst>
+    <p:bldLst>
+      <p:bldP spid="16" grpId="0"/>
+    </p:bldLst>
+  </p:timing>
+</p:sld>
+</file>
+
 <file path=ppt/slides/slide2.xml><?xml version="1.0" encoding="utf-8"?>
 <p:sld xmlns:a="http://schemas.openxmlformats.org/drawingml/2006/main" xmlns:r="http://schemas.openxmlformats.org/officeDocument/2006/relationships" xmlns:p="http://schemas.openxmlformats.org/presentationml/2006/main">
   <p:cSld>
@@ -10640,7 +11238,7 @@
     </p:spTree>
     <p:extLst>
       <p:ext uri="{BB962C8B-B14F-4D97-AF65-F5344CB8AC3E}">
-        <p14:creationId xmlns="" xmlns:p14="http://schemas.microsoft.com/office/powerpoint/2010/main" val="264814506"/>
+        <p14:creationId xmlns:p14="http://schemas.microsoft.com/office/powerpoint/2010/main" xmlns="" val="264814506"/>
       </p:ext>
     </p:extLst>
   </p:cSld>
@@ -10648,7 +11246,7 @@
     <a:masterClrMapping/>
   </p:clrMapOvr>
   <mc:AlternateContent xmlns:mc="http://schemas.openxmlformats.org/markup-compatibility/2006">
-    <mc:Choice xmlns="" xmlns:p14="http://schemas.microsoft.com/office/powerpoint/2010/main" Requires="p14">
+    <mc:Choice xmlns:p14="http://schemas.microsoft.com/office/powerpoint/2010/main" xmlns="" Requires="p14">
       <p:transition spd="slow" p14:dur="1500">
         <p:random/>
       </p:transition>
@@ -10939,7 +11537,7 @@
           <p:cNvPr id="10" name="Rectangle 9">
             <a:extLst>
               <a:ext uri="{FF2B5EF4-FFF2-40B4-BE49-F238E27FC236}">
-                <a16:creationId xmlns="" xmlns:a16="http://schemas.microsoft.com/office/drawing/2014/main" id="{C3BEC256-880E-495F-8B21-C117C57BD7A1}"/>
+                <a16:creationId xmlns:a16="http://schemas.microsoft.com/office/drawing/2014/main" xmlns="" id="{C3BEC256-880E-495F-8B21-C117C57BD7A1}"/>
               </a:ext>
             </a:extLst>
           </p:cNvPr>
@@ -11193,7 +11791,7 @@
           <p:cNvPr id="4" name="TextBox 3">
             <a:extLst>
               <a:ext uri="{FF2B5EF4-FFF2-40B4-BE49-F238E27FC236}">
-                <a16:creationId xmlns="" xmlns:a16="http://schemas.microsoft.com/office/drawing/2014/main" id="{90236678-5C83-4B9F-9151-7449B70D4F04}"/>
+                <a16:creationId xmlns:a16="http://schemas.microsoft.com/office/drawing/2014/main" xmlns="" id="{90236678-5C83-4B9F-9151-7449B70D4F04}"/>
               </a:ext>
             </a:extLst>
           </p:cNvPr>
@@ -11305,7 +11903,7 @@
           <p:cNvPr id="6" name="Rectangle: Rounded Corners 5">
             <a:extLst>
               <a:ext uri="{FF2B5EF4-FFF2-40B4-BE49-F238E27FC236}">
-                <a16:creationId xmlns="" xmlns:a16="http://schemas.microsoft.com/office/drawing/2014/main" id="{B596286C-9C6C-4EC2-AC83-309B2A25A96F}"/>
+                <a16:creationId xmlns:a16="http://schemas.microsoft.com/office/drawing/2014/main" xmlns="" id="{B596286C-9C6C-4EC2-AC83-309B2A25A96F}"/>
               </a:ext>
             </a:extLst>
           </p:cNvPr>
@@ -11353,7 +11951,7 @@
           <p:cNvPr id="7" name="Rectangle: Rounded Corners 6">
             <a:extLst>
               <a:ext uri="{FF2B5EF4-FFF2-40B4-BE49-F238E27FC236}">
-                <a16:creationId xmlns="" xmlns:a16="http://schemas.microsoft.com/office/drawing/2014/main" id="{F356C7F2-BAAA-4D64-923A-A862D8C4DA2D}"/>
+                <a16:creationId xmlns:a16="http://schemas.microsoft.com/office/drawing/2014/main" xmlns="" id="{F356C7F2-BAAA-4D64-923A-A862D8C4DA2D}"/>
               </a:ext>
             </a:extLst>
           </p:cNvPr>
@@ -11401,7 +11999,7 @@
           <p:cNvPr id="18" name="Rectangle: Rounded Corners 17">
             <a:extLst>
               <a:ext uri="{FF2B5EF4-FFF2-40B4-BE49-F238E27FC236}">
-                <a16:creationId xmlns="" xmlns:a16="http://schemas.microsoft.com/office/drawing/2014/main" id="{C4C37132-BAFE-490C-A6A6-1B8CBEFF2B58}"/>
+                <a16:creationId xmlns:a16="http://schemas.microsoft.com/office/drawing/2014/main" xmlns="" id="{C4C37132-BAFE-490C-A6A6-1B8CBEFF2B58}"/>
               </a:ext>
             </a:extLst>
           </p:cNvPr>
@@ -11449,7 +12047,7 @@
           <p:cNvPr id="9" name="Rectangle: Rounded Corners 8">
             <a:extLst>
               <a:ext uri="{FF2B5EF4-FFF2-40B4-BE49-F238E27FC236}">
-                <a16:creationId xmlns="" xmlns:a16="http://schemas.microsoft.com/office/drawing/2014/main" id="{7E05808C-5FD7-41E5-A43D-131D329760F1}"/>
+                <a16:creationId xmlns:a16="http://schemas.microsoft.com/office/drawing/2014/main" xmlns="" id="{7E05808C-5FD7-41E5-A43D-131D329760F1}"/>
               </a:ext>
             </a:extLst>
           </p:cNvPr>
@@ -11503,7 +12101,7 @@
           <p:cNvPr id="19" name="Rectangle: Rounded Corners 18">
             <a:extLst>
               <a:ext uri="{FF2B5EF4-FFF2-40B4-BE49-F238E27FC236}">
-                <a16:creationId xmlns="" xmlns:a16="http://schemas.microsoft.com/office/drawing/2014/main" id="{4A0DA287-6F77-4680-B7A5-ACDBA5C1BFD6}"/>
+                <a16:creationId xmlns:a16="http://schemas.microsoft.com/office/drawing/2014/main" xmlns="" id="{4A0DA287-6F77-4680-B7A5-ACDBA5C1BFD6}"/>
               </a:ext>
             </a:extLst>
           </p:cNvPr>
@@ -11557,7 +12155,7 @@
           <p:cNvPr id="20" name="Rectangle: Rounded Corners 19">
             <a:extLst>
               <a:ext uri="{FF2B5EF4-FFF2-40B4-BE49-F238E27FC236}">
-                <a16:creationId xmlns="" xmlns:a16="http://schemas.microsoft.com/office/drawing/2014/main" id="{9605DD40-9ED7-4F99-B494-7DD5B4B515AC}"/>
+                <a16:creationId xmlns:a16="http://schemas.microsoft.com/office/drawing/2014/main" xmlns="" id="{9605DD40-9ED7-4F99-B494-7DD5B4B515AC}"/>
               </a:ext>
             </a:extLst>
           </p:cNvPr>
@@ -11611,7 +12209,7 @@
           <p:cNvPr id="21" name="Rectangle: Rounded Corners 20">
             <a:extLst>
               <a:ext uri="{FF2B5EF4-FFF2-40B4-BE49-F238E27FC236}">
-                <a16:creationId xmlns="" xmlns:a16="http://schemas.microsoft.com/office/drawing/2014/main" id="{E107FD82-AA46-4011-A1ED-FE327DBB6E29}"/>
+                <a16:creationId xmlns:a16="http://schemas.microsoft.com/office/drawing/2014/main" xmlns="" id="{E107FD82-AA46-4011-A1ED-FE327DBB6E29}"/>
               </a:ext>
             </a:extLst>
           </p:cNvPr>
@@ -11660,7 +12258,7 @@
           <p:cNvPr id="22" name="Rectangle: Rounded Corners 21">
             <a:extLst>
               <a:ext uri="{FF2B5EF4-FFF2-40B4-BE49-F238E27FC236}">
-                <a16:creationId xmlns="" xmlns:a16="http://schemas.microsoft.com/office/drawing/2014/main" id="{6D52BAE1-0D38-437E-9AF8-8A86AC109571}"/>
+                <a16:creationId xmlns:a16="http://schemas.microsoft.com/office/drawing/2014/main" xmlns="" id="{6D52BAE1-0D38-437E-9AF8-8A86AC109571}"/>
               </a:ext>
             </a:extLst>
           </p:cNvPr>
@@ -11709,7 +12307,7 @@
           <p:cNvPr id="23" name="Rectangle: Rounded Corners 22">
             <a:extLst>
               <a:ext uri="{FF2B5EF4-FFF2-40B4-BE49-F238E27FC236}">
-                <a16:creationId xmlns="" xmlns:a16="http://schemas.microsoft.com/office/drawing/2014/main" id="{1EB1FA68-970D-402C-8EC3-075AB2372080}"/>
+                <a16:creationId xmlns:a16="http://schemas.microsoft.com/office/drawing/2014/main" xmlns="" id="{1EB1FA68-970D-402C-8EC3-075AB2372080}"/>
               </a:ext>
             </a:extLst>
           </p:cNvPr>
@@ -11765,7 +12363,7 @@
           <p:cNvPr id="12" name="Straight Arrow Connector 11">
             <a:extLst>
               <a:ext uri="{FF2B5EF4-FFF2-40B4-BE49-F238E27FC236}">
-                <a16:creationId xmlns="" xmlns:a16="http://schemas.microsoft.com/office/drawing/2014/main" id="{A3C14345-4820-4302-AF09-FEFBEFF6381B}"/>
+                <a16:creationId xmlns:a16="http://schemas.microsoft.com/office/drawing/2014/main" xmlns="" id="{A3C14345-4820-4302-AF09-FEFBEFF6381B}"/>
               </a:ext>
             </a:extLst>
           </p:cNvPr>
@@ -11807,7 +12405,7 @@
           <p:cNvPr id="25" name="Straight Arrow Connector 24">
             <a:extLst>
               <a:ext uri="{FF2B5EF4-FFF2-40B4-BE49-F238E27FC236}">
-                <a16:creationId xmlns="" xmlns:a16="http://schemas.microsoft.com/office/drawing/2014/main" id="{95A73916-C71C-478B-9297-D0CC38BADE09}"/>
+                <a16:creationId xmlns:a16="http://schemas.microsoft.com/office/drawing/2014/main" xmlns="" id="{95A73916-C71C-478B-9297-D0CC38BADE09}"/>
               </a:ext>
             </a:extLst>
           </p:cNvPr>
@@ -11848,7 +12446,7 @@
           <p:cNvPr id="27" name="Straight Arrow Connector 26">
             <a:extLst>
               <a:ext uri="{FF2B5EF4-FFF2-40B4-BE49-F238E27FC236}">
-                <a16:creationId xmlns="" xmlns:a16="http://schemas.microsoft.com/office/drawing/2014/main" id="{624521CF-274D-474D-BA2C-32FC9D476772}"/>
+                <a16:creationId xmlns:a16="http://schemas.microsoft.com/office/drawing/2014/main" xmlns="" id="{624521CF-274D-474D-BA2C-32FC9D476772}"/>
               </a:ext>
             </a:extLst>
           </p:cNvPr>
@@ -11889,7 +12487,7 @@
           <p:cNvPr id="29" name="Straight Arrow Connector 28">
             <a:extLst>
               <a:ext uri="{FF2B5EF4-FFF2-40B4-BE49-F238E27FC236}">
-                <a16:creationId xmlns="" xmlns:a16="http://schemas.microsoft.com/office/drawing/2014/main" id="{11895928-A4F5-456E-B589-F62CF711C195}"/>
+                <a16:creationId xmlns:a16="http://schemas.microsoft.com/office/drawing/2014/main" xmlns="" id="{11895928-A4F5-456E-B589-F62CF711C195}"/>
               </a:ext>
             </a:extLst>
           </p:cNvPr>
@@ -11931,7 +12529,7 @@
           <p:cNvPr id="31" name="Straight Arrow Connector 30">
             <a:extLst>
               <a:ext uri="{FF2B5EF4-FFF2-40B4-BE49-F238E27FC236}">
-                <a16:creationId xmlns="" xmlns:a16="http://schemas.microsoft.com/office/drawing/2014/main" id="{6017D859-B78A-4494-827B-6963CD37F943}"/>
+                <a16:creationId xmlns:a16="http://schemas.microsoft.com/office/drawing/2014/main" xmlns="" id="{6017D859-B78A-4494-827B-6963CD37F943}"/>
               </a:ext>
             </a:extLst>
           </p:cNvPr>
@@ -11973,7 +12571,7 @@
           <p:cNvPr id="33" name="Straight Arrow Connector 32">
             <a:extLst>
               <a:ext uri="{FF2B5EF4-FFF2-40B4-BE49-F238E27FC236}">
-                <a16:creationId xmlns="" xmlns:a16="http://schemas.microsoft.com/office/drawing/2014/main" id="{7968F93C-AD7B-48D0-A6DF-82701C1C9206}"/>
+                <a16:creationId xmlns:a16="http://schemas.microsoft.com/office/drawing/2014/main" xmlns="" id="{7968F93C-AD7B-48D0-A6DF-82701C1C9206}"/>
               </a:ext>
             </a:extLst>
           </p:cNvPr>
@@ -12015,7 +12613,7 @@
           <p:cNvPr id="35" name="Straight Arrow Connector 34">
             <a:extLst>
               <a:ext uri="{FF2B5EF4-FFF2-40B4-BE49-F238E27FC236}">
-                <a16:creationId xmlns="" xmlns:a16="http://schemas.microsoft.com/office/drawing/2014/main" id="{7E91D584-92DE-4D66-B25D-4990C7501309}"/>
+                <a16:creationId xmlns:a16="http://schemas.microsoft.com/office/drawing/2014/main" xmlns="" id="{7E91D584-92DE-4D66-B25D-4990C7501309}"/>
               </a:ext>
             </a:extLst>
           </p:cNvPr>
@@ -12057,7 +12655,7 @@
           <p:cNvPr id="37" name="Straight Arrow Connector 36">
             <a:extLst>
               <a:ext uri="{FF2B5EF4-FFF2-40B4-BE49-F238E27FC236}">
-                <a16:creationId xmlns="" xmlns:a16="http://schemas.microsoft.com/office/drawing/2014/main" id="{E40F83EF-DC2A-4E10-A88A-A771F1D51CA1}"/>
+                <a16:creationId xmlns:a16="http://schemas.microsoft.com/office/drawing/2014/main" xmlns="" id="{E40F83EF-DC2A-4E10-A88A-A771F1D51CA1}"/>
               </a:ext>
             </a:extLst>
           </p:cNvPr>
@@ -12096,7 +12694,7 @@
     </p:spTree>
     <p:extLst>
       <p:ext uri="{BB962C8B-B14F-4D97-AF65-F5344CB8AC3E}">
-        <p14:creationId xmlns="" xmlns:p14="http://schemas.microsoft.com/office/powerpoint/2010/main" val="959313378"/>
+        <p14:creationId xmlns:p14="http://schemas.microsoft.com/office/powerpoint/2010/main" xmlns="" val="959313378"/>
       </p:ext>
     </p:extLst>
   </p:cSld>
@@ -12104,7 +12702,7 @@
     <a:masterClrMapping/>
   </p:clrMapOvr>
   <mc:AlternateContent xmlns:mc="http://schemas.openxmlformats.org/markup-compatibility/2006">
-    <mc:Choice xmlns="" xmlns:p14="http://schemas.microsoft.com/office/powerpoint/2010/main" Requires="p14">
+    <mc:Choice xmlns:p14="http://schemas.microsoft.com/office/powerpoint/2010/main" xmlns="" Requires="p14">
       <p:transition spd="slow" p14:dur="1500">
         <p:random/>
       </p:transition>
@@ -12606,8 +13204,8 @@
         </p:nvSpPr>
         <p:spPr>
           <a:xfrm>
-            <a:off x="1219200" y="1036320"/>
-            <a:ext cx="4524828" cy="2554545"/>
+            <a:off x="709534" y="1081291"/>
+            <a:ext cx="10937674" cy="5016758"/>
           </a:xfrm>
           <a:prstGeom prst="rect">
             <a:avLst/>
@@ -12636,7 +13234,11 @@
             </a:r>
             <a:r>
               <a:rPr lang="en-US" altLang="zh-CN" sz="3200" dirty="0" smtClean="0"/>
-              <a:t> images</a:t>
+              <a:t> </a:t>
+            </a:r>
+            <a:r>
+              <a:rPr lang="en-US" altLang="zh-CN" sz="3200" dirty="0" smtClean="0"/>
+              <a:t>images</a:t>
             </a:r>
           </a:p>
           <a:p>
@@ -12646,7 +13248,25 @@
             </a:r>
             <a:r>
               <a:rPr lang="en-US" altLang="zh-CN" sz="3200" dirty="0" smtClean="0"/>
-              <a:t> image </a:t>
+              <a:t> </a:t>
+            </a:r>
+            <a:r>
+              <a:rPr lang="en-US" altLang="zh-CN" sz="3200" smtClean="0"/>
+              <a:t>rmi </a:t>
+            </a:r>
+            <a:r>
+              <a:rPr lang="en-US" altLang="zh-CN" sz="3200" dirty="0" smtClean="0"/>
+              <a:t>image-id</a:t>
+            </a:r>
+          </a:p>
+          <a:p>
+            <a:r>
+              <a:rPr lang="en-US" altLang="zh-CN" sz="3200" dirty="0" err="1" smtClean="0"/>
+              <a:t>docker</a:t>
+            </a:r>
+            <a:r>
+              <a:rPr lang="en-US" altLang="zh-CN" sz="3200" dirty="0" smtClean="0"/>
+              <a:t> </a:t>
             </a:r>
             <a:r>
               <a:rPr lang="en-US" altLang="zh-CN" sz="3200" dirty="0" err="1" smtClean="0"/>
@@ -12654,7 +13274,7 @@
             </a:r>
             <a:r>
               <a:rPr lang="en-US" altLang="zh-CN" sz="3200" dirty="0" smtClean="0"/>
-              <a:t> image-id</a:t>
+              <a:t> container-id</a:t>
             </a:r>
           </a:p>
           <a:p>
@@ -12667,12 +13287,27 @@
               <a:t> </a:t>
             </a:r>
             <a:r>
+              <a:rPr lang="en-US" altLang="zh-CN" sz="3200" dirty="0" smtClean="0"/>
+              <a:t>run --name container-name –d –p </a:t>
+            </a:r>
+            <a:r>
               <a:rPr lang="en-US" altLang="zh-CN" sz="3200" dirty="0" err="1" smtClean="0"/>
-              <a:t>rm</a:t>
-            </a:r>
+              <a:t>host_port:docker_port</a:t>
+            </a:r>
+            <a:endParaRPr lang="en-US" altLang="zh-CN" sz="3200" dirty="0" smtClean="0"/>
+          </a:p>
+          <a:p>
             <a:r>
               <a:rPr lang="en-US" altLang="zh-CN" sz="3200" dirty="0" smtClean="0"/>
-              <a:t> container-id</a:t>
+              <a:t> -v </a:t>
+            </a:r>
+            <a:r>
+              <a:rPr lang="en-US" altLang="zh-CN" sz="3200" dirty="0" err="1" smtClean="0"/>
+              <a:t>local_path:docker_path</a:t>
+            </a:r>
+            <a:r>
+              <a:rPr lang="en-US" altLang="zh-CN" sz="3200" dirty="0" smtClean="0"/>
+              <a:t> image-name</a:t>
             </a:r>
           </a:p>
           <a:p>
@@ -12682,7 +13317,49 @@
             </a:r>
             <a:r>
               <a:rPr lang="en-US" altLang="zh-CN" sz="3200" dirty="0" smtClean="0"/>
-              <a:t> run</a:t>
+              <a:t> start container-id</a:t>
+            </a:r>
+          </a:p>
+          <a:p>
+            <a:r>
+              <a:rPr lang="en-US" altLang="zh-CN" sz="3200" dirty="0" err="1" smtClean="0"/>
+              <a:t>docker</a:t>
+            </a:r>
+            <a:r>
+              <a:rPr lang="en-US" altLang="zh-CN" sz="3200" dirty="0" smtClean="0"/>
+              <a:t> stop container-id</a:t>
+            </a:r>
+          </a:p>
+          <a:p>
+            <a:r>
+              <a:rPr lang="en-US" altLang="zh-CN" sz="3200" dirty="0" err="1" smtClean="0"/>
+              <a:t>docker</a:t>
+            </a:r>
+            <a:r>
+              <a:rPr lang="en-US" altLang="zh-CN" sz="3200" dirty="0" smtClean="0"/>
+              <a:t> exec –it container-id bash</a:t>
+            </a:r>
+          </a:p>
+          <a:p>
+            <a:r>
+              <a:rPr lang="en-US" altLang="zh-CN" sz="3200" dirty="0" err="1" smtClean="0"/>
+              <a:t>docker</a:t>
+            </a:r>
+            <a:r>
+              <a:rPr lang="en-US" altLang="zh-CN" sz="3200" dirty="0" smtClean="0"/>
+              <a:t> build –t </a:t>
+            </a:r>
+            <a:r>
+              <a:rPr lang="en-US" altLang="zh-CN" sz="3200" dirty="0" err="1" smtClean="0"/>
+              <a:t>image:tag</a:t>
+            </a:r>
+            <a:r>
+              <a:rPr lang="en-US" altLang="zh-CN" sz="3200" dirty="0" smtClean="0"/>
+              <a:t> </a:t>
+            </a:r>
+            <a:r>
+              <a:rPr lang="en-US" altLang="zh-CN" sz="3200" dirty="0" err="1" smtClean="0"/>
+              <a:t>Dockerfile</a:t>
             </a:r>
             <a:endParaRPr lang="zh-CN" altLang="en-US" sz="3200" dirty="0"/>
           </a:p>
@@ -12691,7 +13368,7 @@
     </p:spTree>
     <p:extLst>
       <p:ext uri="{BB962C8B-B14F-4D97-AF65-F5344CB8AC3E}">
-        <p14:creationId xmlns="" xmlns:p14="http://schemas.microsoft.com/office/powerpoint/2010/main" val="3399076800"/>
+        <p14:creationId xmlns:p14="http://schemas.microsoft.com/office/powerpoint/2010/main" xmlns="" val="3399076800"/>
       </p:ext>
     </p:extLst>
   </p:cSld>
@@ -12699,7 +13376,7 @@
     <a:masterClrMapping/>
   </p:clrMapOvr>
   <mc:AlternateContent xmlns:mc="http://schemas.openxmlformats.org/markup-compatibility/2006">
-    <mc:Choice xmlns="" xmlns:p14="http://schemas.microsoft.com/office/powerpoint/2010/main" Requires="p14">
+    <mc:Choice xmlns:p14="http://schemas.microsoft.com/office/powerpoint/2010/main" xmlns="" Requires="p14">
       <p:transition spd="slow" p14:dur="1500">
         <p:random/>
       </p:transition>
@@ -13258,11 +13935,7 @@
             </a:r>
             <a:r>
               <a:rPr lang="en-US" altLang="zh-CN" sz="2800" dirty="0" smtClean="0"/>
-              <a:t> </a:t>
-            </a:r>
-            <a:r>
-              <a:rPr lang="en-US" altLang="zh-CN" sz="2800" dirty="0" smtClean="0"/>
-              <a:t>run --name </a:t>
+              <a:t> run --name </a:t>
             </a:r>
             <a:r>
               <a:rPr lang="en-US" altLang="zh-CN" sz="2800" dirty="0" err="1" smtClean="0"/>
@@ -13270,19 +13943,7 @@
             </a:r>
             <a:r>
               <a:rPr lang="en-US" altLang="zh-CN" sz="2800" dirty="0" smtClean="0"/>
-              <a:t> </a:t>
-            </a:r>
-            <a:r>
-              <a:rPr lang="en-US" altLang="zh-CN" sz="2800" dirty="0" smtClean="0"/>
-              <a:t>-e </a:t>
-            </a:r>
-            <a:r>
-              <a:rPr lang="en-US" altLang="zh-CN" sz="2800" dirty="0" smtClean="0"/>
-              <a:t>POSTGRES_PASSWORD=123456 </a:t>
-            </a:r>
-            <a:r>
-              <a:rPr lang="en-US" altLang="zh-CN" sz="2800" dirty="0" smtClean="0"/>
-              <a:t>-d </a:t>
+              <a:t> -e POSTGRES_PASSWORD=123456 -d </a:t>
             </a:r>
             <a:r>
               <a:rPr lang="en-US" altLang="zh-CN" sz="2800" smtClean="0"/>
@@ -13299,7 +13960,7 @@
     </p:spTree>
     <p:extLst>
       <p:ext uri="{BB962C8B-B14F-4D97-AF65-F5344CB8AC3E}">
-        <p14:creationId xmlns="" xmlns:p14="http://schemas.microsoft.com/office/powerpoint/2010/main" val="2123268970"/>
+        <p14:creationId xmlns:p14="http://schemas.microsoft.com/office/powerpoint/2010/main" xmlns="" val="2123268970"/>
       </p:ext>
     </p:extLst>
   </p:cSld>
@@ -13307,7 +13968,7 @@
     <a:masterClrMapping/>
   </p:clrMapOvr>
   <mc:AlternateContent xmlns:mc="http://schemas.openxmlformats.org/markup-compatibility/2006">
-    <mc:Choice xmlns="" xmlns:p14="http://schemas.microsoft.com/office/powerpoint/2010/main" Requires="p14">
+    <mc:Choice xmlns:p14="http://schemas.microsoft.com/office/powerpoint/2010/main" xmlns="" Requires="p14">
       <p:transition spd="slow" p14:dur="1500">
         <p:random/>
       </p:transition>
@@ -13752,14 +14413,14 @@
           <a:p>
             <a:pPr marL="0" lvl="1"/>
             <a:r>
-              <a:rPr lang="zh-CN" altLang="en-US" sz="2800" spc="300" dirty="0">
+              <a:rPr lang="en-US" altLang="zh-CN" sz="2800" spc="300" dirty="0" err="1" smtClean="0">
                 <a:solidFill>
                   <a:srgbClr val="0D4960"/>
                 </a:solidFill>
                 <a:latin typeface="方正尚酷简体" panose="03000509000000000000" pitchFamily="65" charset="-122"/>
                 <a:ea typeface="方正尚酷简体" panose="03000509000000000000" pitchFamily="65" charset="-122"/>
               </a:rPr>
-              <a:t>安装</a:t>
+              <a:t>mysql</a:t>
             </a:r>
             <a:endParaRPr lang="en-US" altLang="zh-CN" sz="2800" spc="300" dirty="0">
               <a:solidFill>
@@ -13808,10 +14469,444 @@
           </a:fontRef>
         </p:style>
       </p:cxnSp>
+      <p:sp>
+        <p:nvSpPr>
+          <p:cNvPr id="8" name="TextBox 7"/>
+          <p:cNvSpPr txBox="1"/>
+          <p:nvPr/>
+        </p:nvSpPr>
+        <p:spPr>
+          <a:xfrm>
+            <a:off x="1084752" y="802298"/>
+            <a:ext cx="9250738" cy="2031325"/>
+          </a:xfrm>
+          <a:prstGeom prst="rect">
+            <a:avLst/>
+          </a:prstGeom>
+          <a:noFill/>
+        </p:spPr>
+        <p:txBody>
+          <a:bodyPr wrap="square" rtlCol="0">
+            <a:spAutoFit/>
+          </a:bodyPr>
+          <a:lstStyle/>
+          <a:p>
+            <a:r>
+              <a:rPr lang="en-US" altLang="zh-CN" dirty="0" err="1" smtClean="0"/>
+              <a:t>docker</a:t>
+            </a:r>
+            <a:r>
+              <a:rPr lang="en-US" altLang="zh-CN" dirty="0" smtClean="0"/>
+              <a:t> pull </a:t>
+            </a:r>
+            <a:r>
+              <a:rPr lang="en-US" altLang="zh-CN" dirty="0" err="1" smtClean="0"/>
+              <a:t>mysql</a:t>
+            </a:r>
+            <a:endParaRPr lang="en-US" altLang="zh-CN" dirty="0" smtClean="0"/>
+          </a:p>
+          <a:p>
+            <a:r>
+              <a:rPr lang="en-US" altLang="zh-CN" dirty="0" err="1" smtClean="0"/>
+              <a:t>docker</a:t>
+            </a:r>
+            <a:r>
+              <a:rPr lang="en-US" altLang="zh-CN" dirty="0" smtClean="0"/>
+              <a:t> pull mysql:5.6</a:t>
+            </a:r>
+          </a:p>
+          <a:p>
+            <a:r>
+              <a:rPr lang="en-US" altLang="zh-CN" dirty="0" err="1" smtClean="0"/>
+              <a:t>docker</a:t>
+            </a:r>
+            <a:r>
+              <a:rPr lang="en-US" altLang="zh-CN" dirty="0" smtClean="0"/>
+              <a:t> run --name some-</a:t>
+            </a:r>
+            <a:r>
+              <a:rPr lang="en-US" altLang="zh-CN" dirty="0" err="1" smtClean="0"/>
+              <a:t>mysql</a:t>
+            </a:r>
+            <a:r>
+              <a:rPr lang="en-US" altLang="zh-CN" dirty="0" smtClean="0"/>
+              <a:t> –p 3306:3306 -e MYSQL_ROOT_PASSWORD=123456 -d mysql:5.6</a:t>
+            </a:r>
+          </a:p>
+          <a:p>
+            <a:r>
+              <a:rPr lang="en-US" altLang="zh-CN" dirty="0" err="1" smtClean="0"/>
+              <a:t>docker</a:t>
+            </a:r>
+            <a:r>
+              <a:rPr lang="en-US" altLang="zh-CN" dirty="0" smtClean="0"/>
+              <a:t> exec –it some-</a:t>
+            </a:r>
+            <a:r>
+              <a:rPr lang="en-US" altLang="zh-CN" dirty="0" err="1" smtClean="0"/>
+              <a:t>mysql</a:t>
+            </a:r>
+            <a:r>
+              <a:rPr lang="en-US" altLang="zh-CN" dirty="0" smtClean="0"/>
+              <a:t> bash</a:t>
+            </a:r>
+          </a:p>
+          <a:p>
+            <a:r>
+              <a:rPr lang="en-US" altLang="zh-CN" dirty="0" smtClean="0"/>
+              <a:t>#grant all privileges on *.* to 'root'@'%' identified by 'root' with grant option;</a:t>
+            </a:r>
+          </a:p>
+          <a:p>
+            <a:r>
+              <a:rPr lang="en-US" altLang="zh-CN" dirty="0" smtClean="0"/>
+              <a:t># update user set </a:t>
+            </a:r>
+            <a:r>
+              <a:rPr lang="en-US" altLang="zh-CN" dirty="0" err="1" smtClean="0"/>
+              <a:t>authentication_string</a:t>
+            </a:r>
+            <a:r>
+              <a:rPr lang="en-US" altLang="zh-CN" dirty="0" smtClean="0"/>
+              <a:t>=password('root') where user='root';</a:t>
+            </a:r>
+          </a:p>
+          <a:p>
+            <a:r>
+              <a:rPr lang="en-US" altLang="zh-CN" dirty="0" smtClean="0"/>
+              <a:t>////////</a:t>
+            </a:r>
+            <a:r>
+              <a:rPr lang="zh-CN" altLang="en-US" dirty="0" smtClean="0"/>
+              <a:t>局域网可访问</a:t>
+            </a:r>
+            <a:endParaRPr lang="en-US" altLang="zh-CN" dirty="0" smtClean="0"/>
+          </a:p>
+        </p:txBody>
+      </p:sp>
+      <p:sp>
+        <p:nvSpPr>
+          <p:cNvPr id="9" name="TextBox 8"/>
+          <p:cNvSpPr txBox="1"/>
+          <p:nvPr/>
+        </p:nvSpPr>
+        <p:spPr>
+          <a:xfrm>
+            <a:off x="1116624" y="2998178"/>
+            <a:ext cx="2106667" cy="677108"/>
+          </a:xfrm>
+          <a:prstGeom prst="rect">
+            <a:avLst/>
+          </a:prstGeom>
+          <a:noFill/>
+        </p:spPr>
+        <p:txBody>
+          <a:bodyPr wrap="none" rtlCol="0">
+            <a:spAutoFit/>
+          </a:bodyPr>
+          <a:lstStyle/>
+          <a:p>
+            <a:r>
+              <a:rPr lang="en-US" altLang="zh-CN" dirty="0" smtClean="0"/>
+              <a:t>/etc/</a:t>
+            </a:r>
+            <a:r>
+              <a:rPr lang="en-US" altLang="zh-CN" dirty="0" err="1" smtClean="0"/>
+              <a:t>mysql/my.cnf</a:t>
+            </a:r>
+            <a:endParaRPr lang="en-US" altLang="zh-CN" dirty="0" smtClean="0"/>
+          </a:p>
+          <a:p>
+            <a:r>
+              <a:rPr lang="en-US" altLang="zh-CN" sz="1000" dirty="0" smtClean="0"/>
+              <a:t>!</a:t>
+            </a:r>
+            <a:r>
+              <a:rPr lang="en-US" altLang="zh-CN" sz="1000" dirty="0" err="1" smtClean="0"/>
+              <a:t>includedir</a:t>
+            </a:r>
+            <a:r>
+              <a:rPr lang="en-US" altLang="zh-CN" sz="1000" dirty="0" smtClean="0"/>
+              <a:t> /etc/</a:t>
+            </a:r>
+            <a:r>
+              <a:rPr lang="en-US" altLang="zh-CN" sz="1000" dirty="0" err="1" smtClean="0"/>
+              <a:t>mysql/conf.d</a:t>
+            </a:r>
+            <a:r>
+              <a:rPr lang="en-US" altLang="zh-CN" sz="1000" dirty="0" smtClean="0"/>
+              <a:t>/</a:t>
+            </a:r>
+          </a:p>
+          <a:p>
+            <a:r>
+              <a:rPr lang="en-US" altLang="zh-CN" sz="1000" dirty="0" smtClean="0"/>
+              <a:t>!</a:t>
+            </a:r>
+            <a:r>
+              <a:rPr lang="en-US" altLang="zh-CN" sz="1000" dirty="0" err="1" smtClean="0"/>
+              <a:t>includedir</a:t>
+            </a:r>
+            <a:r>
+              <a:rPr lang="en-US" altLang="zh-CN" sz="1000" dirty="0" smtClean="0"/>
+              <a:t> /etc/</a:t>
+            </a:r>
+            <a:r>
+              <a:rPr lang="en-US" altLang="zh-CN" sz="1000" dirty="0" err="1" smtClean="0"/>
+              <a:t>mysql/mysql.conf.d</a:t>
+            </a:r>
+            <a:r>
+              <a:rPr lang="en-US" altLang="zh-CN" sz="1000" dirty="0" smtClean="0"/>
+              <a:t>/</a:t>
+            </a:r>
+            <a:endParaRPr lang="zh-CN" altLang="en-US" sz="1000" dirty="0"/>
+          </a:p>
+        </p:txBody>
+      </p:sp>
+      <p:sp>
+        <p:nvSpPr>
+          <p:cNvPr id="10" name="TextBox 9"/>
+          <p:cNvSpPr txBox="1"/>
+          <p:nvPr/>
+        </p:nvSpPr>
+        <p:spPr>
+          <a:xfrm>
+            <a:off x="1119555" y="3889132"/>
+            <a:ext cx="3564502" cy="830997"/>
+          </a:xfrm>
+          <a:prstGeom prst="rect">
+            <a:avLst/>
+          </a:prstGeom>
+          <a:noFill/>
+        </p:spPr>
+        <p:txBody>
+          <a:bodyPr wrap="none" rtlCol="0">
+            <a:spAutoFit/>
+          </a:bodyPr>
+          <a:lstStyle/>
+          <a:p>
+            <a:r>
+              <a:rPr lang="en-US" altLang="zh-CN" dirty="0" smtClean="0"/>
+              <a:t>/etc/</a:t>
+            </a:r>
+            <a:r>
+              <a:rPr lang="en-US" altLang="zh-CN" dirty="0" err="1" smtClean="0"/>
+              <a:t>mysql/mysql.conf.d/mysqld.cnf</a:t>
+            </a:r>
+            <a:endParaRPr lang="en-US" altLang="zh-CN" dirty="0" smtClean="0"/>
+          </a:p>
+          <a:p>
+            <a:r>
+              <a:rPr lang="en-US" altLang="zh-CN" sz="1000" dirty="0" err="1" smtClean="0"/>
+              <a:t>pid</a:t>
+            </a:r>
+            <a:r>
+              <a:rPr lang="en-US" altLang="zh-CN" sz="1000" dirty="0" smtClean="0"/>
+              <a:t>-file        = /</a:t>
+            </a:r>
+            <a:r>
+              <a:rPr lang="en-US" altLang="zh-CN" sz="1000" dirty="0" err="1" smtClean="0"/>
+              <a:t>var/run/mysqld/mysqld.pid</a:t>
+            </a:r>
+            <a:endParaRPr lang="en-US" altLang="zh-CN" sz="1000" dirty="0" smtClean="0"/>
+          </a:p>
+          <a:p>
+            <a:r>
+              <a:rPr lang="en-US" altLang="zh-CN" sz="1000" dirty="0" smtClean="0"/>
+              <a:t>socket          = /</a:t>
+            </a:r>
+            <a:r>
+              <a:rPr lang="en-US" altLang="zh-CN" sz="1000" dirty="0" err="1" smtClean="0"/>
+              <a:t>var/run/mysqld/mysqld.sock</a:t>
+            </a:r>
+            <a:endParaRPr lang="en-US" altLang="zh-CN" sz="1000" dirty="0" smtClean="0"/>
+          </a:p>
+          <a:p>
+            <a:r>
+              <a:rPr lang="en-US" altLang="zh-CN" sz="1000" dirty="0" err="1" smtClean="0"/>
+              <a:t>datadir</a:t>
+            </a:r>
+            <a:r>
+              <a:rPr lang="en-US" altLang="zh-CN" sz="1000" dirty="0" smtClean="0"/>
+              <a:t>         = /</a:t>
+            </a:r>
+            <a:r>
+              <a:rPr lang="en-US" altLang="zh-CN" sz="1000" dirty="0" err="1" smtClean="0"/>
+              <a:t>var/lib/mysql</a:t>
+            </a:r>
+            <a:endParaRPr lang="en-US" altLang="zh-CN" sz="1000" dirty="0" smtClean="0"/>
+          </a:p>
+        </p:txBody>
+      </p:sp>
+      <p:sp>
+        <p:nvSpPr>
+          <p:cNvPr id="12" name="TextBox 11"/>
+          <p:cNvSpPr txBox="1"/>
+          <p:nvPr/>
+        </p:nvSpPr>
+        <p:spPr>
+          <a:xfrm>
+            <a:off x="6453554" y="2963007"/>
+            <a:ext cx="4261872" cy="2031325"/>
+          </a:xfrm>
+          <a:prstGeom prst="rect">
+            <a:avLst/>
+          </a:prstGeom>
+          <a:noFill/>
+        </p:spPr>
+        <p:txBody>
+          <a:bodyPr wrap="none" rtlCol="0">
+            <a:spAutoFit/>
+          </a:bodyPr>
+          <a:lstStyle/>
+          <a:p>
+            <a:r>
+              <a:rPr lang="en-US" altLang="zh-CN" dirty="0" smtClean="0"/>
+              <a:t>#/conf/</a:t>
+            </a:r>
+            <a:r>
+              <a:rPr lang="en-US" altLang="zh-CN" dirty="0" err="1" smtClean="0"/>
+              <a:t>mysqld.cnf</a:t>
+            </a:r>
+            <a:endParaRPr lang="en-US" altLang="zh-CN" dirty="0" smtClean="0"/>
+          </a:p>
+          <a:p>
+            <a:endParaRPr lang="en-US" altLang="zh-CN" dirty="0" smtClean="0"/>
+          </a:p>
+          <a:p>
+            <a:r>
+              <a:rPr lang="en-US" altLang="zh-CN" dirty="0" smtClean="0"/>
+              <a:t>[</a:t>
+            </a:r>
+            <a:r>
+              <a:rPr lang="en-US" altLang="zh-CN" dirty="0" err="1" smtClean="0"/>
+              <a:t>mysqld</a:t>
+            </a:r>
+            <a:r>
+              <a:rPr lang="en-US" altLang="zh-CN" dirty="0" smtClean="0"/>
+              <a:t>]</a:t>
+            </a:r>
+          </a:p>
+          <a:p>
+            <a:r>
+              <a:rPr lang="en-US" altLang="zh-CN" dirty="0" err="1" smtClean="0"/>
+              <a:t>pid</a:t>
+            </a:r>
+            <a:r>
+              <a:rPr lang="en-US" altLang="zh-CN" dirty="0" smtClean="0"/>
+              <a:t>-file        = /</a:t>
+            </a:r>
+            <a:r>
+              <a:rPr lang="en-US" altLang="zh-CN" dirty="0" err="1" smtClean="0"/>
+              <a:t>var/run/mysqld/mysqld.pid</a:t>
+            </a:r>
+            <a:endParaRPr lang="en-US" altLang="zh-CN" dirty="0" smtClean="0"/>
+          </a:p>
+          <a:p>
+            <a:r>
+              <a:rPr lang="en-US" altLang="zh-CN" dirty="0" smtClean="0"/>
+              <a:t>socket          = /</a:t>
+            </a:r>
+            <a:r>
+              <a:rPr lang="en-US" altLang="zh-CN" dirty="0" err="1" smtClean="0"/>
+              <a:t>var/run/mysqld/mysqld.sock</a:t>
+            </a:r>
+            <a:endParaRPr lang="en-US" altLang="zh-CN" dirty="0" smtClean="0"/>
+          </a:p>
+          <a:p>
+            <a:r>
+              <a:rPr lang="en-US" altLang="zh-CN" dirty="0" err="1" smtClean="0"/>
+              <a:t>datadir</a:t>
+            </a:r>
+            <a:r>
+              <a:rPr lang="en-US" altLang="zh-CN" dirty="0" smtClean="0"/>
+              <a:t>         = /</a:t>
+            </a:r>
+            <a:r>
+              <a:rPr lang="en-US" altLang="zh-CN" dirty="0" err="1" smtClean="0"/>
+              <a:t>var/lib/mysql</a:t>
+            </a:r>
+            <a:endParaRPr lang="en-US" altLang="zh-CN" dirty="0" smtClean="0"/>
+          </a:p>
+          <a:p>
+            <a:r>
+              <a:rPr lang="en-US" altLang="zh-CN" dirty="0" smtClean="0"/>
+              <a:t>bind-address=0.0.0.0</a:t>
+            </a:r>
+            <a:endParaRPr lang="zh-CN" altLang="en-US" dirty="0"/>
+          </a:p>
+        </p:txBody>
+      </p:sp>
+      <p:sp>
+        <p:nvSpPr>
+          <p:cNvPr id="18" name="TextBox 17"/>
+          <p:cNvSpPr txBox="1"/>
+          <p:nvPr/>
+        </p:nvSpPr>
+        <p:spPr>
+          <a:xfrm>
+            <a:off x="3424995" y="5423724"/>
+            <a:ext cx="7794313" cy="646331"/>
+          </a:xfrm>
+          <a:prstGeom prst="rect">
+            <a:avLst/>
+          </a:prstGeom>
+          <a:noFill/>
+        </p:spPr>
+        <p:txBody>
+          <a:bodyPr wrap="none" rtlCol="0">
+            <a:spAutoFit/>
+          </a:bodyPr>
+          <a:lstStyle/>
+          <a:p>
+            <a:pPr marL="0" lvl="1"/>
+            <a:r>
+              <a:rPr lang="en-US" altLang="zh-CN" dirty="0" err="1" smtClean="0"/>
+              <a:t>docker</a:t>
+            </a:r>
+            <a:r>
+              <a:rPr lang="en-US" altLang="zh-CN" dirty="0" smtClean="0"/>
+              <a:t> run –name </a:t>
+            </a:r>
+            <a:r>
+              <a:rPr lang="en-US" altLang="zh-CN" dirty="0" err="1" smtClean="0"/>
+              <a:t>mydb</a:t>
+            </a:r>
+            <a:r>
+              <a:rPr lang="en-US" altLang="zh-CN" dirty="0" smtClean="0"/>
+              <a:t> –p 3333:3306 –v $PWD/conf:/etc/</a:t>
+            </a:r>
+            <a:r>
+              <a:rPr lang="en-US" altLang="zh-CN" dirty="0" err="1" smtClean="0"/>
+              <a:t>mysql.conf.d</a:t>
+            </a:r>
+            <a:r>
+              <a:rPr lang="en-US" altLang="zh-CN" dirty="0" smtClean="0"/>
+              <a:t> </a:t>
+            </a:r>
+          </a:p>
+          <a:p>
+            <a:pPr marL="0" lvl="1"/>
+            <a:r>
+              <a:rPr lang="en-US" altLang="zh-CN" dirty="0" smtClean="0"/>
+              <a:t>–v $PWD/data:/</a:t>
+            </a:r>
+            <a:r>
+              <a:rPr lang="en-US" altLang="zh-CN" dirty="0" err="1" smtClean="0"/>
+              <a:t>var/lib/mysql</a:t>
+            </a:r>
+            <a:r>
+              <a:rPr lang="en-US" altLang="zh-CN" dirty="0" smtClean="0"/>
+              <a:t> –e MYSQL_ROOT_PASSWORD=123456 -d mysql:5.6</a:t>
+            </a:r>
+            <a:endParaRPr lang="zh-CN" altLang="zh-CN" dirty="0" smtClean="0"/>
+          </a:p>
+        </p:txBody>
+      </p:sp>
     </p:spTree>
     <p:extLst>
       <p:ext uri="{BB962C8B-B14F-4D97-AF65-F5344CB8AC3E}">
-        <p14:creationId xmlns="" xmlns:p14="http://schemas.microsoft.com/office/powerpoint/2010/main" val="2250819296"/>
+        <p14:creationId xmlns:p14="http://schemas.microsoft.com/office/powerpoint/2010/main" xmlns="" val="2250819296"/>
       </p:ext>
     </p:extLst>
   </p:cSld>
@@ -13819,7 +14914,7 @@
     <a:masterClrMapping/>
   </p:clrMapOvr>
   <mc:AlternateContent xmlns:mc="http://schemas.openxmlformats.org/markup-compatibility/2006">
-    <mc:Choice xmlns="" xmlns:p14="http://schemas.microsoft.com/office/powerpoint/2010/main" Requires="p14">
+    <mc:Choice xmlns:p14="http://schemas.microsoft.com/office/powerpoint/2010/main" xmlns="" Requires="p14">
       <p:transition spd="slow" p14:dur="1500">
         <p:random/>
       </p:transition>
@@ -14264,14 +15359,14 @@
           <a:p>
             <a:pPr marL="0" lvl="1"/>
             <a:r>
-              <a:rPr lang="zh-CN" altLang="en-US" sz="2800" spc="300" dirty="0">
+              <a:rPr lang="en-US" altLang="zh-CN" sz="2800" spc="300" dirty="0" err="1" smtClean="0">
                 <a:solidFill>
                   <a:srgbClr val="0D4960"/>
                 </a:solidFill>
                 <a:latin typeface="方正尚酷简体" panose="03000509000000000000" pitchFamily="65" charset="-122"/>
                 <a:ea typeface="方正尚酷简体" panose="03000509000000000000" pitchFamily="65" charset="-122"/>
               </a:rPr>
-              <a:t>安装</a:t>
+              <a:t>nginx</a:t>
             </a:r>
             <a:endParaRPr lang="en-US" altLang="zh-CN" sz="2800" spc="300" dirty="0">
               <a:solidFill>
@@ -14320,10 +15415,748 @@
           </a:fontRef>
         </p:style>
       </p:cxnSp>
+      <p:sp>
+        <p:nvSpPr>
+          <p:cNvPr id="8" name="TextBox 7"/>
+          <p:cNvSpPr txBox="1"/>
+          <p:nvPr/>
+        </p:nvSpPr>
+        <p:spPr>
+          <a:xfrm>
+            <a:off x="1134208" y="949569"/>
+            <a:ext cx="1776512" cy="369332"/>
+          </a:xfrm>
+          <a:prstGeom prst="rect">
+            <a:avLst/>
+          </a:prstGeom>
+          <a:noFill/>
+        </p:spPr>
+        <p:txBody>
+          <a:bodyPr wrap="none" rtlCol="0">
+            <a:spAutoFit/>
+          </a:bodyPr>
+          <a:lstStyle/>
+          <a:p>
+            <a:r>
+              <a:rPr lang="en-US" altLang="zh-CN" dirty="0" err="1" smtClean="0"/>
+              <a:t>docker</a:t>
+            </a:r>
+            <a:r>
+              <a:rPr lang="en-US" altLang="zh-CN" dirty="0" smtClean="0"/>
+              <a:t> pull </a:t>
+            </a:r>
+            <a:r>
+              <a:rPr lang="en-US" altLang="zh-CN" dirty="0" err="1" smtClean="0"/>
+              <a:t>nginx</a:t>
+            </a:r>
+            <a:endParaRPr lang="en-US" altLang="zh-CN" dirty="0" smtClean="0"/>
+          </a:p>
+        </p:txBody>
+      </p:sp>
+      <p:sp>
+        <p:nvSpPr>
+          <p:cNvPr id="9" name="圆角矩形 8"/>
+          <p:cNvSpPr/>
+          <p:nvPr/>
+        </p:nvSpPr>
+        <p:spPr>
+          <a:xfrm>
+            <a:off x="800100" y="1406769"/>
+            <a:ext cx="5337464" cy="4325816"/>
+          </a:xfrm>
+          <a:prstGeom prst="roundRect">
+            <a:avLst/>
+          </a:prstGeom>
+        </p:spPr>
+        <p:style>
+          <a:lnRef idx="2">
+            <a:schemeClr val="accent6"/>
+          </a:lnRef>
+          <a:fillRef idx="1">
+            <a:schemeClr val="lt1"/>
+          </a:fillRef>
+          <a:effectRef idx="0">
+            <a:schemeClr val="accent6"/>
+          </a:effectRef>
+          <a:fontRef idx="minor">
+            <a:schemeClr val="dk1"/>
+          </a:fontRef>
+        </p:style>
+        <p:txBody>
+          <a:bodyPr rtlCol="0" anchor="t"/>
+          <a:lstStyle/>
+          <a:p>
+            <a:r>
+              <a:rPr lang="en-US" altLang="zh-CN" dirty="0" smtClean="0"/>
+              <a:t>/etc/</a:t>
+            </a:r>
+            <a:r>
+              <a:rPr lang="en-US" altLang="zh-CN" dirty="0" err="1" smtClean="0"/>
+              <a:t>nginx/nginx.conf</a:t>
+            </a:r>
+            <a:endParaRPr lang="zh-CN" altLang="en-US" dirty="0"/>
+          </a:p>
+        </p:txBody>
+      </p:sp>
+      <p:sp>
+        <p:nvSpPr>
+          <p:cNvPr id="10" name="圆角矩形 9"/>
+          <p:cNvSpPr/>
+          <p:nvPr/>
+        </p:nvSpPr>
+        <p:spPr>
+          <a:xfrm>
+            <a:off x="6248400" y="1379060"/>
+            <a:ext cx="5361709" cy="4239226"/>
+          </a:xfrm>
+          <a:prstGeom prst="roundRect">
+            <a:avLst/>
+          </a:prstGeom>
+        </p:spPr>
+        <p:style>
+          <a:lnRef idx="2">
+            <a:schemeClr val="accent6"/>
+          </a:lnRef>
+          <a:fillRef idx="1">
+            <a:schemeClr val="lt1"/>
+          </a:fillRef>
+          <a:effectRef idx="0">
+            <a:schemeClr val="accent6"/>
+          </a:effectRef>
+          <a:fontRef idx="minor">
+            <a:schemeClr val="dk1"/>
+          </a:fontRef>
+        </p:style>
+        <p:txBody>
+          <a:bodyPr rtlCol="0" anchor="t"/>
+          <a:lstStyle/>
+          <a:p>
+            <a:r>
+              <a:rPr lang="en-US" altLang="zh-CN" dirty="0" smtClean="0"/>
+              <a:t>/etc/</a:t>
+            </a:r>
+            <a:r>
+              <a:rPr lang="en-US" altLang="zh-CN" dirty="0" err="1" smtClean="0"/>
+              <a:t>nginx/conf.d/default.conf</a:t>
+            </a:r>
+            <a:endParaRPr lang="zh-CN" altLang="en-US" dirty="0"/>
+          </a:p>
+        </p:txBody>
+      </p:sp>
+      <p:sp>
+        <p:nvSpPr>
+          <p:cNvPr id="12" name="TextBox 11"/>
+          <p:cNvSpPr txBox="1"/>
+          <p:nvPr/>
+        </p:nvSpPr>
+        <p:spPr>
+          <a:xfrm>
+            <a:off x="914400" y="1967345"/>
+            <a:ext cx="5050293" cy="3785652"/>
+          </a:xfrm>
+          <a:prstGeom prst="rect">
+            <a:avLst/>
+          </a:prstGeom>
+          <a:noFill/>
+        </p:spPr>
+        <p:txBody>
+          <a:bodyPr wrap="none" rtlCol="0">
+            <a:spAutoFit/>
+          </a:bodyPr>
+          <a:lstStyle/>
+          <a:p>
+            <a:r>
+              <a:rPr lang="en-US" altLang="zh-CN" sz="1200" dirty="0" smtClean="0"/>
+              <a:t>user  </a:t>
+            </a:r>
+            <a:r>
+              <a:rPr lang="en-US" altLang="zh-CN" sz="1200" dirty="0" err="1" smtClean="0"/>
+              <a:t>nginx</a:t>
+            </a:r>
+            <a:r>
+              <a:rPr lang="en-US" altLang="zh-CN" sz="1200" dirty="0" smtClean="0"/>
+              <a:t>;</a:t>
+            </a:r>
+          </a:p>
+          <a:p>
+            <a:r>
+              <a:rPr lang="en-US" altLang="zh-CN" sz="1200" dirty="0" err="1" smtClean="0"/>
+              <a:t>worker_processes</a:t>
+            </a:r>
+            <a:r>
+              <a:rPr lang="en-US" altLang="zh-CN" sz="1200" dirty="0" smtClean="0"/>
+              <a:t>  1;</a:t>
+            </a:r>
+          </a:p>
+          <a:p>
+            <a:r>
+              <a:rPr lang="en-US" altLang="zh-CN" sz="1200" dirty="0" err="1" smtClean="0"/>
+              <a:t>error_log</a:t>
+            </a:r>
+            <a:r>
+              <a:rPr lang="en-US" altLang="zh-CN" sz="1200" dirty="0" smtClean="0"/>
+              <a:t>  /</a:t>
+            </a:r>
+            <a:r>
+              <a:rPr lang="en-US" altLang="zh-CN" sz="1200" dirty="0" err="1" smtClean="0"/>
+              <a:t>var/log/nginx/error.log</a:t>
+            </a:r>
+            <a:r>
+              <a:rPr lang="en-US" altLang="zh-CN" sz="1200" dirty="0" smtClean="0"/>
+              <a:t> warn;</a:t>
+            </a:r>
+          </a:p>
+          <a:p>
+            <a:r>
+              <a:rPr lang="en-US" altLang="zh-CN" sz="1200" dirty="0" err="1" smtClean="0"/>
+              <a:t>pid</a:t>
+            </a:r>
+            <a:r>
+              <a:rPr lang="en-US" altLang="zh-CN" sz="1200" dirty="0" smtClean="0"/>
+              <a:t>        /</a:t>
+            </a:r>
+            <a:r>
+              <a:rPr lang="en-US" altLang="zh-CN" sz="1200" dirty="0" err="1" smtClean="0"/>
+              <a:t>var/run/nginx.pid</a:t>
+            </a:r>
+            <a:r>
+              <a:rPr lang="en-US" altLang="zh-CN" sz="1200" dirty="0" smtClean="0"/>
+              <a:t>;</a:t>
+            </a:r>
+          </a:p>
+          <a:p>
+            <a:r>
+              <a:rPr lang="en-US" altLang="zh-CN" sz="1200" dirty="0" smtClean="0"/>
+              <a:t>events {</a:t>
+            </a:r>
+          </a:p>
+          <a:p>
+            <a:r>
+              <a:rPr lang="en-US" altLang="zh-CN" sz="1200" dirty="0" smtClean="0"/>
+              <a:t>    </a:t>
+            </a:r>
+            <a:r>
+              <a:rPr lang="en-US" altLang="zh-CN" sz="1200" dirty="0" err="1" smtClean="0"/>
+              <a:t>worker_connections</a:t>
+            </a:r>
+            <a:r>
+              <a:rPr lang="en-US" altLang="zh-CN" sz="1200" dirty="0" smtClean="0"/>
+              <a:t>  1024;</a:t>
+            </a:r>
+          </a:p>
+          <a:p>
+            <a:r>
+              <a:rPr lang="en-US" altLang="zh-CN" sz="1200" dirty="0" smtClean="0"/>
+              <a:t>}</a:t>
+            </a:r>
+          </a:p>
+          <a:p>
+            <a:r>
+              <a:rPr lang="en-US" altLang="zh-CN" sz="1200" dirty="0" smtClean="0"/>
+              <a:t>http {</a:t>
+            </a:r>
+          </a:p>
+          <a:p>
+            <a:r>
+              <a:rPr lang="en-US" altLang="zh-CN" sz="1200" dirty="0" smtClean="0"/>
+              <a:t>    include       /etc/</a:t>
+            </a:r>
+            <a:r>
+              <a:rPr lang="en-US" altLang="zh-CN" sz="1200" dirty="0" err="1" smtClean="0"/>
+              <a:t>nginx/mime.types</a:t>
+            </a:r>
+            <a:r>
+              <a:rPr lang="en-US" altLang="zh-CN" sz="1200" dirty="0" smtClean="0"/>
+              <a:t>;</a:t>
+            </a:r>
+          </a:p>
+          <a:p>
+            <a:r>
+              <a:rPr lang="en-US" altLang="zh-CN" sz="1200" dirty="0" smtClean="0"/>
+              <a:t>    </a:t>
+            </a:r>
+            <a:r>
+              <a:rPr lang="en-US" altLang="zh-CN" sz="1200" dirty="0" err="1" smtClean="0"/>
+              <a:t>default_type</a:t>
+            </a:r>
+            <a:r>
+              <a:rPr lang="en-US" altLang="zh-CN" sz="1200" dirty="0" smtClean="0"/>
+              <a:t>  application/octet-stream;</a:t>
+            </a:r>
+          </a:p>
+          <a:p>
+            <a:r>
+              <a:rPr lang="en-US" altLang="zh-CN" sz="1200" dirty="0" smtClean="0"/>
+              <a:t>    </a:t>
+            </a:r>
+            <a:r>
+              <a:rPr lang="en-US" altLang="zh-CN" sz="1200" dirty="0" err="1" smtClean="0"/>
+              <a:t>log_format</a:t>
+            </a:r>
+            <a:r>
+              <a:rPr lang="en-US" altLang="zh-CN" sz="1200" dirty="0" smtClean="0"/>
+              <a:t>  main  '$</a:t>
+            </a:r>
+            <a:r>
+              <a:rPr lang="en-US" altLang="zh-CN" sz="1200" dirty="0" err="1" smtClean="0"/>
+              <a:t>remote_addr</a:t>
+            </a:r>
+            <a:r>
+              <a:rPr lang="en-US" altLang="zh-CN" sz="1200" dirty="0" smtClean="0"/>
+              <a:t> - $</a:t>
+            </a:r>
+            <a:r>
+              <a:rPr lang="en-US" altLang="zh-CN" sz="1200" dirty="0" err="1" smtClean="0"/>
+              <a:t>remote_user</a:t>
+            </a:r>
+            <a:r>
+              <a:rPr lang="en-US" altLang="zh-CN" sz="1200" dirty="0" smtClean="0"/>
+              <a:t> [$</a:t>
+            </a:r>
+            <a:r>
+              <a:rPr lang="en-US" altLang="zh-CN" sz="1200" dirty="0" err="1" smtClean="0"/>
+              <a:t>time_local</a:t>
+            </a:r>
+            <a:r>
+              <a:rPr lang="en-US" altLang="zh-CN" sz="1200" dirty="0" smtClean="0"/>
+              <a:t>] "$request" '</a:t>
+            </a:r>
+          </a:p>
+          <a:p>
+            <a:r>
+              <a:rPr lang="en-US" altLang="zh-CN" sz="1200" dirty="0" smtClean="0"/>
+              <a:t>                      '$status $</a:t>
+            </a:r>
+            <a:r>
+              <a:rPr lang="en-US" altLang="zh-CN" sz="1200" dirty="0" err="1" smtClean="0"/>
+              <a:t>body_bytes_sent</a:t>
+            </a:r>
+            <a:r>
+              <a:rPr lang="en-US" altLang="zh-CN" sz="1200" dirty="0" smtClean="0"/>
+              <a:t> "$</a:t>
+            </a:r>
+            <a:r>
+              <a:rPr lang="en-US" altLang="zh-CN" sz="1200" dirty="0" err="1" smtClean="0"/>
+              <a:t>http_referer</a:t>
+            </a:r>
+            <a:r>
+              <a:rPr lang="en-US" altLang="zh-CN" sz="1200" dirty="0" smtClean="0"/>
+              <a:t>" '</a:t>
+            </a:r>
+          </a:p>
+          <a:p>
+            <a:r>
+              <a:rPr lang="en-US" altLang="zh-CN" sz="1200" dirty="0" smtClean="0"/>
+              <a:t>                      '"$</a:t>
+            </a:r>
+            <a:r>
+              <a:rPr lang="en-US" altLang="zh-CN" sz="1200" dirty="0" err="1" smtClean="0"/>
+              <a:t>http_user_agent</a:t>
+            </a:r>
+            <a:r>
+              <a:rPr lang="en-US" altLang="zh-CN" sz="1200" dirty="0" smtClean="0"/>
+              <a:t>" "$</a:t>
+            </a:r>
+            <a:r>
+              <a:rPr lang="en-US" altLang="zh-CN" sz="1200" dirty="0" err="1" smtClean="0"/>
+              <a:t>http_x_forwarded_for</a:t>
+            </a:r>
+            <a:r>
+              <a:rPr lang="en-US" altLang="zh-CN" sz="1200" dirty="0" smtClean="0"/>
+              <a:t>"';</a:t>
+            </a:r>
+          </a:p>
+          <a:p>
+            <a:r>
+              <a:rPr lang="en-US" altLang="zh-CN" sz="1200" dirty="0" smtClean="0"/>
+              <a:t>    </a:t>
+            </a:r>
+            <a:r>
+              <a:rPr lang="en-US" altLang="zh-CN" sz="1200" dirty="0" err="1" smtClean="0"/>
+              <a:t>access_log</a:t>
+            </a:r>
+            <a:r>
+              <a:rPr lang="en-US" altLang="zh-CN" sz="1200" dirty="0" smtClean="0"/>
+              <a:t>  /</a:t>
+            </a:r>
+            <a:r>
+              <a:rPr lang="en-US" altLang="zh-CN" sz="1200" dirty="0" err="1" smtClean="0"/>
+              <a:t>var/log/nginx/access.log</a:t>
+            </a:r>
+            <a:r>
+              <a:rPr lang="en-US" altLang="zh-CN" sz="1200" dirty="0" smtClean="0"/>
+              <a:t>  main;</a:t>
+            </a:r>
+          </a:p>
+          <a:p>
+            <a:r>
+              <a:rPr lang="en-US" altLang="zh-CN" sz="1200" dirty="0" smtClean="0"/>
+              <a:t>    </a:t>
+            </a:r>
+            <a:r>
+              <a:rPr lang="en-US" altLang="zh-CN" sz="1200" dirty="0" err="1" smtClean="0"/>
+              <a:t>sendfile</a:t>
+            </a:r>
+            <a:r>
+              <a:rPr lang="en-US" altLang="zh-CN" sz="1200" dirty="0" smtClean="0"/>
+              <a:t>        on;</a:t>
+            </a:r>
+          </a:p>
+          <a:p>
+            <a:r>
+              <a:rPr lang="en-US" altLang="zh-CN" sz="1200" dirty="0" smtClean="0"/>
+              <a:t>    #</a:t>
+            </a:r>
+            <a:r>
+              <a:rPr lang="en-US" altLang="zh-CN" sz="1200" dirty="0" err="1" smtClean="0"/>
+              <a:t>tcp_nopush</a:t>
+            </a:r>
+            <a:r>
+              <a:rPr lang="en-US" altLang="zh-CN" sz="1200" dirty="0" smtClean="0"/>
+              <a:t>     on;</a:t>
+            </a:r>
+          </a:p>
+          <a:p>
+            <a:r>
+              <a:rPr lang="en-US" altLang="zh-CN" sz="1200" dirty="0" smtClean="0"/>
+              <a:t>    </a:t>
+            </a:r>
+            <a:r>
+              <a:rPr lang="en-US" altLang="zh-CN" sz="1200" dirty="0" err="1" smtClean="0"/>
+              <a:t>keepalive_timeout</a:t>
+            </a:r>
+            <a:r>
+              <a:rPr lang="en-US" altLang="zh-CN" sz="1200" dirty="0" smtClean="0"/>
+              <a:t>  65;</a:t>
+            </a:r>
+          </a:p>
+          <a:p>
+            <a:r>
+              <a:rPr lang="en-US" altLang="zh-CN" sz="1200" dirty="0" smtClean="0"/>
+              <a:t>    #</a:t>
+            </a:r>
+            <a:r>
+              <a:rPr lang="en-US" altLang="zh-CN" sz="1200" dirty="0" err="1" smtClean="0"/>
+              <a:t>gzip</a:t>
+            </a:r>
+            <a:r>
+              <a:rPr lang="en-US" altLang="zh-CN" sz="1200" dirty="0" smtClean="0"/>
+              <a:t>  on;</a:t>
+            </a:r>
+          </a:p>
+          <a:p>
+            <a:r>
+              <a:rPr lang="en-US" altLang="zh-CN" sz="1200" dirty="0" smtClean="0"/>
+              <a:t>   </a:t>
+            </a:r>
+            <a:r>
+              <a:rPr lang="en-US" altLang="zh-CN" sz="1200" dirty="0" smtClean="0">
+                <a:solidFill>
+                  <a:srgbClr val="FF0000"/>
+                </a:solidFill>
+              </a:rPr>
+              <a:t> include /etc/</a:t>
+            </a:r>
+            <a:r>
+              <a:rPr lang="en-US" altLang="zh-CN" sz="1200" dirty="0" err="1" smtClean="0">
+                <a:solidFill>
+                  <a:srgbClr val="FF0000"/>
+                </a:solidFill>
+              </a:rPr>
+              <a:t>nginx/conf.d</a:t>
+            </a:r>
+            <a:r>
+              <a:rPr lang="en-US" altLang="zh-CN" sz="1200" dirty="0" smtClean="0">
+                <a:solidFill>
+                  <a:srgbClr val="FF0000"/>
+                </a:solidFill>
+              </a:rPr>
+              <a:t>/*.conf;</a:t>
+            </a:r>
+          </a:p>
+          <a:p>
+            <a:r>
+              <a:rPr lang="en-US" altLang="zh-CN" sz="1200" dirty="0" smtClean="0"/>
+              <a:t>}</a:t>
+            </a:r>
+            <a:endParaRPr lang="zh-CN" altLang="en-US" sz="1200" dirty="0"/>
+          </a:p>
+        </p:txBody>
+      </p:sp>
+      <p:sp>
+        <p:nvSpPr>
+          <p:cNvPr id="18" name="TextBox 17"/>
+          <p:cNvSpPr txBox="1"/>
+          <p:nvPr/>
+        </p:nvSpPr>
+        <p:spPr>
+          <a:xfrm>
+            <a:off x="6594763" y="2064327"/>
+            <a:ext cx="4475264" cy="3539430"/>
+          </a:xfrm>
+          <a:prstGeom prst="rect">
+            <a:avLst/>
+          </a:prstGeom>
+          <a:noFill/>
+        </p:spPr>
+        <p:txBody>
+          <a:bodyPr wrap="none" rtlCol="0">
+            <a:spAutoFit/>
+          </a:bodyPr>
+          <a:lstStyle/>
+          <a:p>
+            <a:r>
+              <a:rPr lang="en-US" altLang="zh-CN" sz="1400" dirty="0" smtClean="0"/>
+              <a:t>server {</a:t>
+            </a:r>
+          </a:p>
+          <a:p>
+            <a:r>
+              <a:rPr lang="en-US" altLang="zh-CN" sz="1400" dirty="0" smtClean="0"/>
+              <a:t>    listen       80;</a:t>
+            </a:r>
+          </a:p>
+          <a:p>
+            <a:r>
+              <a:rPr lang="en-US" altLang="zh-CN" sz="1400" dirty="0" smtClean="0"/>
+              <a:t>    </a:t>
+            </a:r>
+            <a:r>
+              <a:rPr lang="en-US" altLang="zh-CN" sz="1400" dirty="0" err="1" smtClean="0"/>
+              <a:t>server_name</a:t>
+            </a:r>
+            <a:r>
+              <a:rPr lang="en-US" altLang="zh-CN" sz="1400" dirty="0" smtClean="0"/>
+              <a:t>  </a:t>
+            </a:r>
+            <a:r>
+              <a:rPr lang="en-US" altLang="zh-CN" sz="1400" dirty="0" err="1" smtClean="0"/>
+              <a:t>localhost</a:t>
+            </a:r>
+            <a:r>
+              <a:rPr lang="en-US" altLang="zh-CN" sz="1400" dirty="0" smtClean="0"/>
+              <a:t>;</a:t>
+            </a:r>
+          </a:p>
+          <a:p>
+            <a:r>
+              <a:rPr lang="en-US" altLang="zh-CN" sz="1400" dirty="0" smtClean="0"/>
+              <a:t>    #</a:t>
+            </a:r>
+            <a:r>
+              <a:rPr lang="en-US" altLang="zh-CN" sz="1400" dirty="0" err="1" smtClean="0"/>
+              <a:t>charset</a:t>
+            </a:r>
+            <a:r>
+              <a:rPr lang="en-US" altLang="zh-CN" sz="1400" dirty="0" smtClean="0"/>
+              <a:t> koi8-r;</a:t>
+            </a:r>
+          </a:p>
+          <a:p>
+            <a:r>
+              <a:rPr lang="en-US" altLang="zh-CN" sz="1400" dirty="0" smtClean="0"/>
+              <a:t>    #</a:t>
+            </a:r>
+            <a:r>
+              <a:rPr lang="en-US" altLang="zh-CN" sz="1400" dirty="0" err="1" smtClean="0"/>
+              <a:t>access_log</a:t>
+            </a:r>
+            <a:r>
+              <a:rPr lang="en-US" altLang="zh-CN" sz="1400" dirty="0" smtClean="0"/>
+              <a:t>  /</a:t>
+            </a:r>
+            <a:r>
+              <a:rPr lang="en-US" altLang="zh-CN" sz="1400" dirty="0" err="1" smtClean="0"/>
+              <a:t>var/log/nginx/host.access.log</a:t>
+            </a:r>
+            <a:r>
+              <a:rPr lang="en-US" altLang="zh-CN" sz="1400" dirty="0" smtClean="0"/>
+              <a:t>  main;</a:t>
+            </a:r>
+          </a:p>
+          <a:p>
+            <a:r>
+              <a:rPr lang="en-US" altLang="zh-CN" sz="1400" dirty="0" smtClean="0"/>
+              <a:t>    location / {</a:t>
+            </a:r>
+          </a:p>
+          <a:p>
+            <a:r>
+              <a:rPr lang="en-US" altLang="zh-CN" sz="1400" dirty="0" smtClean="0"/>
+              <a:t>        root   /</a:t>
+            </a:r>
+            <a:r>
+              <a:rPr lang="en-US" altLang="zh-CN" sz="1400" dirty="0" err="1" smtClean="0"/>
+              <a:t>usr/share/nginx/html</a:t>
+            </a:r>
+            <a:r>
+              <a:rPr lang="en-US" altLang="zh-CN" sz="1400" dirty="0" smtClean="0"/>
+              <a:t>;</a:t>
+            </a:r>
+          </a:p>
+          <a:p>
+            <a:r>
+              <a:rPr lang="en-US" altLang="zh-CN" sz="1400" dirty="0" smtClean="0"/>
+              <a:t>        index  </a:t>
+            </a:r>
+            <a:r>
+              <a:rPr lang="en-US" altLang="zh-CN" sz="1400" dirty="0" err="1" smtClean="0"/>
+              <a:t>index.html</a:t>
+            </a:r>
+            <a:r>
+              <a:rPr lang="en-US" altLang="zh-CN" sz="1400" dirty="0" smtClean="0"/>
+              <a:t> </a:t>
+            </a:r>
+            <a:r>
+              <a:rPr lang="en-US" altLang="zh-CN" sz="1400" dirty="0" err="1" smtClean="0"/>
+              <a:t>index.htm</a:t>
+            </a:r>
+            <a:r>
+              <a:rPr lang="en-US" altLang="zh-CN" sz="1400" dirty="0" smtClean="0"/>
+              <a:t>;</a:t>
+            </a:r>
+          </a:p>
+          <a:p>
+            <a:r>
+              <a:rPr lang="en-US" altLang="zh-CN" sz="1400" dirty="0" smtClean="0"/>
+              <a:t>    }</a:t>
+            </a:r>
+          </a:p>
+          <a:p>
+            <a:r>
+              <a:rPr lang="en-US" altLang="zh-CN" sz="1400" dirty="0" smtClean="0"/>
+              <a:t>    #</a:t>
+            </a:r>
+            <a:r>
+              <a:rPr lang="en-US" altLang="zh-CN" sz="1400" dirty="0" err="1" smtClean="0"/>
+              <a:t>error_page</a:t>
+            </a:r>
+            <a:r>
+              <a:rPr lang="en-US" altLang="zh-CN" sz="1400" dirty="0" smtClean="0"/>
+              <a:t>  404              /404.html;</a:t>
+            </a:r>
+          </a:p>
+          <a:p>
+            <a:r>
+              <a:rPr lang="en-US" altLang="zh-CN" sz="1400" dirty="0" smtClean="0"/>
+              <a:t>    # redirect server error pages to the static page /50x.html</a:t>
+            </a:r>
+          </a:p>
+          <a:p>
+            <a:r>
+              <a:rPr lang="en-US" altLang="zh-CN" sz="1400" dirty="0" smtClean="0"/>
+              <a:t>    </a:t>
+            </a:r>
+            <a:r>
+              <a:rPr lang="en-US" altLang="zh-CN" sz="1400" dirty="0" err="1" smtClean="0"/>
+              <a:t>error_page</a:t>
+            </a:r>
+            <a:r>
+              <a:rPr lang="en-US" altLang="zh-CN" sz="1400" dirty="0" smtClean="0"/>
+              <a:t>   500 502 503 504  /50x.html;</a:t>
+            </a:r>
+          </a:p>
+          <a:p>
+            <a:r>
+              <a:rPr lang="en-US" altLang="zh-CN" sz="1400" dirty="0" smtClean="0"/>
+              <a:t>    location = /50x.html {</a:t>
+            </a:r>
+          </a:p>
+          <a:p>
+            <a:r>
+              <a:rPr lang="en-US" altLang="zh-CN" sz="1400" dirty="0" smtClean="0"/>
+              <a:t>        root   /</a:t>
+            </a:r>
+            <a:r>
+              <a:rPr lang="en-US" altLang="zh-CN" sz="1400" dirty="0" err="1" smtClean="0"/>
+              <a:t>usr/share/nginx/html</a:t>
+            </a:r>
+            <a:r>
+              <a:rPr lang="en-US" altLang="zh-CN" sz="1400" dirty="0" smtClean="0"/>
+              <a:t>;</a:t>
+            </a:r>
+          </a:p>
+          <a:p>
+            <a:r>
+              <a:rPr lang="en-US" altLang="zh-CN" sz="1400" dirty="0" smtClean="0"/>
+              <a:t>    }</a:t>
+            </a:r>
+          </a:p>
+          <a:p>
+            <a:r>
+              <a:rPr lang="en-US" altLang="zh-CN" sz="1400" dirty="0" smtClean="0"/>
+              <a:t>}</a:t>
+            </a:r>
+            <a:endParaRPr lang="zh-CN" altLang="en-US" sz="1400" dirty="0"/>
+          </a:p>
+        </p:txBody>
+      </p:sp>
+      <p:sp>
+        <p:nvSpPr>
+          <p:cNvPr id="19" name="TextBox 18"/>
+          <p:cNvSpPr txBox="1"/>
+          <p:nvPr/>
+        </p:nvSpPr>
+        <p:spPr>
+          <a:xfrm>
+            <a:off x="633046" y="5890846"/>
+            <a:ext cx="10970888" cy="369332"/>
+          </a:xfrm>
+          <a:prstGeom prst="rect">
+            <a:avLst/>
+          </a:prstGeom>
+          <a:noFill/>
+        </p:spPr>
+        <p:txBody>
+          <a:bodyPr wrap="none" rtlCol="0">
+            <a:spAutoFit/>
+          </a:bodyPr>
+          <a:lstStyle/>
+          <a:p>
+            <a:r>
+              <a:rPr lang="en-US" altLang="zh-CN" dirty="0" err="1" smtClean="0"/>
+              <a:t>docker</a:t>
+            </a:r>
+            <a:r>
+              <a:rPr lang="en-US" altLang="zh-CN" dirty="0" smtClean="0"/>
+              <a:t> run --name </a:t>
+            </a:r>
+            <a:r>
+              <a:rPr lang="en-US" altLang="zh-CN" dirty="0" err="1" smtClean="0"/>
+              <a:t>myweb</a:t>
+            </a:r>
+            <a:r>
+              <a:rPr lang="en-US" altLang="zh-CN" dirty="0" smtClean="0"/>
+              <a:t> -p 80:80 -v $PWD/html:/</a:t>
+            </a:r>
+            <a:r>
+              <a:rPr lang="en-US" altLang="zh-CN" dirty="0" err="1" smtClean="0"/>
+              <a:t>usr/share/nginx/html</a:t>
+            </a:r>
+            <a:r>
+              <a:rPr lang="en-US" altLang="zh-CN" dirty="0" smtClean="0"/>
+              <a:t>/ -v $PWD/conf:/etc/</a:t>
+            </a:r>
+            <a:r>
+              <a:rPr lang="en-US" altLang="zh-CN" dirty="0" err="1" smtClean="0"/>
+              <a:t>nginx/conf.d</a:t>
+            </a:r>
+            <a:r>
+              <a:rPr lang="en-US" altLang="zh-CN" dirty="0" smtClean="0"/>
+              <a:t> -d </a:t>
+            </a:r>
+            <a:r>
+              <a:rPr lang="en-US" altLang="zh-CN" dirty="0" err="1" smtClean="0"/>
+              <a:t>nginx</a:t>
+            </a:r>
+            <a:endParaRPr lang="zh-CN" altLang="en-US" dirty="0"/>
+          </a:p>
+        </p:txBody>
+      </p:sp>
     </p:spTree>
     <p:extLst>
       <p:ext uri="{BB962C8B-B14F-4D97-AF65-F5344CB8AC3E}">
-        <p14:creationId xmlns="" xmlns:p14="http://schemas.microsoft.com/office/powerpoint/2010/main" val="1882032925"/>
+        <p14:creationId xmlns:p14="http://schemas.microsoft.com/office/powerpoint/2010/main" xmlns="" val="1722153153"/>
       </p:ext>
     </p:extLst>
   </p:cSld>
@@ -14331,7 +16164,7 @@
     <a:masterClrMapping/>
   </p:clrMapOvr>
   <mc:AlternateContent xmlns:mc="http://schemas.openxmlformats.org/markup-compatibility/2006">
-    <mc:Choice xmlns="" xmlns:p14="http://schemas.microsoft.com/office/powerpoint/2010/main" Requires="p14">
+    <mc:Choice xmlns:p14="http://schemas.microsoft.com/office/powerpoint/2010/main" xmlns="" Requires="p14">
       <p:transition spd="slow" p14:dur="1500">
         <p:random/>
       </p:transition>
@@ -14776,14 +16609,24 @@
           <a:p>
             <a:pPr marL="0" lvl="1"/>
             <a:r>
-              <a:rPr lang="zh-CN" altLang="en-US" sz="2800" spc="300" dirty="0">
+              <a:rPr lang="en-US" altLang="zh-CN" sz="2800" spc="300" dirty="0" err="1" smtClean="0">
                 <a:solidFill>
                   <a:srgbClr val="0D4960"/>
                 </a:solidFill>
                 <a:latin typeface="方正尚酷简体" panose="03000509000000000000" pitchFamily="65" charset="-122"/>
                 <a:ea typeface="方正尚酷简体" panose="03000509000000000000" pitchFamily="65" charset="-122"/>
               </a:rPr>
-              <a:t>安装</a:t>
+              <a:t>docker</a:t>
+            </a:r>
+            <a:r>
+              <a:rPr lang="en-US" altLang="zh-CN" sz="2800" spc="300" dirty="0" smtClean="0">
+                <a:solidFill>
+                  <a:srgbClr val="0D4960"/>
+                </a:solidFill>
+                <a:latin typeface="方正尚酷简体" panose="03000509000000000000" pitchFamily="65" charset="-122"/>
+                <a:ea typeface="方正尚酷简体" panose="03000509000000000000" pitchFamily="65" charset="-122"/>
+              </a:rPr>
+              <a:t> compose</a:t>
             </a:r>
             <a:endParaRPr lang="en-US" altLang="zh-CN" sz="2800" spc="300" dirty="0">
               <a:solidFill>
@@ -14832,10 +16675,272 @@
           </a:fontRef>
         </p:style>
       </p:cxnSp>
+      <p:sp>
+        <p:nvSpPr>
+          <p:cNvPr id="8" name="TextBox 7"/>
+          <p:cNvSpPr txBox="1"/>
+          <p:nvPr/>
+        </p:nvSpPr>
+        <p:spPr>
+          <a:xfrm>
+            <a:off x="695170" y="925409"/>
+            <a:ext cx="10994548" cy="2308324"/>
+          </a:xfrm>
+          <a:prstGeom prst="rect">
+            <a:avLst/>
+          </a:prstGeom>
+          <a:noFill/>
+        </p:spPr>
+        <p:txBody>
+          <a:bodyPr wrap="none" rtlCol="0">
+            <a:spAutoFit/>
+          </a:bodyPr>
+          <a:lstStyle/>
+          <a:p>
+            <a:r>
+              <a:rPr lang="en-US" altLang="zh-CN" dirty="0" smtClean="0"/>
+              <a:t>curl -L https://github.com/docker/compose/releases/download/1.21.2/docker-compose-$(</a:t>
+            </a:r>
+            <a:r>
+              <a:rPr lang="en-US" altLang="zh-CN" dirty="0" err="1" smtClean="0"/>
+              <a:t>uname</a:t>
+            </a:r>
+            <a:r>
+              <a:rPr lang="en-US" altLang="zh-CN" dirty="0" smtClean="0"/>
+              <a:t> -s)-$(</a:t>
+            </a:r>
+            <a:r>
+              <a:rPr lang="en-US" altLang="zh-CN" dirty="0" err="1" smtClean="0"/>
+              <a:t>uname</a:t>
+            </a:r>
+            <a:r>
+              <a:rPr lang="en-US" altLang="zh-CN" dirty="0" smtClean="0"/>
+              <a:t> -m) </a:t>
+            </a:r>
+          </a:p>
+          <a:p>
+            <a:r>
+              <a:rPr lang="en-US" altLang="zh-CN" dirty="0" smtClean="0"/>
+              <a:t>-o /</a:t>
+            </a:r>
+            <a:r>
+              <a:rPr lang="en-US" altLang="zh-CN" dirty="0" err="1" smtClean="0"/>
+              <a:t>usr/local/bin/docker</a:t>
+            </a:r>
+            <a:r>
+              <a:rPr lang="en-US" altLang="zh-CN" dirty="0" smtClean="0"/>
+              <a:t>-compose</a:t>
+            </a:r>
+          </a:p>
+          <a:p>
+            <a:endParaRPr lang="en-US" altLang="zh-CN" dirty="0" smtClean="0"/>
+          </a:p>
+          <a:p>
+            <a:r>
+              <a:rPr lang="en-US" altLang="zh-CN" dirty="0" err="1" smtClean="0"/>
+              <a:t>chmod</a:t>
+            </a:r>
+            <a:r>
+              <a:rPr lang="en-US" altLang="zh-CN" dirty="0" smtClean="0"/>
+              <a:t> +x /</a:t>
+            </a:r>
+            <a:r>
+              <a:rPr lang="en-US" altLang="zh-CN" dirty="0" err="1" smtClean="0"/>
+              <a:t>usr/local/bin/docker</a:t>
+            </a:r>
+            <a:r>
+              <a:rPr lang="en-US" altLang="zh-CN" dirty="0" smtClean="0"/>
+              <a:t>-compose</a:t>
+            </a:r>
+          </a:p>
+          <a:p>
+            <a:endParaRPr lang="en-US" altLang="zh-CN" dirty="0" smtClean="0"/>
+          </a:p>
+          <a:p>
+            <a:r>
+              <a:rPr lang="en-US" altLang="zh-CN" dirty="0" err="1" smtClean="0"/>
+              <a:t>docker</a:t>
+            </a:r>
+            <a:r>
+              <a:rPr lang="en-US" altLang="zh-CN" dirty="0" smtClean="0"/>
+              <a:t>-compose –version</a:t>
+            </a:r>
+          </a:p>
+          <a:p>
+            <a:endParaRPr lang="en-US" altLang="zh-CN" dirty="0" smtClean="0"/>
+          </a:p>
+          <a:p>
+            <a:r>
+              <a:rPr lang="en-US" altLang="zh-CN" dirty="0" err="1" smtClean="0"/>
+              <a:t>docker</a:t>
+            </a:r>
+            <a:r>
+              <a:rPr lang="en-US" altLang="zh-CN" dirty="0" smtClean="0"/>
+              <a:t>-compose up -d</a:t>
+            </a:r>
+            <a:endParaRPr lang="zh-CN" altLang="en-US" dirty="0"/>
+          </a:p>
+        </p:txBody>
+      </p:sp>
+      <p:sp>
+        <p:nvSpPr>
+          <p:cNvPr id="9" name="圆角矩形 8"/>
+          <p:cNvSpPr/>
+          <p:nvPr/>
+        </p:nvSpPr>
+        <p:spPr>
+          <a:xfrm>
+            <a:off x="5173028" y="1551622"/>
+            <a:ext cx="5698172" cy="3934777"/>
+          </a:xfrm>
+          <a:prstGeom prst="roundRect">
+            <a:avLst/>
+          </a:prstGeom>
+        </p:spPr>
+        <p:style>
+          <a:lnRef idx="2">
+            <a:schemeClr val="accent1">
+              <a:shade val="50000"/>
+            </a:schemeClr>
+          </a:lnRef>
+          <a:fillRef idx="1">
+            <a:schemeClr val="accent1"/>
+          </a:fillRef>
+          <a:effectRef idx="0">
+            <a:schemeClr val="accent1"/>
+          </a:effectRef>
+          <a:fontRef idx="minor">
+            <a:schemeClr val="lt1"/>
+          </a:fontRef>
+        </p:style>
+        <p:txBody>
+          <a:bodyPr rtlCol="0" anchor="ctr"/>
+          <a:lstStyle/>
+          <a:p>
+            <a:r>
+              <a:rPr lang="en-US" altLang="zh-CN" dirty="0" smtClean="0"/>
+              <a:t>version: '2'</a:t>
+            </a:r>
+          </a:p>
+          <a:p>
+            <a:r>
+              <a:rPr lang="en-US" altLang="zh-CN" dirty="0" smtClean="0"/>
+              <a:t>services:</a:t>
+            </a:r>
+          </a:p>
+          <a:p>
+            <a:r>
+              <a:rPr lang="en-US" altLang="zh-CN" dirty="0" smtClean="0"/>
+              <a:t>  discovery:</a:t>
+            </a:r>
+          </a:p>
+          <a:p>
+            <a:r>
+              <a:rPr lang="en-US" altLang="zh-CN" dirty="0" smtClean="0"/>
+              <a:t>    build: discovery/</a:t>
+            </a:r>
+          </a:p>
+          <a:p>
+            <a:r>
+              <a:rPr lang="en-US" altLang="zh-CN" dirty="0" smtClean="0"/>
+              <a:t>    ports:</a:t>
+            </a:r>
+          </a:p>
+          <a:p>
+            <a:r>
+              <a:rPr lang="en-US" altLang="zh-CN" dirty="0" smtClean="0"/>
+              <a:t>      - "9999:9999"</a:t>
+            </a:r>
+          </a:p>
+          <a:p>
+            <a:r>
+              <a:rPr lang="en-US" altLang="zh-CN" dirty="0" smtClean="0"/>
+              <a:t>  </a:t>
+            </a:r>
+            <a:r>
+              <a:rPr lang="en-US" altLang="zh-CN" dirty="0" err="1" smtClean="0"/>
+              <a:t>masterdb</a:t>
+            </a:r>
+            <a:r>
+              <a:rPr lang="en-US" altLang="zh-CN" dirty="0" smtClean="0"/>
+              <a:t>:</a:t>
+            </a:r>
+          </a:p>
+          <a:p>
+            <a:r>
+              <a:rPr lang="en-US" altLang="zh-CN" dirty="0" smtClean="0"/>
+              <a:t>    build: </a:t>
+            </a:r>
+            <a:r>
+              <a:rPr lang="en-US" altLang="zh-CN" dirty="0" err="1" smtClean="0"/>
+              <a:t>masterdb</a:t>
+            </a:r>
+            <a:r>
+              <a:rPr lang="en-US" altLang="zh-CN" dirty="0" smtClean="0"/>
+              <a:t>/</a:t>
+            </a:r>
+          </a:p>
+          <a:p>
+            <a:r>
+              <a:rPr lang="en-US" altLang="zh-CN" dirty="0" smtClean="0"/>
+              <a:t>    ports:</a:t>
+            </a:r>
+          </a:p>
+          <a:p>
+            <a:r>
+              <a:rPr lang="en-US" altLang="zh-CN" dirty="0" smtClean="0"/>
+              <a:t>      - "3306:3306"</a:t>
+            </a:r>
+          </a:p>
+          <a:p>
+            <a:r>
+              <a:rPr lang="en-US" altLang="zh-CN" dirty="0" smtClean="0"/>
+              <a:t>    environment:</a:t>
+            </a:r>
+          </a:p>
+          <a:p>
+            <a:r>
+              <a:rPr lang="en-US" altLang="zh-CN" dirty="0" smtClean="0"/>
+              <a:t>      - MYSQL_ROOT_PASSWORD=123456</a:t>
+            </a:r>
+            <a:endParaRPr lang="zh-CN" altLang="en-US" dirty="0"/>
+          </a:p>
+        </p:txBody>
+      </p:sp>
+      <p:sp>
+        <p:nvSpPr>
+          <p:cNvPr id="10" name="TextBox 9"/>
+          <p:cNvSpPr txBox="1"/>
+          <p:nvPr/>
+        </p:nvSpPr>
+        <p:spPr>
+          <a:xfrm>
+            <a:off x="7029450" y="5472112"/>
+            <a:ext cx="2130327" cy="369332"/>
+          </a:xfrm>
+          <a:prstGeom prst="rect">
+            <a:avLst/>
+          </a:prstGeom>
+          <a:noFill/>
+        </p:spPr>
+        <p:txBody>
+          <a:bodyPr wrap="none" rtlCol="0">
+            <a:spAutoFit/>
+          </a:bodyPr>
+          <a:lstStyle/>
+          <a:p>
+            <a:r>
+              <a:rPr lang="en-US" altLang="zh-CN" dirty="0" err="1" smtClean="0"/>
+              <a:t>docker-compose.yml</a:t>
+            </a:r>
+            <a:endParaRPr lang="zh-CN" altLang="en-US" dirty="0"/>
+          </a:p>
+        </p:txBody>
+      </p:sp>
     </p:spTree>
     <p:extLst>
       <p:ext uri="{BB962C8B-B14F-4D97-AF65-F5344CB8AC3E}">
-        <p14:creationId xmlns="" xmlns:p14="http://schemas.microsoft.com/office/powerpoint/2010/main" val="2029473334"/>
+        <p14:creationId xmlns:p14="http://schemas.microsoft.com/office/powerpoint/2010/main" xmlns="" val="1882032925"/>
       </p:ext>
     </p:extLst>
   </p:cSld>
@@ -14843,7 +16948,7 @@
     <a:masterClrMapping/>
   </p:clrMapOvr>
   <mc:AlternateContent xmlns:mc="http://schemas.openxmlformats.org/markup-compatibility/2006">
-    <mc:Choice xmlns="" xmlns:p14="http://schemas.microsoft.com/office/powerpoint/2010/main" Requires="p14">
+    <mc:Choice xmlns:p14="http://schemas.microsoft.com/office/powerpoint/2010/main" xmlns="" Requires="p14">
       <p:transition spd="slow" p14:dur="1500">
         <p:random/>
       </p:transition>
@@ -15288,16 +17393,16 @@
           <a:p>
             <a:pPr marL="0" lvl="1"/>
             <a:r>
-              <a:rPr lang="zh-CN" altLang="en-US" sz="2800" spc="300" dirty="0">
+              <a:rPr lang="en-US" altLang="zh-CN" sz="2800" spc="300" dirty="0" err="1" smtClean="0">
                 <a:solidFill>
                   <a:srgbClr val="0D4960"/>
                 </a:solidFill>
                 <a:latin typeface="方正尚酷简体" panose="03000509000000000000" pitchFamily="65" charset="-122"/>
                 <a:ea typeface="方正尚酷简体" panose="03000509000000000000" pitchFamily="65" charset="-122"/>
               </a:rPr>
-              <a:t>安装</a:t>
-            </a:r>
-            <a:endParaRPr lang="en-US" altLang="zh-CN" sz="2800" spc="300" dirty="0">
+              <a:t>Dockerfile</a:t>
+            </a:r>
+            <a:endParaRPr lang="en-US" altLang="zh-CN" sz="2800" spc="300" dirty="0" smtClean="0">
               <a:solidFill>
                 <a:srgbClr val="0D4960"/>
               </a:solidFill>
@@ -15344,10 +17449,153 @@
           </a:fontRef>
         </p:style>
       </p:cxnSp>
+      <p:sp>
+        <p:nvSpPr>
+          <p:cNvPr id="8" name="TextBox 7"/>
+          <p:cNvSpPr txBox="1"/>
+          <p:nvPr/>
+        </p:nvSpPr>
+        <p:spPr>
+          <a:xfrm>
+            <a:off x="1157288" y="1371601"/>
+            <a:ext cx="4808111" cy="1754326"/>
+          </a:xfrm>
+          <a:prstGeom prst="rect">
+            <a:avLst/>
+          </a:prstGeom>
+          <a:noFill/>
+        </p:spPr>
+        <p:txBody>
+          <a:bodyPr wrap="none" rtlCol="0">
+            <a:spAutoFit/>
+          </a:bodyPr>
+          <a:lstStyle/>
+          <a:p>
+            <a:r>
+              <a:rPr lang="en-US" altLang="zh-CN" dirty="0" smtClean="0"/>
+              <a:t>FROM java</a:t>
+            </a:r>
+          </a:p>
+          <a:p>
+            <a:r>
+              <a:rPr lang="en-US" altLang="zh-CN" dirty="0" smtClean="0"/>
+              <a:t>VOLUME /</a:t>
+            </a:r>
+            <a:r>
+              <a:rPr lang="en-US" altLang="zh-CN" dirty="0" err="1" smtClean="0"/>
+              <a:t>tmp</a:t>
+            </a:r>
+            <a:endParaRPr lang="en-US" altLang="zh-CN" dirty="0" smtClean="0"/>
+          </a:p>
+          <a:p>
+            <a:r>
+              <a:rPr lang="en-US" altLang="zh-CN" dirty="0" smtClean="0"/>
+              <a:t>ADD discovery-server-0.0.1-SNAPSHOT.jar </a:t>
+            </a:r>
+            <a:r>
+              <a:rPr lang="en-US" altLang="zh-CN" dirty="0" err="1" smtClean="0"/>
+              <a:t>app.jar</a:t>
+            </a:r>
+            <a:endParaRPr lang="en-US" altLang="zh-CN" dirty="0" smtClean="0"/>
+          </a:p>
+          <a:p>
+            <a:r>
+              <a:rPr lang="en-US" altLang="zh-CN" dirty="0" smtClean="0"/>
+              <a:t>RUN bash -c 'touch /</a:t>
+            </a:r>
+            <a:r>
+              <a:rPr lang="en-US" altLang="zh-CN" dirty="0" err="1" smtClean="0"/>
+              <a:t>app.jar</a:t>
+            </a:r>
+            <a:r>
+              <a:rPr lang="en-US" altLang="zh-CN" dirty="0" smtClean="0"/>
+              <a:t>'</a:t>
+            </a:r>
+          </a:p>
+          <a:p>
+            <a:r>
+              <a:rPr lang="en-US" altLang="zh-CN" dirty="0" smtClean="0"/>
+              <a:t>EXPOSE 9999</a:t>
+            </a:r>
+          </a:p>
+          <a:p>
+            <a:r>
+              <a:rPr lang="en-US" altLang="zh-CN" dirty="0" smtClean="0"/>
+              <a:t>ENTRYPOINT ["java","-jar","/</a:t>
+            </a:r>
+            <a:r>
+              <a:rPr lang="en-US" altLang="zh-CN" dirty="0" err="1" smtClean="0"/>
+              <a:t>app.jar</a:t>
+            </a:r>
+            <a:r>
+              <a:rPr lang="en-US" altLang="zh-CN" dirty="0" smtClean="0"/>
+              <a:t>"]</a:t>
+            </a:r>
+            <a:endParaRPr lang="zh-CN" altLang="en-US" dirty="0"/>
+          </a:p>
+        </p:txBody>
+      </p:sp>
+      <p:sp>
+        <p:nvSpPr>
+          <p:cNvPr id="9" name="矩形 8"/>
+          <p:cNvSpPr/>
+          <p:nvPr/>
+        </p:nvSpPr>
+        <p:spPr>
+          <a:xfrm>
+            <a:off x="1239715" y="3385038"/>
+            <a:ext cx="4888523" cy="404446"/>
+          </a:xfrm>
+          <a:prstGeom prst="rect">
+            <a:avLst/>
+          </a:prstGeom>
+        </p:spPr>
+        <p:style>
+          <a:lnRef idx="2">
+            <a:schemeClr val="accent2"/>
+          </a:lnRef>
+          <a:fillRef idx="1">
+            <a:schemeClr val="lt1"/>
+          </a:fillRef>
+          <a:effectRef idx="0">
+            <a:schemeClr val="accent2"/>
+          </a:effectRef>
+          <a:fontRef idx="minor">
+            <a:schemeClr val="dk1"/>
+          </a:fontRef>
+        </p:style>
+        <p:txBody>
+          <a:bodyPr rtlCol="0" anchor="ctr"/>
+          <a:lstStyle/>
+          <a:p>
+            <a:r>
+              <a:rPr lang="en-US" altLang="zh-CN" dirty="0" err="1" smtClean="0"/>
+              <a:t>docker</a:t>
+            </a:r>
+            <a:r>
+              <a:rPr lang="en-US" altLang="zh-CN" dirty="0" smtClean="0"/>
+              <a:t> build –t </a:t>
+            </a:r>
+            <a:r>
+              <a:rPr lang="en-US" altLang="zh-CN" dirty="0" err="1" smtClean="0"/>
+              <a:t>image:tag</a:t>
+            </a:r>
+            <a:r>
+              <a:rPr lang="en-US" altLang="zh-CN" dirty="0" smtClean="0"/>
+              <a:t> </a:t>
+            </a:r>
+            <a:r>
+              <a:rPr lang="en-US" altLang="zh-CN" dirty="0" err="1" smtClean="0"/>
+              <a:t>Dockerfile</a:t>
+            </a:r>
+            <a:endParaRPr lang="zh-CN" altLang="en-US" dirty="0"/>
+          </a:p>
+        </p:txBody>
+      </p:sp>
     </p:spTree>
     <p:extLst>
       <p:ext uri="{BB962C8B-B14F-4D97-AF65-F5344CB8AC3E}">
-        <p14:creationId xmlns="" xmlns:p14="http://schemas.microsoft.com/office/powerpoint/2010/main" val="1722153153"/>
+        <p14:creationId xmlns:p14="http://schemas.microsoft.com/office/powerpoint/2010/main" xmlns="" val="2029473334"/>
       </p:ext>
     </p:extLst>
   </p:cSld>
@@ -15355,7 +17603,7 @@
     <a:masterClrMapping/>
   </p:clrMapOvr>
   <mc:AlternateContent xmlns:mc="http://schemas.openxmlformats.org/markup-compatibility/2006">
-    <mc:Choice xmlns="" xmlns:p14="http://schemas.microsoft.com/office/powerpoint/2010/main" Requires="p14">
+    <mc:Choice xmlns:p14="http://schemas.microsoft.com/office/powerpoint/2010/main" xmlns="" Requires="p14">
       <p:transition spd="slow" p14:dur="1500">
         <p:random/>
       </p:transition>
@@ -15885,7 +18133,7 @@
   <a:extraClrSchemeLst/>
   <a:extLst>
     <a:ext uri="{05A4C25C-085E-4340-85A3-A5531E510DB2}">
-      <thm15:themeFamily xmlns="" xmlns:thm15="http://schemas.microsoft.com/office/thememl/2012/main" name="Office Theme" id="{62F939B6-93AF-4DB8-9C6B-D6C7DFDC589F}" vid="{4A3C46E8-61CC-4603-A589-7422A47A8E4A}"/>
+      <thm15:themeFamily xmlns:thm15="http://schemas.microsoft.com/office/thememl/2012/main" xmlns="" name="Office Theme" id="{62F939B6-93AF-4DB8-9C6B-D6C7DFDC589F}" vid="{4A3C46E8-61CC-4603-A589-7422A47A8E4A}"/>
     </a:ext>
   </a:extLst>
 </a:theme>
@@ -16146,7 +18394,7 @@
   <a:extraClrSchemeLst/>
   <a:extLst>
     <a:ext uri="{05A4C25C-085E-4340-85A3-A5531E510DB2}">
-      <thm15:themeFamily xmlns="" xmlns:thm15="http://schemas.microsoft.com/office/thememl/2012/main" name="Office Theme" id="{62F939B6-93AF-4DB8-9C6B-D6C7DFDC589F}" vid="{4A3C46E8-61CC-4603-A589-7422A47A8E4A}"/>
+      <thm15:themeFamily xmlns:thm15="http://schemas.microsoft.com/office/thememl/2012/main" xmlns="" name="Office Theme" id="{62F939B6-93AF-4DB8-9C6B-D6C7DFDC589F}" vid="{4A3C46E8-61CC-4603-A589-7422A47A8E4A}"/>
     </a:ext>
   </a:extLst>
 </a:theme>
